--- a/2018/06/Использование Tarantool.pptx
+++ b/2018/06/Использование Tarantool.pptx
@@ -25,8 +25,8 @@
     <p:sldId id="281" r:id="rId19"/>
     <p:sldId id="282" r:id="rId20"/>
     <p:sldId id="303" r:id="rId21"/>
-    <p:sldId id="283" r:id="rId22"/>
-    <p:sldId id="284" r:id="rId23"/>
+    <p:sldId id="284" r:id="rId22"/>
+    <p:sldId id="283" r:id="rId23"/>
     <p:sldId id="289" r:id="rId24"/>
     <p:sldId id="287" r:id="rId25"/>
     <p:sldId id="262" r:id="rId26"/>
@@ -186,8 +186,8 @@
             <p14:sldId id="281"/>
             <p14:sldId id="282"/>
             <p14:sldId id="303"/>
+            <p14:sldId id="284"/>
             <p14:sldId id="283"/>
-            <p14:sldId id="284"/>
             <p14:sldId id="289"/>
             <p14:sldId id="287"/>
           </p14:sldIdLst>
@@ -457,7 +457,7 @@
           <a:p>
             <a:fld id="{29FDD4DC-4C5D-F249-BEE2-0787EC7B787B}" type="datetimeFigureOut">
               <a:rPr lang="ru-RU" smtClean="0"/>
-              <a:t>20.06.2018</a:t>
+              <a:t>21.06.2018</a:t>
             </a:fld>
             <a:endParaRPr lang="ru-RU"/>
           </a:p>
@@ -627,7 +627,7 @@
           <a:p>
             <a:fld id="{29FDD4DC-4C5D-F249-BEE2-0787EC7B787B}" type="datetimeFigureOut">
               <a:rPr lang="ru-RU" smtClean="0"/>
-              <a:t>20.06.2018</a:t>
+              <a:t>21.06.2018</a:t>
             </a:fld>
             <a:endParaRPr lang="ru-RU"/>
           </a:p>
@@ -807,7 +807,7 @@
           <a:p>
             <a:fld id="{29FDD4DC-4C5D-F249-BEE2-0787EC7B787B}" type="datetimeFigureOut">
               <a:rPr lang="ru-RU" smtClean="0"/>
-              <a:t>20.06.2018</a:t>
+              <a:t>21.06.2018</a:t>
             </a:fld>
             <a:endParaRPr lang="ru-RU"/>
           </a:p>
@@ -977,7 +977,7 @@
           <a:p>
             <a:fld id="{29FDD4DC-4C5D-F249-BEE2-0787EC7B787B}" type="datetimeFigureOut">
               <a:rPr lang="ru-RU" smtClean="0"/>
-              <a:t>20.06.2018</a:t>
+              <a:t>21.06.2018</a:t>
             </a:fld>
             <a:endParaRPr lang="ru-RU"/>
           </a:p>
@@ -1223,7 +1223,7 @@
           <a:p>
             <a:fld id="{29FDD4DC-4C5D-F249-BEE2-0787EC7B787B}" type="datetimeFigureOut">
               <a:rPr lang="ru-RU" smtClean="0"/>
-              <a:t>20.06.2018</a:t>
+              <a:t>21.06.2018</a:t>
             </a:fld>
             <a:endParaRPr lang="ru-RU"/>
           </a:p>
@@ -1511,7 +1511,7 @@
           <a:p>
             <a:fld id="{29FDD4DC-4C5D-F249-BEE2-0787EC7B787B}" type="datetimeFigureOut">
               <a:rPr lang="ru-RU" smtClean="0"/>
-              <a:t>20.06.2018</a:t>
+              <a:t>21.06.2018</a:t>
             </a:fld>
             <a:endParaRPr lang="ru-RU"/>
           </a:p>
@@ -1933,7 +1933,7 @@
           <a:p>
             <a:fld id="{29FDD4DC-4C5D-F249-BEE2-0787EC7B787B}" type="datetimeFigureOut">
               <a:rPr lang="ru-RU" smtClean="0"/>
-              <a:t>20.06.2018</a:t>
+              <a:t>21.06.2018</a:t>
             </a:fld>
             <a:endParaRPr lang="ru-RU"/>
           </a:p>
@@ -2051,7 +2051,7 @@
           <a:p>
             <a:fld id="{29FDD4DC-4C5D-F249-BEE2-0787EC7B787B}" type="datetimeFigureOut">
               <a:rPr lang="ru-RU" smtClean="0"/>
-              <a:t>20.06.2018</a:t>
+              <a:t>21.06.2018</a:t>
             </a:fld>
             <a:endParaRPr lang="ru-RU"/>
           </a:p>
@@ -2146,7 +2146,7 @@
           <a:p>
             <a:fld id="{29FDD4DC-4C5D-F249-BEE2-0787EC7B787B}" type="datetimeFigureOut">
               <a:rPr lang="ru-RU" smtClean="0"/>
-              <a:t>20.06.2018</a:t>
+              <a:t>21.06.2018</a:t>
             </a:fld>
             <a:endParaRPr lang="ru-RU"/>
           </a:p>
@@ -2423,7 +2423,7 @@
           <a:p>
             <a:fld id="{29FDD4DC-4C5D-F249-BEE2-0787EC7B787B}" type="datetimeFigureOut">
               <a:rPr lang="ru-RU" smtClean="0"/>
-              <a:t>20.06.2018</a:t>
+              <a:t>21.06.2018</a:t>
             </a:fld>
             <a:endParaRPr lang="ru-RU"/>
           </a:p>
@@ -2680,7 +2680,7 @@
           <a:p>
             <a:fld id="{29FDD4DC-4C5D-F249-BEE2-0787EC7B787B}" type="datetimeFigureOut">
               <a:rPr lang="ru-RU" smtClean="0"/>
-              <a:t>20.06.2018</a:t>
+              <a:t>21.06.2018</a:t>
             </a:fld>
             <a:endParaRPr lang="ru-RU"/>
           </a:p>
@@ -2921,7 +2921,7 @@
           <a:p>
             <a:fld id="{29FDD4DC-4C5D-F249-BEE2-0787EC7B787B}" type="datetimeFigureOut">
               <a:rPr lang="ru-RU" smtClean="0"/>
-              <a:t>20.06.2018</a:t>
+              <a:t>21.06.2018</a:t>
             </a:fld>
             <a:endParaRPr lang="ru-RU"/>
           </a:p>
@@ -8871,10 +8871,6 @@
               <a:rPr lang="en-US" dirty="0" err="1"/>
               <a:t>IProto</a:t>
             </a:r>
-            <a:r>
-              <a:rPr lang="en-US" dirty="0"/>
-              <a:t>.</a:t>
-            </a:r>
             <a:endParaRPr lang="ru-RU" dirty="0"/>
           </a:p>
         </p:txBody>
@@ -8951,7 +8947,7 @@
           <a:p>
             <a:r>
               <a:rPr lang="ru-RU" sz="2000" dirty="0"/>
-              <a:t>.net - это не только Windows, но и Linux, и OS X</a:t>
+              <a:t>.net – это не только Windows, но и Linux, и OS X</a:t>
             </a:r>
           </a:p>
           <a:p>
@@ -9784,10 +9780,10 @@
       </p:grpSpPr>
       <p:sp>
         <p:nvSpPr>
-          <p:cNvPr id="5" name="Title 4">
+          <p:cNvPr id="2" name="Title 1">
             <a:extLst>
               <a:ext uri="{FF2B5EF4-FFF2-40B4-BE49-F238E27FC236}">
-                <a16:creationId xmlns:a16="http://schemas.microsoft.com/office/drawing/2014/main" id="{DD4655AB-1BCA-4810-8EB1-F1B966CFDBE3}"/>
+                <a16:creationId xmlns:a16="http://schemas.microsoft.com/office/drawing/2014/main" id="{4C9C3644-D444-4916-B72B-9F29BDF9C98B}"/>
               </a:ext>
             </a:extLst>
           </p:cNvPr>
@@ -9806,17 +9802,17 @@
             <a:pPr algn="l"/>
             <a:r>
               <a:rPr lang="ru-RU" dirty="0"/>
-              <a:t>Интерфейс: стало</a:t>
+              <a:t>Как добились?</a:t>
             </a:r>
           </a:p>
         </p:txBody>
       </p:sp>
       <p:sp>
         <p:nvSpPr>
-          <p:cNvPr id="7" name="Content Placeholder 6">
+          <p:cNvPr id="3" name="Content Placeholder 2">
             <a:extLst>
               <a:ext uri="{FF2B5EF4-FFF2-40B4-BE49-F238E27FC236}">
-                <a16:creationId xmlns:a16="http://schemas.microsoft.com/office/drawing/2014/main" id="{D6F24F77-7CB1-4760-BD14-B6B253194F4A}"/>
+                <a16:creationId xmlns:a16="http://schemas.microsoft.com/office/drawing/2014/main" id="{F9D72788-C006-47FA-8615-F88E50026381}"/>
               </a:ext>
             </a:extLst>
           </p:cNvPr>
@@ -9829,432 +9825,48 @@
         </p:nvSpPr>
         <p:spPr/>
         <p:txBody>
-          <a:bodyPr>
-            <a:normAutofit/>
-          </a:bodyPr>
+          <a:bodyPr/>
           <a:lstStyle/>
           <a:p>
-            <a:pPr marL="0" indent="0">
-              <a:buNone/>
-            </a:pPr>
-            <a:r>
-              <a:rPr lang="en-US" sz="1400" dirty="0">
-                <a:solidFill>
-                  <a:srgbClr val="267F99"/>
-                </a:solidFill>
-                <a:latin typeface="Consolas" panose="020B0609020204030204" pitchFamily="49" charset="0"/>
-              </a:rPr>
-              <a:t>Task</a:t>
-            </a:r>
-            <a:r>
-              <a:rPr lang="en-US" sz="1400" dirty="0">
-                <a:solidFill>
-                  <a:srgbClr val="000000"/>
-                </a:solidFill>
-                <a:latin typeface="Consolas" panose="020B0609020204030204" pitchFamily="49" charset="0"/>
-              </a:rPr>
-              <a:t>&lt;</a:t>
-            </a:r>
-            <a:r>
-              <a:rPr lang="en-US" sz="1400" dirty="0" err="1">
-                <a:solidFill>
-                  <a:srgbClr val="267F99"/>
-                </a:solidFill>
-                <a:latin typeface="Consolas" panose="020B0609020204030204" pitchFamily="49" charset="0"/>
-              </a:rPr>
-              <a:t>IReadOnlyList</a:t>
-            </a:r>
-            <a:r>
-              <a:rPr lang="en-US" sz="1400" dirty="0">
-                <a:solidFill>
-                  <a:srgbClr val="000000"/>
-                </a:solidFill>
-                <a:latin typeface="Consolas" panose="020B0609020204030204" pitchFamily="49" charset="0"/>
-              </a:rPr>
-              <a:t>&lt;</a:t>
-            </a:r>
-            <a:r>
-              <a:rPr lang="en-US" sz="1400" dirty="0" err="1">
-                <a:solidFill>
-                  <a:srgbClr val="267F99"/>
-                </a:solidFill>
-                <a:latin typeface="Consolas" panose="020B0609020204030204" pitchFamily="49" charset="0"/>
-              </a:rPr>
-              <a:t>AnswerPublishRequest</a:t>
-            </a:r>
-            <a:r>
-              <a:rPr lang="en-US" sz="1400" dirty="0">
-                <a:solidFill>
-                  <a:srgbClr val="000000"/>
-                </a:solidFill>
-                <a:latin typeface="Consolas" panose="020B0609020204030204" pitchFamily="49" charset="0"/>
-              </a:rPr>
-              <a:t>&gt;&gt; </a:t>
-            </a:r>
-            <a:r>
-              <a:rPr lang="en-US" sz="1400" dirty="0" err="1">
-                <a:solidFill>
-                  <a:srgbClr val="795E26"/>
-                </a:solidFill>
-                <a:latin typeface="Consolas" panose="020B0609020204030204" pitchFamily="49" charset="0"/>
-              </a:rPr>
-              <a:t>GetById</a:t>
-            </a:r>
-            <a:r>
-              <a:rPr lang="en-US" sz="1400" dirty="0">
-                <a:solidFill>
-                  <a:srgbClr val="000000"/>
-                </a:solidFill>
-                <a:latin typeface="Consolas" panose="020B0609020204030204" pitchFamily="49" charset="0"/>
-              </a:rPr>
-              <a:t>(</a:t>
-            </a:r>
-            <a:r>
-              <a:rPr lang="en-US" sz="1400" dirty="0" err="1">
-                <a:solidFill>
-                  <a:srgbClr val="267F99"/>
-                </a:solidFill>
-                <a:latin typeface="Consolas" panose="020B0609020204030204" pitchFamily="49" charset="0"/>
-              </a:rPr>
-              <a:t>QuestionId</a:t>
-            </a:r>
-            <a:r>
-              <a:rPr lang="en-US" sz="1400" dirty="0">
-                <a:solidFill>
-                  <a:srgbClr val="000000"/>
-                </a:solidFill>
-                <a:latin typeface="Consolas" panose="020B0609020204030204" pitchFamily="49" charset="0"/>
-              </a:rPr>
-              <a:t> </a:t>
-            </a:r>
-            <a:r>
-              <a:rPr lang="en-US" sz="1400" dirty="0" err="1">
-                <a:solidFill>
-                  <a:srgbClr val="000000"/>
-                </a:solidFill>
-                <a:latin typeface="Consolas" panose="020B0609020204030204" pitchFamily="49" charset="0"/>
-              </a:rPr>
-              <a:t>questionId</a:t>
-            </a:r>
-            <a:r>
-              <a:rPr lang="en-US" sz="1400" dirty="0">
-                <a:solidFill>
-                  <a:srgbClr val="000000"/>
-                </a:solidFill>
-                <a:latin typeface="Consolas" panose="020B0609020204030204" pitchFamily="49" charset="0"/>
-              </a:rPr>
-              <a:t>)</a:t>
-            </a:r>
-          </a:p>
-          <a:p>
-            <a:pPr marL="0" indent="0">
-              <a:buNone/>
-            </a:pPr>
-            <a:r>
-              <a:rPr lang="en-US" sz="1400" dirty="0">
-                <a:solidFill>
-                  <a:srgbClr val="000000"/>
-                </a:solidFill>
-                <a:latin typeface="Consolas" panose="020B0609020204030204" pitchFamily="49" charset="0"/>
-              </a:rPr>
-              <a:t>{</a:t>
-            </a:r>
-          </a:p>
-          <a:p>
-            <a:pPr marL="400050" lvl="1" indent="0">
-              <a:buNone/>
-            </a:pPr>
-            <a:r>
-              <a:rPr lang="en-US" sz="1400" dirty="0">
-                <a:solidFill>
-                  <a:srgbClr val="0000FF"/>
-                </a:solidFill>
-                <a:latin typeface="Consolas" panose="020B0609020204030204" pitchFamily="49" charset="0"/>
-              </a:rPr>
-              <a:t>var</a:t>
-            </a:r>
-            <a:r>
-              <a:rPr lang="en-US" sz="1400" dirty="0">
-                <a:solidFill>
-                  <a:srgbClr val="000000"/>
-                </a:solidFill>
-                <a:latin typeface="Consolas" panose="020B0609020204030204" pitchFamily="49" charset="0"/>
-              </a:rPr>
-              <a:t> index = </a:t>
-            </a:r>
-            <a:r>
-              <a:rPr lang="en-US" sz="1400" dirty="0" err="1">
-                <a:solidFill>
-                  <a:srgbClr val="001080"/>
-                </a:solidFill>
-                <a:latin typeface="Consolas" panose="020B0609020204030204" pitchFamily="49" charset="0"/>
-              </a:rPr>
-              <a:t>client</a:t>
-            </a:r>
-            <a:r>
-              <a:rPr lang="en-US" sz="1400" dirty="0" err="1">
-                <a:solidFill>
-                  <a:srgbClr val="000000"/>
-                </a:solidFill>
-                <a:latin typeface="Consolas" panose="020B0609020204030204" pitchFamily="49" charset="0"/>
-              </a:rPr>
-              <a:t>.</a:t>
-            </a:r>
-            <a:r>
-              <a:rPr lang="en-US" sz="1400" dirty="0" err="1">
-                <a:solidFill>
-                  <a:srgbClr val="795E26"/>
-                </a:solidFill>
-                <a:latin typeface="Consolas" panose="020B0609020204030204" pitchFamily="49" charset="0"/>
-              </a:rPr>
-              <a:t>GetSchema</a:t>
-            </a:r>
-            <a:r>
-              <a:rPr lang="en-US" sz="1400" dirty="0">
-                <a:solidFill>
-                  <a:srgbClr val="000000"/>
-                </a:solidFill>
-                <a:latin typeface="Consolas" panose="020B0609020204030204" pitchFamily="49" charset="0"/>
-              </a:rPr>
-              <a:t>().</a:t>
-            </a:r>
-            <a:r>
-              <a:rPr lang="en-US" sz="1400" dirty="0" err="1">
-                <a:solidFill>
-                  <a:srgbClr val="795E26"/>
-                </a:solidFill>
-                <a:latin typeface="Consolas" panose="020B0609020204030204" pitchFamily="49" charset="0"/>
-              </a:rPr>
-              <a:t>GetSpace</a:t>
-            </a:r>
-            <a:r>
-              <a:rPr lang="en-US" sz="1400" dirty="0">
-                <a:latin typeface="Consolas" panose="020B0609020204030204" pitchFamily="49" charset="0"/>
-              </a:rPr>
-              <a:t>&lt;</a:t>
-            </a:r>
-            <a:r>
-              <a:rPr lang="en-US" sz="1400" dirty="0" err="1">
-                <a:solidFill>
-                  <a:srgbClr val="267F99"/>
-                </a:solidFill>
-                <a:latin typeface="Consolas" panose="020B0609020204030204" pitchFamily="49" charset="0"/>
-              </a:rPr>
-              <a:t>AnswerPublishRequest</a:t>
-            </a:r>
-            <a:r>
-              <a:rPr lang="en-US" sz="1400" dirty="0">
-                <a:latin typeface="Consolas" panose="020B0609020204030204" pitchFamily="49" charset="0"/>
-              </a:rPr>
-              <a:t>&gt;</a:t>
-            </a:r>
-            <a:r>
-              <a:rPr lang="en-US" sz="1400" dirty="0">
-                <a:solidFill>
-                  <a:srgbClr val="000000"/>
-                </a:solidFill>
-                <a:latin typeface="Consolas" panose="020B0609020204030204" pitchFamily="49" charset="0"/>
-              </a:rPr>
-              <a:t>[</a:t>
-            </a:r>
-            <a:r>
-              <a:rPr lang="en-US" sz="1400" dirty="0">
-                <a:solidFill>
-                  <a:srgbClr val="A31515"/>
-                </a:solidFill>
-                <a:latin typeface="Consolas" panose="020B0609020204030204" pitchFamily="49" charset="0"/>
-              </a:rPr>
-              <a:t>"a"</a:t>
-            </a:r>
-            <a:r>
-              <a:rPr lang="en-US" sz="1400" dirty="0">
-                <a:solidFill>
-                  <a:srgbClr val="000000"/>
-                </a:solidFill>
-                <a:latin typeface="Consolas" panose="020B0609020204030204" pitchFamily="49" charset="0"/>
-              </a:rPr>
-              <a:t>][</a:t>
-            </a:r>
-            <a:r>
-              <a:rPr lang="en-US" sz="1400" dirty="0">
-                <a:solidFill>
-                  <a:srgbClr val="A31515"/>
-                </a:solidFill>
-                <a:latin typeface="Consolas" panose="020B0609020204030204" pitchFamily="49" charset="0"/>
-              </a:rPr>
-              <a:t>"b"</a:t>
-            </a:r>
-            <a:r>
-              <a:rPr lang="en-US" sz="1400" dirty="0">
-                <a:solidFill>
-                  <a:srgbClr val="000000"/>
-                </a:solidFill>
-                <a:latin typeface="Consolas" panose="020B0609020204030204" pitchFamily="49" charset="0"/>
-              </a:rPr>
-              <a:t>];</a:t>
-            </a:r>
-          </a:p>
-          <a:p>
-            <a:pPr marL="400050" lvl="1" indent="0">
-              <a:buNone/>
-            </a:pPr>
-            <a:br>
-              <a:rPr lang="en-US" sz="1400" dirty="0">
-                <a:solidFill>
-                  <a:srgbClr val="000000"/>
-                </a:solidFill>
-                <a:latin typeface="Consolas" panose="020B0609020204030204" pitchFamily="49" charset="0"/>
-              </a:rPr>
-            </a:br>
-            <a:r>
-              <a:rPr lang="en-US" sz="1400" dirty="0">
-                <a:solidFill>
-                  <a:srgbClr val="AF00DB"/>
-                </a:solidFill>
-                <a:latin typeface="Consolas" panose="020B0609020204030204" pitchFamily="49" charset="0"/>
-              </a:rPr>
-              <a:t>return </a:t>
-            </a:r>
-            <a:r>
-              <a:rPr lang="en-US" sz="1400" dirty="0" err="1">
-                <a:solidFill>
-                  <a:srgbClr val="001080"/>
-                </a:solidFill>
-                <a:latin typeface="Consolas" panose="020B0609020204030204" pitchFamily="49" charset="0"/>
-              </a:rPr>
-              <a:t>index</a:t>
-            </a:r>
-            <a:r>
-              <a:rPr lang="en-US" sz="1400" dirty="0" err="1">
-                <a:solidFill>
-                  <a:srgbClr val="000000"/>
-                </a:solidFill>
-                <a:latin typeface="Consolas" panose="020B0609020204030204" pitchFamily="49" charset="0"/>
-              </a:rPr>
-              <a:t>.</a:t>
-            </a:r>
-            <a:r>
-              <a:rPr lang="en-US" sz="1400" dirty="0" err="1">
-                <a:solidFill>
-                  <a:srgbClr val="795E26"/>
-                </a:solidFill>
-                <a:latin typeface="Consolas" panose="020B0609020204030204" pitchFamily="49" charset="0"/>
-              </a:rPr>
-              <a:t>Select</a:t>
-            </a:r>
-            <a:r>
-              <a:rPr lang="en-US" sz="1400" dirty="0">
-                <a:solidFill>
-                  <a:srgbClr val="000000"/>
-                </a:solidFill>
-                <a:latin typeface="Consolas" panose="020B0609020204030204" pitchFamily="49" charset="0"/>
-              </a:rPr>
-              <a:t>((</a:t>
-            </a:r>
-            <a:r>
-              <a:rPr lang="en-US" sz="1400" dirty="0">
-                <a:solidFill>
-                  <a:srgbClr val="0000FF"/>
-                </a:solidFill>
-                <a:latin typeface="Consolas" panose="020B0609020204030204" pitchFamily="49" charset="0"/>
-              </a:rPr>
-              <a:t>false</a:t>
-            </a:r>
-            <a:r>
-              <a:rPr lang="en-US" sz="1400" dirty="0">
-                <a:solidFill>
-                  <a:srgbClr val="000000"/>
-                </a:solidFill>
-                <a:latin typeface="Consolas" panose="020B0609020204030204" pitchFamily="49" charset="0"/>
-              </a:rPr>
-              <a:t>, </a:t>
-            </a:r>
-            <a:r>
-              <a:rPr lang="en-US" sz="1400" dirty="0" err="1">
-                <a:solidFill>
-                  <a:srgbClr val="001080"/>
-                </a:solidFill>
-                <a:latin typeface="Consolas" panose="020B0609020204030204" pitchFamily="49" charset="0"/>
-              </a:rPr>
-              <a:t>questionId</a:t>
-            </a:r>
-            <a:r>
-              <a:rPr lang="en-US" sz="1400" dirty="0">
-                <a:solidFill>
-                  <a:srgbClr val="000000"/>
-                </a:solidFill>
-                <a:latin typeface="Consolas" panose="020B0609020204030204" pitchFamily="49" charset="0"/>
-              </a:rPr>
-              <a:t>), </a:t>
-            </a:r>
-            <a:r>
-              <a:rPr lang="en-US" sz="1400" dirty="0" err="1">
-                <a:solidFill>
-                  <a:srgbClr val="001080"/>
-                </a:solidFill>
-                <a:latin typeface="Consolas" panose="020B0609020204030204" pitchFamily="49" charset="0"/>
-              </a:rPr>
-              <a:t>Iterator</a:t>
-            </a:r>
-            <a:r>
-              <a:rPr lang="en-US" sz="1400" dirty="0" err="1">
-                <a:solidFill>
-                  <a:srgbClr val="000000"/>
-                </a:solidFill>
-                <a:latin typeface="Consolas" panose="020B0609020204030204" pitchFamily="49" charset="0"/>
-              </a:rPr>
-              <a:t>.</a:t>
-            </a:r>
-            <a:r>
-              <a:rPr lang="en-US" sz="1400" dirty="0" err="1">
-                <a:solidFill>
-                  <a:srgbClr val="001080"/>
-                </a:solidFill>
-                <a:latin typeface="Consolas" panose="020B0609020204030204" pitchFamily="49" charset="0"/>
-              </a:rPr>
-              <a:t>Req</a:t>
-            </a:r>
-            <a:r>
-              <a:rPr lang="en-US" sz="1400" dirty="0">
-                <a:solidFill>
-                  <a:srgbClr val="000000"/>
-                </a:solidFill>
-                <a:latin typeface="Consolas" panose="020B0609020204030204" pitchFamily="49" charset="0"/>
-              </a:rPr>
-              <a:t>));</a:t>
-            </a:r>
-          </a:p>
-          <a:p>
-            <a:pPr marL="0" indent="0">
-              <a:buNone/>
-            </a:pPr>
-            <a:r>
-              <a:rPr lang="en-US" sz="1400" dirty="0">
-                <a:solidFill>
-                  <a:srgbClr val="000000"/>
-                </a:solidFill>
-                <a:latin typeface="Consolas" panose="020B0609020204030204" pitchFamily="49" charset="0"/>
-              </a:rPr>
-              <a:t>}</a:t>
-            </a:r>
-          </a:p>
-          <a:p>
-            <a:pPr marL="0" indent="0">
-              <a:buNone/>
-            </a:pPr>
-            <a:endParaRPr lang="en-US" dirty="0">
-              <a:solidFill>
-                <a:srgbClr val="000000"/>
-              </a:solidFill>
-              <a:latin typeface="Consolas" panose="020B0609020204030204" pitchFamily="49" charset="0"/>
-            </a:endParaRPr>
+            <a:r>
+              <a:rPr lang="en-US" dirty="0"/>
+              <a:t>Index vs Index&lt;T&gt;</a:t>
+            </a:r>
+          </a:p>
+          <a:p>
+            <a:endParaRPr lang="en-US" dirty="0"/>
+          </a:p>
+          <a:p>
+            <a:r>
+              <a:rPr lang="en-US" dirty="0" err="1"/>
+              <a:t>MsgPackToken</a:t>
+            </a:r>
+            <a:r>
+              <a:rPr lang="en-US" dirty="0"/>
+              <a:t>:</a:t>
+            </a:r>
+          </a:p>
+          <a:p>
+            <a:pPr lvl="1"/>
+            <a:r>
+              <a:rPr lang="en-US" sz="2400" dirty="0"/>
+              <a:t>class</a:t>
+            </a:r>
+          </a:p>
+          <a:p>
+            <a:pPr lvl="1"/>
+            <a:r>
+              <a:rPr lang="en-US" sz="2400" dirty="0"/>
+              <a:t>opaque</a:t>
+            </a:r>
+            <a:endParaRPr lang="ru-RU" dirty="0"/>
           </a:p>
         </p:txBody>
       </p:sp>
     </p:spTree>
     <p:extLst>
       <p:ext uri="{BB962C8B-B14F-4D97-AF65-F5344CB8AC3E}">
-        <p14:creationId xmlns:p14="http://schemas.microsoft.com/office/powerpoint/2010/main" val="2987608522"/>
+        <p14:creationId xmlns:p14="http://schemas.microsoft.com/office/powerpoint/2010/main" val="523793551"/>
       </p:ext>
     </p:extLst>
   </p:cSld>
@@ -10283,10 +9895,10 @@
       </p:grpSpPr>
       <p:sp>
         <p:nvSpPr>
-          <p:cNvPr id="2" name="Title 1">
+          <p:cNvPr id="5" name="Title 4">
             <a:extLst>
               <a:ext uri="{FF2B5EF4-FFF2-40B4-BE49-F238E27FC236}">
-                <a16:creationId xmlns:a16="http://schemas.microsoft.com/office/drawing/2014/main" id="{4C9C3644-D444-4916-B72B-9F29BDF9C98B}"/>
+                <a16:creationId xmlns:a16="http://schemas.microsoft.com/office/drawing/2014/main" id="{DD4655AB-1BCA-4810-8EB1-F1B966CFDBE3}"/>
               </a:ext>
             </a:extLst>
           </p:cNvPr>
@@ -10305,17 +9917,22 @@
             <a:pPr algn="l"/>
             <a:r>
               <a:rPr lang="ru-RU" dirty="0"/>
-              <a:t>Как добились?</a:t>
-            </a:r>
+              <a:t>Интерфейс: </a:t>
+            </a:r>
+            <a:r>
+              <a:rPr lang="en-US" dirty="0"/>
+              <a:t>mini-ORM</a:t>
+            </a:r>
+            <a:endParaRPr lang="ru-RU" dirty="0"/>
           </a:p>
         </p:txBody>
       </p:sp>
       <p:sp>
         <p:nvSpPr>
-          <p:cNvPr id="3" name="Content Placeholder 2">
+          <p:cNvPr id="7" name="Content Placeholder 6">
             <a:extLst>
               <a:ext uri="{FF2B5EF4-FFF2-40B4-BE49-F238E27FC236}">
-                <a16:creationId xmlns:a16="http://schemas.microsoft.com/office/drawing/2014/main" id="{F9D72788-C006-47FA-8615-F88E50026381}"/>
+                <a16:creationId xmlns:a16="http://schemas.microsoft.com/office/drawing/2014/main" id="{D6F24F77-7CB1-4760-BD14-B6B253194F4A}"/>
               </a:ext>
             </a:extLst>
           </p:cNvPr>
@@ -10328,48 +9945,1130 @@
         </p:nvSpPr>
         <p:spPr/>
         <p:txBody>
-          <a:bodyPr/>
+          <a:bodyPr>
+            <a:normAutofit fontScale="70000" lnSpcReduction="20000"/>
+          </a:bodyPr>
           <a:lstStyle/>
           <a:p>
-            <a:r>
-              <a:rPr lang="en-US" dirty="0"/>
-              <a:t>Index vs Index&lt;T&gt;</a:t>
-            </a:r>
-          </a:p>
-          <a:p>
-            <a:endParaRPr lang="en-US" dirty="0"/>
-          </a:p>
-          <a:p>
-            <a:r>
-              <a:rPr lang="en-US" dirty="0" err="1"/>
-              <a:t>MsgPackToken</a:t>
-            </a:r>
-            <a:r>
-              <a:rPr lang="en-US" dirty="0"/>
-              <a:t>:</a:t>
-            </a:r>
-          </a:p>
-          <a:p>
-            <a:pPr lvl="1"/>
-            <a:r>
-              <a:rPr lang="en-US" sz="2400" dirty="0"/>
+            <a:pPr marL="0" indent="0">
+              <a:buNone/>
+            </a:pPr>
+            <a:r>
+              <a:rPr lang="en-US" sz="1400" dirty="0">
+                <a:solidFill>
+                  <a:srgbClr val="000000"/>
+                </a:solidFill>
+                <a:latin typeface="Consolas" panose="020B0609020204030204" pitchFamily="49" charset="0"/>
+              </a:rPr>
+              <a:t>[</a:t>
+            </a:r>
+            <a:r>
+              <a:rPr lang="en-US" sz="1400" dirty="0" err="1">
+                <a:solidFill>
+                  <a:srgbClr val="267F99"/>
+                </a:solidFill>
+                <a:latin typeface="Consolas" panose="020B0609020204030204" pitchFamily="49" charset="0"/>
+              </a:rPr>
+              <a:t>MsgPackArray</a:t>
+            </a:r>
+            <a:r>
+              <a:rPr lang="en-US" sz="1400" dirty="0">
+                <a:solidFill>
+                  <a:srgbClr val="000000"/>
+                </a:solidFill>
+                <a:latin typeface="Consolas" panose="020B0609020204030204" pitchFamily="49" charset="0"/>
+              </a:rPr>
+              <a:t>]</a:t>
+            </a:r>
+          </a:p>
+          <a:p>
+            <a:pPr marL="0" indent="0">
+              <a:buNone/>
+            </a:pPr>
+            <a:r>
+              <a:rPr lang="en-US" sz="1400" dirty="0">
+                <a:solidFill>
+                  <a:srgbClr val="0000FF"/>
+                </a:solidFill>
+                <a:latin typeface="Consolas" panose="020B0609020204030204" pitchFamily="49" charset="0"/>
+              </a:rPr>
+              <a:t>public</a:t>
+            </a:r>
+            <a:r>
+              <a:rPr lang="en-US" sz="1400" dirty="0">
+                <a:solidFill>
+                  <a:srgbClr val="000000"/>
+                </a:solidFill>
+                <a:latin typeface="Consolas" panose="020B0609020204030204" pitchFamily="49" charset="0"/>
+              </a:rPr>
+              <a:t> </a:t>
+            </a:r>
+            <a:r>
+              <a:rPr lang="en-US" sz="1400" dirty="0">
+                <a:solidFill>
+                  <a:srgbClr val="0000FF"/>
+                </a:solidFill>
+                <a:latin typeface="Consolas" panose="020B0609020204030204" pitchFamily="49" charset="0"/>
+              </a:rPr>
               <a:t>class</a:t>
             </a:r>
-          </a:p>
-          <a:p>
-            <a:pPr lvl="1"/>
-            <a:r>
-              <a:rPr lang="en-US" sz="2400" dirty="0"/>
-              <a:t>opaque</a:t>
-            </a:r>
-            <a:endParaRPr lang="ru-RU" dirty="0"/>
+            <a:r>
+              <a:rPr lang="en-US" sz="1400" dirty="0">
+                <a:solidFill>
+                  <a:srgbClr val="000000"/>
+                </a:solidFill>
+                <a:latin typeface="Consolas" panose="020B0609020204030204" pitchFamily="49" charset="0"/>
+              </a:rPr>
+              <a:t> </a:t>
+            </a:r>
+            <a:r>
+              <a:rPr lang="en-US" sz="1400" dirty="0" err="1">
+                <a:solidFill>
+                  <a:srgbClr val="267F99"/>
+                </a:solidFill>
+                <a:latin typeface="Consolas" panose="020B0609020204030204" pitchFamily="49" charset="0"/>
+              </a:rPr>
+              <a:t>SpaceMeta</a:t>
+            </a:r>
+            <a:r>
+              <a:rPr lang="en-US" sz="1400" dirty="0">
+                <a:solidFill>
+                  <a:srgbClr val="000000"/>
+                </a:solidFill>
+                <a:latin typeface="Consolas" panose="020B0609020204030204" pitchFamily="49" charset="0"/>
+              </a:rPr>
+              <a:t> : </a:t>
+            </a:r>
+            <a:r>
+              <a:rPr lang="en-US" sz="1400" dirty="0" err="1">
+                <a:solidFill>
+                  <a:srgbClr val="267F99"/>
+                </a:solidFill>
+                <a:latin typeface="Consolas" panose="020B0609020204030204" pitchFamily="49" charset="0"/>
+              </a:rPr>
+              <a:t>IEquatable</a:t>
+            </a:r>
+            <a:r>
+              <a:rPr lang="en-US" sz="1400" dirty="0">
+                <a:solidFill>
+                  <a:srgbClr val="000000"/>
+                </a:solidFill>
+                <a:latin typeface="Consolas" panose="020B0609020204030204" pitchFamily="49" charset="0"/>
+              </a:rPr>
+              <a:t>&lt;</a:t>
+            </a:r>
+            <a:r>
+              <a:rPr lang="en-US" sz="1400" dirty="0" err="1">
+                <a:solidFill>
+                  <a:srgbClr val="267F99"/>
+                </a:solidFill>
+                <a:latin typeface="Consolas" panose="020B0609020204030204" pitchFamily="49" charset="0"/>
+              </a:rPr>
+              <a:t>SpaceMeta</a:t>
+            </a:r>
+            <a:r>
+              <a:rPr lang="en-US" sz="1400" dirty="0">
+                <a:solidFill>
+                  <a:srgbClr val="000000"/>
+                </a:solidFill>
+                <a:latin typeface="Consolas" panose="020B0609020204030204" pitchFamily="49" charset="0"/>
+              </a:rPr>
+              <a:t>&gt;</a:t>
+            </a:r>
+          </a:p>
+          <a:p>
+            <a:pPr marL="0" indent="0">
+              <a:buNone/>
+            </a:pPr>
+            <a:r>
+              <a:rPr lang="en-US" sz="1400" dirty="0">
+                <a:solidFill>
+                  <a:srgbClr val="000000"/>
+                </a:solidFill>
+                <a:latin typeface="Consolas" panose="020B0609020204030204" pitchFamily="49" charset="0"/>
+              </a:rPr>
+              <a:t>{</a:t>
+            </a:r>
+          </a:p>
+          <a:p>
+            <a:pPr marL="400050" lvl="1" indent="0">
+              <a:buNone/>
+            </a:pPr>
+            <a:r>
+              <a:rPr lang="en-US" sz="1400" dirty="0">
+                <a:solidFill>
+                  <a:srgbClr val="000000"/>
+                </a:solidFill>
+                <a:latin typeface="Consolas" panose="020B0609020204030204" pitchFamily="49" charset="0"/>
+              </a:rPr>
+              <a:t>[</a:t>
+            </a:r>
+            <a:r>
+              <a:rPr lang="en-US" sz="1400" dirty="0" err="1">
+                <a:solidFill>
+                  <a:srgbClr val="267F99"/>
+                </a:solidFill>
+                <a:latin typeface="Consolas" panose="020B0609020204030204" pitchFamily="49" charset="0"/>
+              </a:rPr>
+              <a:t>MsgPackArrayElement</a:t>
+            </a:r>
+            <a:r>
+              <a:rPr lang="en-US" sz="1400" dirty="0">
+                <a:solidFill>
+                  <a:srgbClr val="000000"/>
+                </a:solidFill>
+                <a:latin typeface="Consolas" panose="020B0609020204030204" pitchFamily="49" charset="0"/>
+              </a:rPr>
+              <a:t>(</a:t>
+            </a:r>
+            <a:r>
+              <a:rPr lang="en-US" sz="1400" dirty="0">
+                <a:solidFill>
+                  <a:srgbClr val="09885A"/>
+                </a:solidFill>
+                <a:latin typeface="Consolas" panose="020B0609020204030204" pitchFamily="49" charset="0"/>
+              </a:rPr>
+              <a:t>0</a:t>
+            </a:r>
+            <a:r>
+              <a:rPr lang="en-US" sz="1400" dirty="0">
+                <a:solidFill>
+                  <a:srgbClr val="000000"/>
+                </a:solidFill>
+                <a:latin typeface="Consolas" panose="020B0609020204030204" pitchFamily="49" charset="0"/>
+              </a:rPr>
+              <a:t>)]</a:t>
+            </a:r>
+          </a:p>
+          <a:p>
+            <a:pPr marL="400050" lvl="1" indent="0">
+              <a:buNone/>
+            </a:pPr>
+            <a:r>
+              <a:rPr lang="en-US" sz="1400" dirty="0">
+                <a:solidFill>
+                  <a:srgbClr val="0000FF"/>
+                </a:solidFill>
+                <a:latin typeface="Consolas" panose="020B0609020204030204" pitchFamily="49" charset="0"/>
+              </a:rPr>
+              <a:t>public</a:t>
+            </a:r>
+            <a:r>
+              <a:rPr lang="en-US" sz="1400" dirty="0">
+                <a:solidFill>
+                  <a:srgbClr val="000000"/>
+                </a:solidFill>
+                <a:latin typeface="Consolas" panose="020B0609020204030204" pitchFamily="49" charset="0"/>
+              </a:rPr>
+              <a:t> </a:t>
+            </a:r>
+            <a:r>
+              <a:rPr lang="en-US" sz="1400" dirty="0" err="1">
+                <a:solidFill>
+                  <a:srgbClr val="0000FF"/>
+                </a:solidFill>
+                <a:latin typeface="Consolas" panose="020B0609020204030204" pitchFamily="49" charset="0"/>
+              </a:rPr>
+              <a:t>uint</a:t>
+            </a:r>
+            <a:r>
+              <a:rPr lang="en-US" sz="1400" dirty="0">
+                <a:solidFill>
+                  <a:srgbClr val="000000"/>
+                </a:solidFill>
+                <a:latin typeface="Consolas" panose="020B0609020204030204" pitchFamily="49" charset="0"/>
+              </a:rPr>
+              <a:t> Id { </a:t>
+            </a:r>
+            <a:r>
+              <a:rPr lang="en-US" sz="1400" dirty="0">
+                <a:solidFill>
+                  <a:srgbClr val="0000FF"/>
+                </a:solidFill>
+                <a:latin typeface="Consolas" panose="020B0609020204030204" pitchFamily="49" charset="0"/>
+              </a:rPr>
+              <a:t>get</a:t>
+            </a:r>
+            <a:r>
+              <a:rPr lang="en-US" sz="1400" dirty="0">
+                <a:solidFill>
+                  <a:srgbClr val="000000"/>
+                </a:solidFill>
+                <a:latin typeface="Consolas" panose="020B0609020204030204" pitchFamily="49" charset="0"/>
+              </a:rPr>
+              <a:t>; </a:t>
+            </a:r>
+            <a:r>
+              <a:rPr lang="en-US" sz="1400" dirty="0">
+                <a:solidFill>
+                  <a:srgbClr val="0000FF"/>
+                </a:solidFill>
+                <a:latin typeface="Consolas" panose="020B0609020204030204" pitchFamily="49" charset="0"/>
+              </a:rPr>
+              <a:t>set</a:t>
+            </a:r>
+            <a:r>
+              <a:rPr lang="en-US" sz="1400" dirty="0">
+                <a:solidFill>
+                  <a:srgbClr val="000000"/>
+                </a:solidFill>
+                <a:latin typeface="Consolas" panose="020B0609020204030204" pitchFamily="49" charset="0"/>
+              </a:rPr>
+              <a:t>; }</a:t>
+            </a:r>
+          </a:p>
+          <a:p>
+            <a:pPr marL="400050" lvl="1" indent="0">
+              <a:buNone/>
+            </a:pPr>
+            <a:br>
+              <a:rPr lang="en-US" sz="1400" dirty="0">
+                <a:solidFill>
+                  <a:srgbClr val="000000"/>
+                </a:solidFill>
+                <a:latin typeface="Consolas" panose="020B0609020204030204" pitchFamily="49" charset="0"/>
+              </a:rPr>
+            </a:br>
+            <a:r>
+              <a:rPr lang="en-US" sz="1400" dirty="0">
+                <a:solidFill>
+                  <a:srgbClr val="000000"/>
+                </a:solidFill>
+                <a:latin typeface="Consolas" panose="020B0609020204030204" pitchFamily="49" charset="0"/>
+              </a:rPr>
+              <a:t>[</a:t>
+            </a:r>
+            <a:r>
+              <a:rPr lang="en-US" sz="1400" dirty="0" err="1">
+                <a:solidFill>
+                  <a:srgbClr val="267F99"/>
+                </a:solidFill>
+                <a:latin typeface="Consolas" panose="020B0609020204030204" pitchFamily="49" charset="0"/>
+              </a:rPr>
+              <a:t>MsgPackArrayElement</a:t>
+            </a:r>
+            <a:r>
+              <a:rPr lang="en-US" sz="1400" dirty="0">
+                <a:solidFill>
+                  <a:srgbClr val="000000"/>
+                </a:solidFill>
+                <a:latin typeface="Consolas" panose="020B0609020204030204" pitchFamily="49" charset="0"/>
+              </a:rPr>
+              <a:t>(</a:t>
+            </a:r>
+            <a:r>
+              <a:rPr lang="en-US" sz="1400" dirty="0">
+                <a:solidFill>
+                  <a:srgbClr val="09885A"/>
+                </a:solidFill>
+                <a:latin typeface="Consolas" panose="020B0609020204030204" pitchFamily="49" charset="0"/>
+              </a:rPr>
+              <a:t>1</a:t>
+            </a:r>
+            <a:r>
+              <a:rPr lang="en-US" sz="1400" dirty="0">
+                <a:solidFill>
+                  <a:srgbClr val="000000"/>
+                </a:solidFill>
+                <a:latin typeface="Consolas" panose="020B0609020204030204" pitchFamily="49" charset="0"/>
+              </a:rPr>
+              <a:t>)]</a:t>
+            </a:r>
+          </a:p>
+          <a:p>
+            <a:pPr marL="400050" lvl="1" indent="0">
+              <a:buNone/>
+            </a:pPr>
+            <a:r>
+              <a:rPr lang="en-US" sz="1400" dirty="0">
+                <a:solidFill>
+                  <a:srgbClr val="0000FF"/>
+                </a:solidFill>
+                <a:latin typeface="Consolas" panose="020B0609020204030204" pitchFamily="49" charset="0"/>
+              </a:rPr>
+              <a:t>public</a:t>
+            </a:r>
+            <a:r>
+              <a:rPr lang="en-US" sz="1400" dirty="0">
+                <a:solidFill>
+                  <a:srgbClr val="000000"/>
+                </a:solidFill>
+                <a:latin typeface="Consolas" panose="020B0609020204030204" pitchFamily="49" charset="0"/>
+              </a:rPr>
+              <a:t> </a:t>
+            </a:r>
+            <a:r>
+              <a:rPr lang="en-US" sz="1400" dirty="0">
+                <a:solidFill>
+                  <a:srgbClr val="0000FF"/>
+                </a:solidFill>
+                <a:latin typeface="Consolas" panose="020B0609020204030204" pitchFamily="49" charset="0"/>
+              </a:rPr>
+              <a:t>int</a:t>
+            </a:r>
+            <a:r>
+              <a:rPr lang="en-US" sz="1400" dirty="0">
+                <a:solidFill>
+                  <a:srgbClr val="000000"/>
+                </a:solidFill>
+                <a:latin typeface="Consolas" panose="020B0609020204030204" pitchFamily="49" charset="0"/>
+              </a:rPr>
+              <a:t> </a:t>
+            </a:r>
+            <a:r>
+              <a:rPr lang="en-US" sz="1400" dirty="0" err="1">
+                <a:solidFill>
+                  <a:srgbClr val="000000"/>
+                </a:solidFill>
+                <a:latin typeface="Consolas" panose="020B0609020204030204" pitchFamily="49" charset="0"/>
+              </a:rPr>
+              <a:t>OwnerId</a:t>
+            </a:r>
+            <a:r>
+              <a:rPr lang="en-US" sz="1400" dirty="0">
+                <a:solidFill>
+                  <a:srgbClr val="000000"/>
+                </a:solidFill>
+                <a:latin typeface="Consolas" panose="020B0609020204030204" pitchFamily="49" charset="0"/>
+              </a:rPr>
+              <a:t> { </a:t>
+            </a:r>
+            <a:r>
+              <a:rPr lang="en-US" sz="1400" dirty="0">
+                <a:solidFill>
+                  <a:srgbClr val="0000FF"/>
+                </a:solidFill>
+                <a:latin typeface="Consolas" panose="020B0609020204030204" pitchFamily="49" charset="0"/>
+              </a:rPr>
+              <a:t>get</a:t>
+            </a:r>
+            <a:r>
+              <a:rPr lang="en-US" sz="1400" dirty="0">
+                <a:solidFill>
+                  <a:srgbClr val="000000"/>
+                </a:solidFill>
+                <a:latin typeface="Consolas" panose="020B0609020204030204" pitchFamily="49" charset="0"/>
+              </a:rPr>
+              <a:t>; </a:t>
+            </a:r>
+            <a:r>
+              <a:rPr lang="en-US" sz="1400" dirty="0">
+                <a:solidFill>
+                  <a:srgbClr val="0000FF"/>
+                </a:solidFill>
+                <a:latin typeface="Consolas" panose="020B0609020204030204" pitchFamily="49" charset="0"/>
+              </a:rPr>
+              <a:t>set</a:t>
+            </a:r>
+            <a:r>
+              <a:rPr lang="en-US" sz="1400" dirty="0">
+                <a:solidFill>
+                  <a:srgbClr val="000000"/>
+                </a:solidFill>
+                <a:latin typeface="Consolas" panose="020B0609020204030204" pitchFamily="49" charset="0"/>
+              </a:rPr>
+              <a:t>; }</a:t>
+            </a:r>
+          </a:p>
+          <a:p>
+            <a:pPr marL="400050" lvl="1" indent="0">
+              <a:buNone/>
+            </a:pPr>
+            <a:br>
+              <a:rPr lang="en-US" sz="1400" dirty="0">
+                <a:solidFill>
+                  <a:srgbClr val="000000"/>
+                </a:solidFill>
+                <a:latin typeface="Consolas" panose="020B0609020204030204" pitchFamily="49" charset="0"/>
+              </a:rPr>
+            </a:br>
+            <a:r>
+              <a:rPr lang="en-US" sz="1400" dirty="0">
+                <a:solidFill>
+                  <a:srgbClr val="000000"/>
+                </a:solidFill>
+                <a:latin typeface="Consolas" panose="020B0609020204030204" pitchFamily="49" charset="0"/>
+              </a:rPr>
+              <a:t>[</a:t>
+            </a:r>
+            <a:r>
+              <a:rPr lang="en-US" sz="1400" dirty="0" err="1">
+                <a:solidFill>
+                  <a:srgbClr val="267F99"/>
+                </a:solidFill>
+                <a:latin typeface="Consolas" panose="020B0609020204030204" pitchFamily="49" charset="0"/>
+              </a:rPr>
+              <a:t>MsgPackArrayElement</a:t>
+            </a:r>
+            <a:r>
+              <a:rPr lang="en-US" sz="1400" dirty="0">
+                <a:solidFill>
+                  <a:srgbClr val="000000"/>
+                </a:solidFill>
+                <a:latin typeface="Consolas" panose="020B0609020204030204" pitchFamily="49" charset="0"/>
+              </a:rPr>
+              <a:t>(</a:t>
+            </a:r>
+            <a:r>
+              <a:rPr lang="en-US" sz="1400" dirty="0">
+                <a:solidFill>
+                  <a:srgbClr val="09885A"/>
+                </a:solidFill>
+                <a:latin typeface="Consolas" panose="020B0609020204030204" pitchFamily="49" charset="0"/>
+              </a:rPr>
+              <a:t>2</a:t>
+            </a:r>
+            <a:r>
+              <a:rPr lang="en-US" sz="1400" dirty="0">
+                <a:solidFill>
+                  <a:srgbClr val="000000"/>
+                </a:solidFill>
+                <a:latin typeface="Consolas" panose="020B0609020204030204" pitchFamily="49" charset="0"/>
+              </a:rPr>
+              <a:t>)]</a:t>
+            </a:r>
+          </a:p>
+          <a:p>
+            <a:pPr marL="400050" lvl="1" indent="0">
+              <a:buNone/>
+            </a:pPr>
+            <a:r>
+              <a:rPr lang="en-US" sz="1400" dirty="0">
+                <a:solidFill>
+                  <a:srgbClr val="0000FF"/>
+                </a:solidFill>
+                <a:latin typeface="Consolas" panose="020B0609020204030204" pitchFamily="49" charset="0"/>
+              </a:rPr>
+              <a:t>public</a:t>
+            </a:r>
+            <a:r>
+              <a:rPr lang="en-US" sz="1400" dirty="0">
+                <a:solidFill>
+                  <a:srgbClr val="000000"/>
+                </a:solidFill>
+                <a:latin typeface="Consolas" panose="020B0609020204030204" pitchFamily="49" charset="0"/>
+              </a:rPr>
+              <a:t> </a:t>
+            </a:r>
+            <a:r>
+              <a:rPr lang="en-US" sz="1400" dirty="0">
+                <a:solidFill>
+                  <a:srgbClr val="0000FF"/>
+                </a:solidFill>
+                <a:latin typeface="Consolas" panose="020B0609020204030204" pitchFamily="49" charset="0"/>
+              </a:rPr>
+              <a:t>string</a:t>
+            </a:r>
+            <a:r>
+              <a:rPr lang="en-US" sz="1400" dirty="0">
+                <a:solidFill>
+                  <a:srgbClr val="000000"/>
+                </a:solidFill>
+                <a:latin typeface="Consolas" panose="020B0609020204030204" pitchFamily="49" charset="0"/>
+              </a:rPr>
+              <a:t> Name { </a:t>
+            </a:r>
+            <a:r>
+              <a:rPr lang="en-US" sz="1400" dirty="0">
+                <a:solidFill>
+                  <a:srgbClr val="0000FF"/>
+                </a:solidFill>
+                <a:latin typeface="Consolas" panose="020B0609020204030204" pitchFamily="49" charset="0"/>
+              </a:rPr>
+              <a:t>get</a:t>
+            </a:r>
+            <a:r>
+              <a:rPr lang="en-US" sz="1400" dirty="0">
+                <a:solidFill>
+                  <a:srgbClr val="000000"/>
+                </a:solidFill>
+                <a:latin typeface="Consolas" panose="020B0609020204030204" pitchFamily="49" charset="0"/>
+              </a:rPr>
+              <a:t>; </a:t>
+            </a:r>
+            <a:r>
+              <a:rPr lang="en-US" sz="1400" dirty="0">
+                <a:solidFill>
+                  <a:srgbClr val="0000FF"/>
+                </a:solidFill>
+                <a:latin typeface="Consolas" panose="020B0609020204030204" pitchFamily="49" charset="0"/>
+              </a:rPr>
+              <a:t>set</a:t>
+            </a:r>
+            <a:r>
+              <a:rPr lang="en-US" sz="1400" dirty="0">
+                <a:solidFill>
+                  <a:srgbClr val="000000"/>
+                </a:solidFill>
+                <a:latin typeface="Consolas" panose="020B0609020204030204" pitchFamily="49" charset="0"/>
+              </a:rPr>
+              <a:t>; }</a:t>
+            </a:r>
+          </a:p>
+          <a:p>
+            <a:pPr marL="400050" lvl="1" indent="0">
+              <a:buNone/>
+            </a:pPr>
+            <a:br>
+              <a:rPr lang="en-US" sz="1400" dirty="0">
+                <a:solidFill>
+                  <a:srgbClr val="000000"/>
+                </a:solidFill>
+                <a:latin typeface="Consolas" panose="020B0609020204030204" pitchFamily="49" charset="0"/>
+              </a:rPr>
+            </a:br>
+            <a:r>
+              <a:rPr lang="en-US" sz="1400" dirty="0">
+                <a:solidFill>
+                  <a:srgbClr val="000000"/>
+                </a:solidFill>
+                <a:latin typeface="Consolas" panose="020B0609020204030204" pitchFamily="49" charset="0"/>
+              </a:rPr>
+              <a:t>[</a:t>
+            </a:r>
+            <a:r>
+              <a:rPr lang="en-US" sz="1400" dirty="0" err="1">
+                <a:solidFill>
+                  <a:srgbClr val="267F99"/>
+                </a:solidFill>
+                <a:latin typeface="Consolas" panose="020B0609020204030204" pitchFamily="49" charset="0"/>
+              </a:rPr>
+              <a:t>MsgPackArrayElement</a:t>
+            </a:r>
+            <a:r>
+              <a:rPr lang="en-US" sz="1400" dirty="0">
+                <a:solidFill>
+                  <a:srgbClr val="000000"/>
+                </a:solidFill>
+                <a:latin typeface="Consolas" panose="020B0609020204030204" pitchFamily="49" charset="0"/>
+              </a:rPr>
+              <a:t>(</a:t>
+            </a:r>
+            <a:r>
+              <a:rPr lang="en-US" sz="1400" dirty="0">
+                <a:solidFill>
+                  <a:srgbClr val="09885A"/>
+                </a:solidFill>
+                <a:latin typeface="Consolas" panose="020B0609020204030204" pitchFamily="49" charset="0"/>
+              </a:rPr>
+              <a:t>3</a:t>
+            </a:r>
+            <a:r>
+              <a:rPr lang="en-US" sz="1400" dirty="0">
+                <a:solidFill>
+                  <a:srgbClr val="000000"/>
+                </a:solidFill>
+                <a:latin typeface="Consolas" panose="020B0609020204030204" pitchFamily="49" charset="0"/>
+              </a:rPr>
+              <a:t>)]</a:t>
+            </a:r>
+          </a:p>
+          <a:p>
+            <a:pPr marL="400050" lvl="1" indent="0">
+              <a:buNone/>
+            </a:pPr>
+            <a:r>
+              <a:rPr lang="en-US" sz="1400" dirty="0">
+                <a:solidFill>
+                  <a:srgbClr val="0000FF"/>
+                </a:solidFill>
+                <a:latin typeface="Consolas" panose="020B0609020204030204" pitchFamily="49" charset="0"/>
+              </a:rPr>
+              <a:t>public</a:t>
+            </a:r>
+            <a:r>
+              <a:rPr lang="en-US" sz="1400" dirty="0">
+                <a:solidFill>
+                  <a:srgbClr val="000000"/>
+                </a:solidFill>
+                <a:latin typeface="Consolas" panose="020B0609020204030204" pitchFamily="49" charset="0"/>
+              </a:rPr>
+              <a:t> </a:t>
+            </a:r>
+            <a:r>
+              <a:rPr lang="en-US" sz="1400" dirty="0" err="1">
+                <a:solidFill>
+                  <a:srgbClr val="267F99"/>
+                </a:solidFill>
+                <a:latin typeface="Consolas" panose="020B0609020204030204" pitchFamily="49" charset="0"/>
+              </a:rPr>
+              <a:t>StorageEngine</a:t>
+            </a:r>
+            <a:r>
+              <a:rPr lang="en-US" sz="1400" dirty="0">
+                <a:solidFill>
+                  <a:srgbClr val="000000"/>
+                </a:solidFill>
+                <a:latin typeface="Consolas" panose="020B0609020204030204" pitchFamily="49" charset="0"/>
+              </a:rPr>
+              <a:t> Engine { </a:t>
+            </a:r>
+            <a:r>
+              <a:rPr lang="en-US" sz="1400" dirty="0">
+                <a:solidFill>
+                  <a:srgbClr val="0000FF"/>
+                </a:solidFill>
+                <a:latin typeface="Consolas" panose="020B0609020204030204" pitchFamily="49" charset="0"/>
+              </a:rPr>
+              <a:t>get</a:t>
+            </a:r>
+            <a:r>
+              <a:rPr lang="en-US" sz="1400" dirty="0">
+                <a:solidFill>
+                  <a:srgbClr val="000000"/>
+                </a:solidFill>
+                <a:latin typeface="Consolas" panose="020B0609020204030204" pitchFamily="49" charset="0"/>
+              </a:rPr>
+              <a:t>; </a:t>
+            </a:r>
+            <a:r>
+              <a:rPr lang="en-US" sz="1400" dirty="0">
+                <a:solidFill>
+                  <a:srgbClr val="0000FF"/>
+                </a:solidFill>
+                <a:latin typeface="Consolas" panose="020B0609020204030204" pitchFamily="49" charset="0"/>
+              </a:rPr>
+              <a:t>set</a:t>
+            </a:r>
+            <a:r>
+              <a:rPr lang="en-US" sz="1400" dirty="0">
+                <a:solidFill>
+                  <a:srgbClr val="000000"/>
+                </a:solidFill>
+                <a:latin typeface="Consolas" panose="020B0609020204030204" pitchFamily="49" charset="0"/>
+              </a:rPr>
+              <a:t>; }</a:t>
+            </a:r>
+          </a:p>
+          <a:p>
+            <a:pPr marL="400050" lvl="1" indent="0">
+              <a:buNone/>
+            </a:pPr>
+            <a:br>
+              <a:rPr lang="en-US" sz="1400" dirty="0">
+                <a:solidFill>
+                  <a:srgbClr val="000000"/>
+                </a:solidFill>
+                <a:latin typeface="Consolas" panose="020B0609020204030204" pitchFamily="49" charset="0"/>
+              </a:rPr>
+            </a:br>
+            <a:r>
+              <a:rPr lang="en-US" sz="1400" dirty="0">
+                <a:solidFill>
+                  <a:srgbClr val="000000"/>
+                </a:solidFill>
+                <a:latin typeface="Consolas" panose="020B0609020204030204" pitchFamily="49" charset="0"/>
+              </a:rPr>
+              <a:t>[</a:t>
+            </a:r>
+            <a:r>
+              <a:rPr lang="en-US" sz="1400" dirty="0" err="1">
+                <a:solidFill>
+                  <a:srgbClr val="267F99"/>
+                </a:solidFill>
+                <a:latin typeface="Consolas" panose="020B0609020204030204" pitchFamily="49" charset="0"/>
+              </a:rPr>
+              <a:t>MsgPackArrayElement</a:t>
+            </a:r>
+            <a:r>
+              <a:rPr lang="en-US" sz="1400" dirty="0">
+                <a:solidFill>
+                  <a:srgbClr val="000000"/>
+                </a:solidFill>
+                <a:latin typeface="Consolas" panose="020B0609020204030204" pitchFamily="49" charset="0"/>
+              </a:rPr>
+              <a:t>(</a:t>
+            </a:r>
+            <a:r>
+              <a:rPr lang="en-US" sz="1400" dirty="0">
+                <a:solidFill>
+                  <a:srgbClr val="09885A"/>
+                </a:solidFill>
+                <a:latin typeface="Consolas" panose="020B0609020204030204" pitchFamily="49" charset="0"/>
+              </a:rPr>
+              <a:t>4</a:t>
+            </a:r>
+            <a:r>
+              <a:rPr lang="en-US" sz="1400" dirty="0">
+                <a:solidFill>
+                  <a:srgbClr val="000000"/>
+                </a:solidFill>
+                <a:latin typeface="Consolas" panose="020B0609020204030204" pitchFamily="49" charset="0"/>
+              </a:rPr>
+              <a:t>)]</a:t>
+            </a:r>
+          </a:p>
+          <a:p>
+            <a:pPr marL="400050" lvl="1" indent="0">
+              <a:buNone/>
+            </a:pPr>
+            <a:r>
+              <a:rPr lang="en-US" sz="1400" dirty="0">
+                <a:solidFill>
+                  <a:srgbClr val="0000FF"/>
+                </a:solidFill>
+                <a:latin typeface="Consolas" panose="020B0609020204030204" pitchFamily="49" charset="0"/>
+              </a:rPr>
+              <a:t>public</a:t>
+            </a:r>
+            <a:r>
+              <a:rPr lang="en-US" sz="1400" dirty="0">
+                <a:solidFill>
+                  <a:srgbClr val="000000"/>
+                </a:solidFill>
+                <a:latin typeface="Consolas" panose="020B0609020204030204" pitchFamily="49" charset="0"/>
+              </a:rPr>
+              <a:t> </a:t>
+            </a:r>
+            <a:r>
+              <a:rPr lang="en-US" sz="1400" dirty="0" err="1">
+                <a:solidFill>
+                  <a:srgbClr val="0000FF"/>
+                </a:solidFill>
+                <a:latin typeface="Consolas" panose="020B0609020204030204" pitchFamily="49" charset="0"/>
+              </a:rPr>
+              <a:t>uint</a:t>
+            </a:r>
+            <a:r>
+              <a:rPr lang="en-US" sz="1400" dirty="0">
+                <a:solidFill>
+                  <a:srgbClr val="000000"/>
+                </a:solidFill>
+                <a:latin typeface="Consolas" panose="020B0609020204030204" pitchFamily="49" charset="0"/>
+              </a:rPr>
+              <a:t> </a:t>
+            </a:r>
+            <a:r>
+              <a:rPr lang="en-US" sz="1400" dirty="0" err="1">
+                <a:solidFill>
+                  <a:srgbClr val="000000"/>
+                </a:solidFill>
+                <a:latin typeface="Consolas" panose="020B0609020204030204" pitchFamily="49" charset="0"/>
+              </a:rPr>
+              <a:t>FieldCount</a:t>
+            </a:r>
+            <a:r>
+              <a:rPr lang="en-US" sz="1400" dirty="0">
+                <a:solidFill>
+                  <a:srgbClr val="000000"/>
+                </a:solidFill>
+                <a:latin typeface="Consolas" panose="020B0609020204030204" pitchFamily="49" charset="0"/>
+              </a:rPr>
+              <a:t> { </a:t>
+            </a:r>
+            <a:r>
+              <a:rPr lang="en-US" sz="1400" dirty="0">
+                <a:solidFill>
+                  <a:srgbClr val="0000FF"/>
+                </a:solidFill>
+                <a:latin typeface="Consolas" panose="020B0609020204030204" pitchFamily="49" charset="0"/>
+              </a:rPr>
+              <a:t>get</a:t>
+            </a:r>
+            <a:r>
+              <a:rPr lang="en-US" sz="1400" dirty="0">
+                <a:solidFill>
+                  <a:srgbClr val="000000"/>
+                </a:solidFill>
+                <a:latin typeface="Consolas" panose="020B0609020204030204" pitchFamily="49" charset="0"/>
+              </a:rPr>
+              <a:t>; </a:t>
+            </a:r>
+            <a:r>
+              <a:rPr lang="en-US" sz="1400" dirty="0">
+                <a:solidFill>
+                  <a:srgbClr val="0000FF"/>
+                </a:solidFill>
+                <a:latin typeface="Consolas" panose="020B0609020204030204" pitchFamily="49" charset="0"/>
+              </a:rPr>
+              <a:t>set</a:t>
+            </a:r>
+            <a:r>
+              <a:rPr lang="en-US" sz="1400" dirty="0">
+                <a:solidFill>
+                  <a:srgbClr val="000000"/>
+                </a:solidFill>
+                <a:latin typeface="Consolas" panose="020B0609020204030204" pitchFamily="49" charset="0"/>
+              </a:rPr>
+              <a:t>; }</a:t>
+            </a:r>
+          </a:p>
+          <a:p>
+            <a:pPr marL="400050" lvl="1" indent="0">
+              <a:buNone/>
+            </a:pPr>
+            <a:br>
+              <a:rPr lang="en-US" sz="1400" dirty="0">
+                <a:solidFill>
+                  <a:srgbClr val="000000"/>
+                </a:solidFill>
+                <a:latin typeface="Consolas" panose="020B0609020204030204" pitchFamily="49" charset="0"/>
+              </a:rPr>
+            </a:br>
+            <a:r>
+              <a:rPr lang="en-US" sz="1400" dirty="0">
+                <a:solidFill>
+                  <a:srgbClr val="000000"/>
+                </a:solidFill>
+                <a:latin typeface="Consolas" panose="020B0609020204030204" pitchFamily="49" charset="0"/>
+              </a:rPr>
+              <a:t>[</a:t>
+            </a:r>
+            <a:r>
+              <a:rPr lang="en-US" sz="1400" dirty="0" err="1">
+                <a:solidFill>
+                  <a:srgbClr val="267F99"/>
+                </a:solidFill>
+                <a:latin typeface="Consolas" panose="020B0609020204030204" pitchFamily="49" charset="0"/>
+              </a:rPr>
+              <a:t>MsgPackArrayElement</a:t>
+            </a:r>
+            <a:r>
+              <a:rPr lang="en-US" sz="1400" dirty="0">
+                <a:solidFill>
+                  <a:srgbClr val="000000"/>
+                </a:solidFill>
+                <a:latin typeface="Consolas" panose="020B0609020204030204" pitchFamily="49" charset="0"/>
+              </a:rPr>
+              <a:t>(</a:t>
+            </a:r>
+            <a:r>
+              <a:rPr lang="en-US" sz="1400" dirty="0">
+                <a:solidFill>
+                  <a:srgbClr val="09885A"/>
+                </a:solidFill>
+                <a:latin typeface="Consolas" panose="020B0609020204030204" pitchFamily="49" charset="0"/>
+              </a:rPr>
+              <a:t>5</a:t>
+            </a:r>
+            <a:r>
+              <a:rPr lang="en-US" sz="1400" dirty="0">
+                <a:solidFill>
+                  <a:srgbClr val="000000"/>
+                </a:solidFill>
+                <a:latin typeface="Consolas" panose="020B0609020204030204" pitchFamily="49" charset="0"/>
+              </a:rPr>
+              <a:t>)]</a:t>
+            </a:r>
+          </a:p>
+          <a:p>
+            <a:pPr marL="400050" lvl="1" indent="0">
+              <a:buNone/>
+            </a:pPr>
+            <a:r>
+              <a:rPr lang="en-US" sz="1400" dirty="0">
+                <a:solidFill>
+                  <a:srgbClr val="0000FF"/>
+                </a:solidFill>
+                <a:latin typeface="Consolas" panose="020B0609020204030204" pitchFamily="49" charset="0"/>
+              </a:rPr>
+              <a:t>public</a:t>
+            </a:r>
+            <a:r>
+              <a:rPr lang="en-US" sz="1400" dirty="0">
+                <a:solidFill>
+                  <a:srgbClr val="000000"/>
+                </a:solidFill>
+                <a:latin typeface="Consolas" panose="020B0609020204030204" pitchFamily="49" charset="0"/>
+              </a:rPr>
+              <a:t> </a:t>
+            </a:r>
+            <a:r>
+              <a:rPr lang="en-US" sz="1400" dirty="0" err="1">
+                <a:solidFill>
+                  <a:srgbClr val="267F99"/>
+                </a:solidFill>
+                <a:latin typeface="Consolas" panose="020B0609020204030204" pitchFamily="49" charset="0"/>
+              </a:rPr>
+              <a:t>SpaceOptions</a:t>
+            </a:r>
+            <a:r>
+              <a:rPr lang="en-US" sz="1400" dirty="0">
+                <a:solidFill>
+                  <a:srgbClr val="000000"/>
+                </a:solidFill>
+                <a:latin typeface="Consolas" panose="020B0609020204030204" pitchFamily="49" charset="0"/>
+              </a:rPr>
+              <a:t> Options { </a:t>
+            </a:r>
+            <a:r>
+              <a:rPr lang="en-US" sz="1400" dirty="0">
+                <a:solidFill>
+                  <a:srgbClr val="0000FF"/>
+                </a:solidFill>
+                <a:latin typeface="Consolas" panose="020B0609020204030204" pitchFamily="49" charset="0"/>
+              </a:rPr>
+              <a:t>get</a:t>
+            </a:r>
+            <a:r>
+              <a:rPr lang="en-US" sz="1400" dirty="0">
+                <a:solidFill>
+                  <a:srgbClr val="000000"/>
+                </a:solidFill>
+                <a:latin typeface="Consolas" panose="020B0609020204030204" pitchFamily="49" charset="0"/>
+              </a:rPr>
+              <a:t>; </a:t>
+            </a:r>
+            <a:r>
+              <a:rPr lang="en-US" sz="1400" dirty="0">
+                <a:solidFill>
+                  <a:srgbClr val="0000FF"/>
+                </a:solidFill>
+                <a:latin typeface="Consolas" panose="020B0609020204030204" pitchFamily="49" charset="0"/>
+              </a:rPr>
+              <a:t>set</a:t>
+            </a:r>
+            <a:r>
+              <a:rPr lang="en-US" sz="1400" dirty="0">
+                <a:solidFill>
+                  <a:srgbClr val="000000"/>
+                </a:solidFill>
+                <a:latin typeface="Consolas" panose="020B0609020204030204" pitchFamily="49" charset="0"/>
+              </a:rPr>
+              <a:t>; }</a:t>
+            </a:r>
+          </a:p>
+          <a:p>
+            <a:pPr marL="400050" lvl="1" indent="0">
+              <a:buNone/>
+            </a:pPr>
+            <a:br>
+              <a:rPr lang="en-US" sz="1400" dirty="0">
+                <a:solidFill>
+                  <a:srgbClr val="000000"/>
+                </a:solidFill>
+                <a:latin typeface="Consolas" panose="020B0609020204030204" pitchFamily="49" charset="0"/>
+              </a:rPr>
+            </a:br>
+            <a:r>
+              <a:rPr lang="en-US" sz="1400" dirty="0">
+                <a:solidFill>
+                  <a:srgbClr val="000000"/>
+                </a:solidFill>
+                <a:latin typeface="Consolas" panose="020B0609020204030204" pitchFamily="49" charset="0"/>
+              </a:rPr>
+              <a:t>[</a:t>
+            </a:r>
+            <a:r>
+              <a:rPr lang="en-US" sz="1400" dirty="0" err="1">
+                <a:solidFill>
+                  <a:srgbClr val="267F99"/>
+                </a:solidFill>
+                <a:latin typeface="Consolas" panose="020B0609020204030204" pitchFamily="49" charset="0"/>
+              </a:rPr>
+              <a:t>MsgPackArrayElement</a:t>
+            </a:r>
+            <a:r>
+              <a:rPr lang="en-US" sz="1400" dirty="0">
+                <a:solidFill>
+                  <a:srgbClr val="000000"/>
+                </a:solidFill>
+                <a:latin typeface="Consolas" panose="020B0609020204030204" pitchFamily="49" charset="0"/>
+              </a:rPr>
+              <a:t>(</a:t>
+            </a:r>
+            <a:r>
+              <a:rPr lang="en-US" sz="1400" dirty="0">
+                <a:solidFill>
+                  <a:srgbClr val="09885A"/>
+                </a:solidFill>
+                <a:latin typeface="Consolas" panose="020B0609020204030204" pitchFamily="49" charset="0"/>
+              </a:rPr>
+              <a:t>6</a:t>
+            </a:r>
+            <a:r>
+              <a:rPr lang="en-US" sz="1400" dirty="0">
+                <a:solidFill>
+                  <a:srgbClr val="000000"/>
+                </a:solidFill>
+                <a:latin typeface="Consolas" panose="020B0609020204030204" pitchFamily="49" charset="0"/>
+              </a:rPr>
+              <a:t>)]</a:t>
+            </a:r>
+          </a:p>
+          <a:p>
+            <a:pPr marL="400050" lvl="1" indent="0">
+              <a:buNone/>
+            </a:pPr>
+            <a:r>
+              <a:rPr lang="en-US" sz="1400" dirty="0">
+                <a:solidFill>
+                  <a:srgbClr val="0000FF"/>
+                </a:solidFill>
+                <a:latin typeface="Consolas" panose="020B0609020204030204" pitchFamily="49" charset="0"/>
+              </a:rPr>
+              <a:t>public</a:t>
+            </a:r>
+            <a:r>
+              <a:rPr lang="en-US" sz="1400" dirty="0">
+                <a:solidFill>
+                  <a:srgbClr val="000000"/>
+                </a:solidFill>
+                <a:latin typeface="Consolas" panose="020B0609020204030204" pitchFamily="49" charset="0"/>
+              </a:rPr>
+              <a:t> </a:t>
+            </a:r>
+            <a:r>
+              <a:rPr lang="en-US" sz="1400" dirty="0" err="1">
+                <a:solidFill>
+                  <a:srgbClr val="267F99"/>
+                </a:solidFill>
+                <a:latin typeface="Consolas" panose="020B0609020204030204" pitchFamily="49" charset="0"/>
+              </a:rPr>
+              <a:t>SpaceField</a:t>
+            </a:r>
+            <a:r>
+              <a:rPr lang="en-US" sz="1400" dirty="0">
+                <a:solidFill>
+                  <a:srgbClr val="000000"/>
+                </a:solidFill>
+                <a:latin typeface="Consolas" panose="020B0609020204030204" pitchFamily="49" charset="0"/>
+              </a:rPr>
+              <a:t>[] Fields { </a:t>
+            </a:r>
+            <a:r>
+              <a:rPr lang="en-US" sz="1400" dirty="0">
+                <a:solidFill>
+                  <a:srgbClr val="0000FF"/>
+                </a:solidFill>
+                <a:latin typeface="Consolas" panose="020B0609020204030204" pitchFamily="49" charset="0"/>
+              </a:rPr>
+              <a:t>get</a:t>
+            </a:r>
+            <a:r>
+              <a:rPr lang="en-US" sz="1400" dirty="0">
+                <a:solidFill>
+                  <a:srgbClr val="000000"/>
+                </a:solidFill>
+                <a:latin typeface="Consolas" panose="020B0609020204030204" pitchFamily="49" charset="0"/>
+              </a:rPr>
+              <a:t>; </a:t>
+            </a:r>
+            <a:r>
+              <a:rPr lang="en-US" sz="1400" dirty="0">
+                <a:solidFill>
+                  <a:srgbClr val="0000FF"/>
+                </a:solidFill>
+                <a:latin typeface="Consolas" panose="020B0609020204030204" pitchFamily="49" charset="0"/>
+              </a:rPr>
+              <a:t>set</a:t>
+            </a:r>
+            <a:r>
+              <a:rPr lang="en-US" sz="1400" dirty="0">
+                <a:solidFill>
+                  <a:srgbClr val="000000"/>
+                </a:solidFill>
+                <a:latin typeface="Consolas" panose="020B0609020204030204" pitchFamily="49" charset="0"/>
+              </a:rPr>
+              <a:t>; }</a:t>
+            </a:r>
           </a:p>
         </p:txBody>
       </p:sp>
     </p:spTree>
     <p:extLst>
       <p:ext uri="{BB962C8B-B14F-4D97-AF65-F5344CB8AC3E}">
-        <p14:creationId xmlns:p14="http://schemas.microsoft.com/office/powerpoint/2010/main" val="523793551"/>
+        <p14:creationId xmlns:p14="http://schemas.microsoft.com/office/powerpoint/2010/main" val="2987608522"/>
       </p:ext>
     </p:extLst>
   </p:cSld>
@@ -11156,7 +11855,7 @@
             </a:r>
             <a:r>
               <a:rPr lang="en-US" sz="2800" dirty="0"/>
-              <a:t>temporary space.</a:t>
+              <a:t>temporary space</a:t>
             </a:r>
             <a:endParaRPr lang="ru-RU" sz="2800" dirty="0"/>
           </a:p>
@@ -12678,7 +13377,7 @@
           <a:p>
             <a:r>
               <a:rPr lang="ru-RU" sz="2800" dirty="0"/>
-              <a:t>Давайте заменим. </a:t>
+              <a:t>Давайте заменим</a:t>
             </a:r>
           </a:p>
           <a:p>
@@ -13358,15 +14057,7 @@
             </a:r>
             <a:r>
               <a:rPr lang="en-US" dirty="0"/>
-              <a:t>sec, 55K </a:t>
-            </a:r>
-            <a:r>
-              <a:rPr lang="en-US" dirty="0" err="1"/>
-              <a:t>rps</a:t>
-            </a:r>
-            <a:r>
-              <a:rPr lang="en-US" dirty="0"/>
-              <a:t>.</a:t>
+              <a:t>sec, 55K RPS</a:t>
             </a:r>
             <a:endParaRPr lang="ru-RU" dirty="0"/>
           </a:p>
@@ -14673,7 +15364,7 @@
             <a:pPr algn="l"/>
             <a:r>
               <a:rPr lang="ru-RU" dirty="0"/>
-              <a:t>Мониторинг и логгинг</a:t>
+              <a:t>Мониторинг и логирование</a:t>
             </a:r>
           </a:p>
         </p:txBody>
@@ -15913,12 +16604,20 @@
             </a:r>
             <a:r>
               <a:rPr lang="en-US" sz="2800" dirty="0"/>
-              <a:t> core - </a:t>
+              <a:t> core – </a:t>
             </a:r>
             <a:r>
               <a:rPr lang="ru-RU" sz="2800" dirty="0"/>
               <a:t>быстрый</a:t>
             </a:r>
+            <a:r>
+              <a:rPr lang="en-US" sz="2800" dirty="0"/>
+              <a:t> </a:t>
+            </a:r>
+            <a:r>
+              <a:rPr lang="ru-RU" sz="2800" dirty="0"/>
+              <a:t>фреймворк</a:t>
+            </a:r>
             <a:endParaRPr lang="en-US" sz="2800" dirty="0"/>
           </a:p>
           <a:p>
@@ -15935,7 +16634,7 @@
             </a:r>
             <a:r>
               <a:rPr lang="ru-RU" sz="2800" dirty="0"/>
-              <a:t>кроссплатформенный</a:t>
+              <a:t>кроссплатформенный фреймворк</a:t>
             </a:r>
             <a:endParaRPr lang="en-US" sz="2800" dirty="0"/>
           </a:p>

--- a/2018/06/Использование Tarantool.pptx
+++ b/2018/06/Использование Tarantool.pptx
@@ -25,32 +25,33 @@
     <p:sldId id="281" r:id="rId19"/>
     <p:sldId id="282" r:id="rId20"/>
     <p:sldId id="303" r:id="rId21"/>
-    <p:sldId id="284" r:id="rId22"/>
-    <p:sldId id="283" r:id="rId23"/>
-    <p:sldId id="289" r:id="rId24"/>
-    <p:sldId id="287" r:id="rId25"/>
-    <p:sldId id="262" r:id="rId26"/>
-    <p:sldId id="266" r:id="rId27"/>
-    <p:sldId id="268" r:id="rId28"/>
-    <p:sldId id="263" r:id="rId29"/>
-    <p:sldId id="264" r:id="rId30"/>
-    <p:sldId id="265" r:id="rId31"/>
-    <p:sldId id="270" r:id="rId32"/>
-    <p:sldId id="271" r:id="rId33"/>
-    <p:sldId id="269" r:id="rId34"/>
-    <p:sldId id="298" r:id="rId35"/>
-    <p:sldId id="290" r:id="rId36"/>
-    <p:sldId id="304" r:id="rId37"/>
-    <p:sldId id="305" r:id="rId38"/>
-    <p:sldId id="291" r:id="rId39"/>
-    <p:sldId id="293" r:id="rId40"/>
-    <p:sldId id="292" r:id="rId41"/>
-    <p:sldId id="286" r:id="rId42"/>
-    <p:sldId id="301" r:id="rId43"/>
-    <p:sldId id="300" r:id="rId44"/>
-    <p:sldId id="302" r:id="rId45"/>
-    <p:sldId id="299" r:id="rId46"/>
-    <p:sldId id="285" r:id="rId47"/>
+    <p:sldId id="306" r:id="rId22"/>
+    <p:sldId id="284" r:id="rId23"/>
+    <p:sldId id="283" r:id="rId24"/>
+    <p:sldId id="289" r:id="rId25"/>
+    <p:sldId id="287" r:id="rId26"/>
+    <p:sldId id="262" r:id="rId27"/>
+    <p:sldId id="266" r:id="rId28"/>
+    <p:sldId id="268" r:id="rId29"/>
+    <p:sldId id="263" r:id="rId30"/>
+    <p:sldId id="264" r:id="rId31"/>
+    <p:sldId id="265" r:id="rId32"/>
+    <p:sldId id="270" r:id="rId33"/>
+    <p:sldId id="271" r:id="rId34"/>
+    <p:sldId id="269" r:id="rId35"/>
+    <p:sldId id="298" r:id="rId36"/>
+    <p:sldId id="290" r:id="rId37"/>
+    <p:sldId id="304" r:id="rId38"/>
+    <p:sldId id="305" r:id="rId39"/>
+    <p:sldId id="291" r:id="rId40"/>
+    <p:sldId id="293" r:id="rId41"/>
+    <p:sldId id="292" r:id="rId42"/>
+    <p:sldId id="286" r:id="rId43"/>
+    <p:sldId id="301" r:id="rId44"/>
+    <p:sldId id="300" r:id="rId45"/>
+    <p:sldId id="302" r:id="rId46"/>
+    <p:sldId id="299" r:id="rId47"/>
+    <p:sldId id="285" r:id="rId48"/>
   </p:sldIdLst>
   <p:sldSz cx="9144000" cy="5143500" type="screen16x9"/>
   <p:notesSz cx="6858000" cy="9144000"/>
@@ -186,6 +187,7 @@
             <p14:sldId id="281"/>
             <p14:sldId id="282"/>
             <p14:sldId id="303"/>
+            <p14:sldId id="306"/>
             <p14:sldId id="284"/>
             <p14:sldId id="283"/>
             <p14:sldId id="289"/>
@@ -9780,6 +9782,505 @@
       </p:grpSpPr>
       <p:sp>
         <p:nvSpPr>
+          <p:cNvPr id="5" name="Title 4">
+            <a:extLst>
+              <a:ext uri="{FF2B5EF4-FFF2-40B4-BE49-F238E27FC236}">
+                <a16:creationId xmlns:a16="http://schemas.microsoft.com/office/drawing/2014/main" id="{DD4655AB-1BCA-4810-8EB1-F1B966CFDBE3}"/>
+              </a:ext>
+            </a:extLst>
+          </p:cNvPr>
+          <p:cNvSpPr>
+            <a:spLocks noGrp="1"/>
+          </p:cNvSpPr>
+          <p:nvPr>
+            <p:ph type="title"/>
+          </p:nvPr>
+        </p:nvSpPr>
+        <p:spPr/>
+        <p:txBody>
+          <a:bodyPr/>
+          <a:lstStyle/>
+          <a:p>
+            <a:pPr algn="l"/>
+            <a:r>
+              <a:rPr lang="ru-RU" dirty="0"/>
+              <a:t>Интерфейс: стало</a:t>
+            </a:r>
+          </a:p>
+        </p:txBody>
+      </p:sp>
+      <p:sp>
+        <p:nvSpPr>
+          <p:cNvPr id="7" name="Content Placeholder 6">
+            <a:extLst>
+              <a:ext uri="{FF2B5EF4-FFF2-40B4-BE49-F238E27FC236}">
+                <a16:creationId xmlns:a16="http://schemas.microsoft.com/office/drawing/2014/main" id="{D6F24F77-7CB1-4760-BD14-B6B253194F4A}"/>
+              </a:ext>
+            </a:extLst>
+          </p:cNvPr>
+          <p:cNvSpPr>
+            <a:spLocks noGrp="1"/>
+          </p:cNvSpPr>
+          <p:nvPr>
+            <p:ph idx="1"/>
+          </p:nvPr>
+        </p:nvSpPr>
+        <p:spPr/>
+        <p:txBody>
+          <a:bodyPr>
+            <a:normAutofit/>
+          </a:bodyPr>
+          <a:lstStyle/>
+          <a:p>
+            <a:pPr marL="0" indent="0">
+              <a:buNone/>
+            </a:pPr>
+            <a:r>
+              <a:rPr lang="en-US" sz="1400" dirty="0">
+                <a:solidFill>
+                  <a:srgbClr val="267F99"/>
+                </a:solidFill>
+                <a:latin typeface="Consolas" panose="020B0609020204030204" pitchFamily="49" charset="0"/>
+              </a:rPr>
+              <a:t>Task</a:t>
+            </a:r>
+            <a:r>
+              <a:rPr lang="en-US" sz="1400" dirty="0">
+                <a:solidFill>
+                  <a:srgbClr val="000000"/>
+                </a:solidFill>
+                <a:latin typeface="Consolas" panose="020B0609020204030204" pitchFamily="49" charset="0"/>
+              </a:rPr>
+              <a:t>&lt;</a:t>
+            </a:r>
+            <a:r>
+              <a:rPr lang="en-US" sz="1400" dirty="0" err="1">
+                <a:solidFill>
+                  <a:srgbClr val="267F99"/>
+                </a:solidFill>
+                <a:latin typeface="Consolas" panose="020B0609020204030204" pitchFamily="49" charset="0"/>
+              </a:rPr>
+              <a:t>IReadOnlyList</a:t>
+            </a:r>
+            <a:r>
+              <a:rPr lang="en-US" sz="1400" dirty="0">
+                <a:solidFill>
+                  <a:srgbClr val="000000"/>
+                </a:solidFill>
+                <a:latin typeface="Consolas" panose="020B0609020204030204" pitchFamily="49" charset="0"/>
+              </a:rPr>
+              <a:t>&lt;</a:t>
+            </a:r>
+            <a:r>
+              <a:rPr lang="en-US" sz="1400" dirty="0" err="1">
+                <a:solidFill>
+                  <a:srgbClr val="267F99"/>
+                </a:solidFill>
+                <a:latin typeface="Consolas" panose="020B0609020204030204" pitchFamily="49" charset="0"/>
+              </a:rPr>
+              <a:t>AnswerPublishRequest</a:t>
+            </a:r>
+            <a:r>
+              <a:rPr lang="en-US" sz="1400" dirty="0">
+                <a:solidFill>
+                  <a:srgbClr val="000000"/>
+                </a:solidFill>
+                <a:latin typeface="Consolas" panose="020B0609020204030204" pitchFamily="49" charset="0"/>
+              </a:rPr>
+              <a:t>&gt;&gt; </a:t>
+            </a:r>
+            <a:r>
+              <a:rPr lang="en-US" sz="1400" dirty="0" err="1">
+                <a:solidFill>
+                  <a:srgbClr val="795E26"/>
+                </a:solidFill>
+                <a:latin typeface="Consolas" panose="020B0609020204030204" pitchFamily="49" charset="0"/>
+              </a:rPr>
+              <a:t>GetById</a:t>
+            </a:r>
+            <a:r>
+              <a:rPr lang="en-US" sz="1400" dirty="0">
+                <a:solidFill>
+                  <a:srgbClr val="000000"/>
+                </a:solidFill>
+                <a:latin typeface="Consolas" panose="020B0609020204030204" pitchFamily="49" charset="0"/>
+              </a:rPr>
+              <a:t>(</a:t>
+            </a:r>
+            <a:r>
+              <a:rPr lang="en-US" sz="1400" dirty="0" err="1">
+                <a:solidFill>
+                  <a:srgbClr val="267F99"/>
+                </a:solidFill>
+                <a:latin typeface="Consolas" panose="020B0609020204030204" pitchFamily="49" charset="0"/>
+              </a:rPr>
+              <a:t>QuestionId</a:t>
+            </a:r>
+            <a:r>
+              <a:rPr lang="en-US" sz="1400" dirty="0">
+                <a:solidFill>
+                  <a:srgbClr val="000000"/>
+                </a:solidFill>
+                <a:latin typeface="Consolas" panose="020B0609020204030204" pitchFamily="49" charset="0"/>
+              </a:rPr>
+              <a:t> </a:t>
+            </a:r>
+            <a:r>
+              <a:rPr lang="en-US" sz="1400" dirty="0" err="1">
+                <a:solidFill>
+                  <a:srgbClr val="000000"/>
+                </a:solidFill>
+                <a:latin typeface="Consolas" panose="020B0609020204030204" pitchFamily="49" charset="0"/>
+              </a:rPr>
+              <a:t>questionId</a:t>
+            </a:r>
+            <a:r>
+              <a:rPr lang="en-US" sz="1400" dirty="0">
+                <a:solidFill>
+                  <a:srgbClr val="000000"/>
+                </a:solidFill>
+                <a:latin typeface="Consolas" panose="020B0609020204030204" pitchFamily="49" charset="0"/>
+              </a:rPr>
+              <a:t>)</a:t>
+            </a:r>
+          </a:p>
+          <a:p>
+            <a:pPr marL="0" indent="0">
+              <a:buNone/>
+            </a:pPr>
+            <a:r>
+              <a:rPr lang="en-US" sz="1400" dirty="0">
+                <a:solidFill>
+                  <a:srgbClr val="000000"/>
+                </a:solidFill>
+                <a:latin typeface="Consolas" panose="020B0609020204030204" pitchFamily="49" charset="0"/>
+              </a:rPr>
+              <a:t>{</a:t>
+            </a:r>
+          </a:p>
+          <a:p>
+            <a:pPr marL="400050" lvl="1" indent="0">
+              <a:buNone/>
+            </a:pPr>
+            <a:r>
+              <a:rPr lang="en-US" sz="1400" dirty="0">
+                <a:solidFill>
+                  <a:srgbClr val="0000FF"/>
+                </a:solidFill>
+                <a:latin typeface="Consolas" panose="020B0609020204030204" pitchFamily="49" charset="0"/>
+              </a:rPr>
+              <a:t>var</a:t>
+            </a:r>
+            <a:r>
+              <a:rPr lang="en-US" sz="1400" dirty="0">
+                <a:solidFill>
+                  <a:srgbClr val="000000"/>
+                </a:solidFill>
+                <a:latin typeface="Consolas" panose="020B0609020204030204" pitchFamily="49" charset="0"/>
+              </a:rPr>
+              <a:t> index = </a:t>
+            </a:r>
+            <a:r>
+              <a:rPr lang="en-US" sz="1400" dirty="0" err="1">
+                <a:solidFill>
+                  <a:srgbClr val="001080"/>
+                </a:solidFill>
+                <a:latin typeface="Consolas" panose="020B0609020204030204" pitchFamily="49" charset="0"/>
+              </a:rPr>
+              <a:t>client</a:t>
+            </a:r>
+            <a:r>
+              <a:rPr lang="en-US" sz="1400" dirty="0" err="1">
+                <a:solidFill>
+                  <a:srgbClr val="000000"/>
+                </a:solidFill>
+                <a:latin typeface="Consolas" panose="020B0609020204030204" pitchFamily="49" charset="0"/>
+              </a:rPr>
+              <a:t>.</a:t>
+            </a:r>
+            <a:r>
+              <a:rPr lang="en-US" sz="1400" dirty="0" err="1">
+                <a:solidFill>
+                  <a:srgbClr val="795E26"/>
+                </a:solidFill>
+                <a:latin typeface="Consolas" panose="020B0609020204030204" pitchFamily="49" charset="0"/>
+              </a:rPr>
+              <a:t>GetSchema</a:t>
+            </a:r>
+            <a:r>
+              <a:rPr lang="en-US" sz="1400" dirty="0">
+                <a:solidFill>
+                  <a:srgbClr val="000000"/>
+                </a:solidFill>
+                <a:latin typeface="Consolas" panose="020B0609020204030204" pitchFamily="49" charset="0"/>
+              </a:rPr>
+              <a:t>().</a:t>
+            </a:r>
+            <a:r>
+              <a:rPr lang="en-US" sz="1400" dirty="0" err="1">
+                <a:solidFill>
+                  <a:srgbClr val="795E26"/>
+                </a:solidFill>
+                <a:latin typeface="Consolas" panose="020B0609020204030204" pitchFamily="49" charset="0"/>
+              </a:rPr>
+              <a:t>GetSpace</a:t>
+            </a:r>
+            <a:r>
+              <a:rPr lang="en-US" sz="1400" dirty="0">
+                <a:latin typeface="Consolas" panose="020B0609020204030204" pitchFamily="49" charset="0"/>
+              </a:rPr>
+              <a:t>&lt;</a:t>
+            </a:r>
+            <a:r>
+              <a:rPr lang="en-US" sz="1400" dirty="0" err="1">
+                <a:solidFill>
+                  <a:srgbClr val="267F99"/>
+                </a:solidFill>
+                <a:latin typeface="Consolas" panose="020B0609020204030204" pitchFamily="49" charset="0"/>
+              </a:rPr>
+              <a:t>AnswerPublishRequest</a:t>
+            </a:r>
+            <a:r>
+              <a:rPr lang="en-US" sz="1400" dirty="0">
+                <a:latin typeface="Consolas" panose="020B0609020204030204" pitchFamily="49" charset="0"/>
+              </a:rPr>
+              <a:t>&gt;</a:t>
+            </a:r>
+            <a:r>
+              <a:rPr lang="en-US" sz="1400" dirty="0">
+                <a:solidFill>
+                  <a:srgbClr val="000000"/>
+                </a:solidFill>
+                <a:latin typeface="Consolas" panose="020B0609020204030204" pitchFamily="49" charset="0"/>
+              </a:rPr>
+              <a:t>[</a:t>
+            </a:r>
+            <a:r>
+              <a:rPr lang="en-US" sz="1400" dirty="0">
+                <a:solidFill>
+                  <a:srgbClr val="A31515"/>
+                </a:solidFill>
+                <a:latin typeface="Consolas" panose="020B0609020204030204" pitchFamily="49" charset="0"/>
+              </a:rPr>
+              <a:t>"a"</a:t>
+            </a:r>
+            <a:r>
+              <a:rPr lang="en-US" sz="1400" dirty="0">
+                <a:solidFill>
+                  <a:srgbClr val="000000"/>
+                </a:solidFill>
+                <a:latin typeface="Consolas" panose="020B0609020204030204" pitchFamily="49" charset="0"/>
+              </a:rPr>
+              <a:t>][</a:t>
+            </a:r>
+            <a:r>
+              <a:rPr lang="en-US" sz="1400" dirty="0">
+                <a:solidFill>
+                  <a:srgbClr val="A31515"/>
+                </a:solidFill>
+                <a:latin typeface="Consolas" panose="020B0609020204030204" pitchFamily="49" charset="0"/>
+              </a:rPr>
+              <a:t>"b"</a:t>
+            </a:r>
+            <a:r>
+              <a:rPr lang="en-US" sz="1400" dirty="0">
+                <a:solidFill>
+                  <a:srgbClr val="000000"/>
+                </a:solidFill>
+                <a:latin typeface="Consolas" panose="020B0609020204030204" pitchFamily="49" charset="0"/>
+              </a:rPr>
+              <a:t>];</a:t>
+            </a:r>
+          </a:p>
+          <a:p>
+            <a:pPr marL="400050" lvl="1" indent="0">
+              <a:buNone/>
+            </a:pPr>
+            <a:br>
+              <a:rPr lang="en-US" sz="1400" dirty="0">
+                <a:solidFill>
+                  <a:srgbClr val="000000"/>
+                </a:solidFill>
+                <a:latin typeface="Consolas" panose="020B0609020204030204" pitchFamily="49" charset="0"/>
+              </a:rPr>
+            </a:br>
+            <a:r>
+              <a:rPr lang="en-US" sz="1400" dirty="0">
+                <a:solidFill>
+                  <a:srgbClr val="AF00DB"/>
+                </a:solidFill>
+                <a:latin typeface="Consolas" panose="020B0609020204030204" pitchFamily="49" charset="0"/>
+              </a:rPr>
+              <a:t>return </a:t>
+            </a:r>
+            <a:r>
+              <a:rPr lang="en-US" sz="1400" dirty="0" err="1">
+                <a:solidFill>
+                  <a:srgbClr val="001080"/>
+                </a:solidFill>
+                <a:latin typeface="Consolas" panose="020B0609020204030204" pitchFamily="49" charset="0"/>
+              </a:rPr>
+              <a:t>index</a:t>
+            </a:r>
+            <a:r>
+              <a:rPr lang="en-US" sz="1400" dirty="0" err="1">
+                <a:solidFill>
+                  <a:srgbClr val="000000"/>
+                </a:solidFill>
+                <a:latin typeface="Consolas" panose="020B0609020204030204" pitchFamily="49" charset="0"/>
+              </a:rPr>
+              <a:t>.</a:t>
+            </a:r>
+            <a:r>
+              <a:rPr lang="en-US" sz="1400" dirty="0" err="1">
+                <a:solidFill>
+                  <a:srgbClr val="795E26"/>
+                </a:solidFill>
+                <a:latin typeface="Consolas" panose="020B0609020204030204" pitchFamily="49" charset="0"/>
+              </a:rPr>
+              <a:t>Select</a:t>
+            </a:r>
+            <a:r>
+              <a:rPr lang="en-US" sz="1400" dirty="0">
+                <a:solidFill>
+                  <a:srgbClr val="000000"/>
+                </a:solidFill>
+                <a:latin typeface="Consolas" panose="020B0609020204030204" pitchFamily="49" charset="0"/>
+              </a:rPr>
+              <a:t>((</a:t>
+            </a:r>
+            <a:r>
+              <a:rPr lang="en-US" sz="1400" dirty="0">
+                <a:solidFill>
+                  <a:srgbClr val="0000FF"/>
+                </a:solidFill>
+                <a:latin typeface="Consolas" panose="020B0609020204030204" pitchFamily="49" charset="0"/>
+              </a:rPr>
+              <a:t>false</a:t>
+            </a:r>
+            <a:r>
+              <a:rPr lang="en-US" sz="1400" dirty="0">
+                <a:solidFill>
+                  <a:srgbClr val="000000"/>
+                </a:solidFill>
+                <a:latin typeface="Consolas" panose="020B0609020204030204" pitchFamily="49" charset="0"/>
+              </a:rPr>
+              <a:t>, </a:t>
+            </a:r>
+            <a:r>
+              <a:rPr lang="en-US" sz="1400" dirty="0" err="1">
+                <a:solidFill>
+                  <a:srgbClr val="001080"/>
+                </a:solidFill>
+                <a:latin typeface="Consolas" panose="020B0609020204030204" pitchFamily="49" charset="0"/>
+              </a:rPr>
+              <a:t>questionId</a:t>
+            </a:r>
+            <a:r>
+              <a:rPr lang="en-US" sz="1400" dirty="0">
+                <a:solidFill>
+                  <a:srgbClr val="000000"/>
+                </a:solidFill>
+                <a:latin typeface="Consolas" panose="020B0609020204030204" pitchFamily="49" charset="0"/>
+              </a:rPr>
+              <a:t>), </a:t>
+            </a:r>
+            <a:r>
+              <a:rPr lang="en-US" sz="1400" dirty="0" err="1">
+                <a:solidFill>
+                  <a:srgbClr val="001080"/>
+                </a:solidFill>
+                <a:latin typeface="Consolas" panose="020B0609020204030204" pitchFamily="49" charset="0"/>
+              </a:rPr>
+              <a:t>Iterator</a:t>
+            </a:r>
+            <a:r>
+              <a:rPr lang="en-US" sz="1400" dirty="0" err="1">
+                <a:solidFill>
+                  <a:srgbClr val="000000"/>
+                </a:solidFill>
+                <a:latin typeface="Consolas" panose="020B0609020204030204" pitchFamily="49" charset="0"/>
+              </a:rPr>
+              <a:t>.</a:t>
+            </a:r>
+            <a:r>
+              <a:rPr lang="en-US" sz="1400" dirty="0" err="1">
+                <a:solidFill>
+                  <a:srgbClr val="001080"/>
+                </a:solidFill>
+                <a:latin typeface="Consolas" panose="020B0609020204030204" pitchFamily="49" charset="0"/>
+              </a:rPr>
+              <a:t>Req</a:t>
+            </a:r>
+            <a:r>
+              <a:rPr lang="en-US" sz="1400" dirty="0">
+                <a:solidFill>
+                  <a:srgbClr val="000000"/>
+                </a:solidFill>
+                <a:latin typeface="Consolas" panose="020B0609020204030204" pitchFamily="49" charset="0"/>
+              </a:rPr>
+              <a:t>));</a:t>
+            </a:r>
+          </a:p>
+          <a:p>
+            <a:pPr marL="0" indent="0">
+              <a:buNone/>
+            </a:pPr>
+            <a:r>
+              <a:rPr lang="en-US" sz="1400" dirty="0">
+                <a:solidFill>
+                  <a:srgbClr val="000000"/>
+                </a:solidFill>
+                <a:latin typeface="Consolas" panose="020B0609020204030204" pitchFamily="49" charset="0"/>
+              </a:rPr>
+              <a:t>}</a:t>
+            </a:r>
+          </a:p>
+          <a:p>
+            <a:pPr marL="0" indent="0">
+              <a:buNone/>
+            </a:pPr>
+            <a:endParaRPr lang="en-US" dirty="0">
+              <a:solidFill>
+                <a:srgbClr val="000000"/>
+              </a:solidFill>
+              <a:latin typeface="Consolas" panose="020B0609020204030204" pitchFamily="49" charset="0"/>
+            </a:endParaRPr>
+          </a:p>
+        </p:txBody>
+      </p:sp>
+    </p:spTree>
+    <p:extLst>
+      <p:ext uri="{BB962C8B-B14F-4D97-AF65-F5344CB8AC3E}">
+        <p14:creationId xmlns:p14="http://schemas.microsoft.com/office/powerpoint/2010/main" val="371154733"/>
+      </p:ext>
+    </p:extLst>
+  </p:cSld>
+  <p:clrMapOvr>
+    <a:masterClrMapping/>
+  </p:clrMapOvr>
+</p:sld>
+</file>
+
+<file path=ppt/slides/slide22.xml><?xml version="1.0" encoding="utf-8"?>
+<p:sld xmlns:a="http://schemas.openxmlformats.org/drawingml/2006/main" xmlns:r="http://schemas.openxmlformats.org/officeDocument/2006/relationships" xmlns:p="http://schemas.openxmlformats.org/presentationml/2006/main">
+  <p:cSld>
+    <p:spTree>
+      <p:nvGrpSpPr>
+        <p:cNvPr id="1" name=""/>
+        <p:cNvGrpSpPr/>
+        <p:nvPr/>
+      </p:nvGrpSpPr>
+      <p:grpSpPr>
+        <a:xfrm>
+          <a:off x="0" y="0"/>
+          <a:ext cx="0" cy="0"/>
+          <a:chOff x="0" y="0"/>
+          <a:chExt cx="0" cy="0"/>
+        </a:xfrm>
+      </p:grpSpPr>
+      <p:sp>
+        <p:nvSpPr>
           <p:cNvPr id="2" name="Title 1">
             <a:extLst>
               <a:ext uri="{FF2B5EF4-FFF2-40B4-BE49-F238E27FC236}">
@@ -9876,7 +10377,7 @@
 </p:sld>
 </file>
 
-<file path=ppt/slides/slide22.xml><?xml version="1.0" encoding="utf-8"?>
+<file path=ppt/slides/slide23.xml><?xml version="1.0" encoding="utf-8"?>
 <p:sld xmlns:a="http://schemas.openxmlformats.org/drawingml/2006/main" xmlns:r="http://schemas.openxmlformats.org/officeDocument/2006/relationships" xmlns:p="http://schemas.openxmlformats.org/presentationml/2006/main">
   <p:cSld>
     <p:spTree>
@@ -11078,7 +11579,7 @@
 </p:sld>
 </file>
 
-<file path=ppt/slides/slide23.xml><?xml version="1.0" encoding="utf-8"?>
+<file path=ppt/slides/slide24.xml><?xml version="1.0" encoding="utf-8"?>
 <p:sld xmlns:a="http://schemas.openxmlformats.org/drawingml/2006/main" xmlns:r="http://schemas.openxmlformats.org/officeDocument/2006/relationships" xmlns:p="http://schemas.openxmlformats.org/presentationml/2006/main">
   <p:cSld>
     <p:spTree>
@@ -11210,7 +11711,7 @@
 </p:sld>
 </file>
 
-<file path=ppt/slides/slide24.xml><?xml version="1.0" encoding="utf-8"?>
+<file path=ppt/slides/slide25.xml><?xml version="1.0" encoding="utf-8"?>
 <p:sld xmlns:a="http://schemas.openxmlformats.org/drawingml/2006/main" xmlns:r="http://schemas.openxmlformats.org/officeDocument/2006/relationships" xmlns:p="http://schemas.openxmlformats.org/presentationml/2006/main">
   <p:cSld>
     <p:spTree>
@@ -11792,7 +12293,7 @@
 </p:sld>
 </file>
 
-<file path=ppt/slides/slide25.xml><?xml version="1.0" encoding="utf-8"?>
+<file path=ppt/slides/slide26.xml><?xml version="1.0" encoding="utf-8"?>
 <p:sld xmlns:a="http://schemas.openxmlformats.org/drawingml/2006/main" xmlns:r="http://schemas.openxmlformats.org/officeDocument/2006/relationships" xmlns:p="http://schemas.openxmlformats.org/presentationml/2006/main">
   <p:cSld>
     <p:spTree>
@@ -11924,607 +12425,6 @@
     <p:extLst>
       <p:ext uri="{BB962C8B-B14F-4D97-AF65-F5344CB8AC3E}">
         <p14:creationId xmlns:p14="http://schemas.microsoft.com/office/powerpoint/2010/main" val="3067164419"/>
-      </p:ext>
-    </p:extLst>
-  </p:cSld>
-  <p:clrMapOvr>
-    <a:masterClrMapping/>
-  </p:clrMapOvr>
-</p:sld>
-</file>
-
-<file path=ppt/slides/slide26.xml><?xml version="1.0" encoding="utf-8"?>
-<p:sld xmlns:a="http://schemas.openxmlformats.org/drawingml/2006/main" xmlns:r="http://schemas.openxmlformats.org/officeDocument/2006/relationships" xmlns:p="http://schemas.openxmlformats.org/presentationml/2006/main">
-  <p:cSld>
-    <p:spTree>
-      <p:nvGrpSpPr>
-        <p:cNvPr id="1" name=""/>
-        <p:cNvGrpSpPr/>
-        <p:nvPr/>
-      </p:nvGrpSpPr>
-      <p:grpSpPr>
-        <a:xfrm>
-          <a:off x="0" y="0"/>
-          <a:ext cx="0" cy="0"/>
-          <a:chOff x="0" y="0"/>
-          <a:chExt cx="0" cy="0"/>
-        </a:xfrm>
-      </p:grpSpPr>
-      <p:sp>
-        <p:nvSpPr>
-          <p:cNvPr id="5" name="Title 4">
-            <a:extLst>
-              <a:ext uri="{FF2B5EF4-FFF2-40B4-BE49-F238E27FC236}">
-                <a16:creationId xmlns:a16="http://schemas.microsoft.com/office/drawing/2014/main" id="{DD4655AB-1BCA-4810-8EB1-F1B966CFDBE3}"/>
-              </a:ext>
-            </a:extLst>
-          </p:cNvPr>
-          <p:cNvSpPr>
-            <a:spLocks noGrp="1"/>
-          </p:cNvSpPr>
-          <p:nvPr>
-            <p:ph type="title"/>
-          </p:nvPr>
-        </p:nvSpPr>
-        <p:spPr/>
-        <p:txBody>
-          <a:bodyPr/>
-          <a:lstStyle/>
-          <a:p>
-            <a:pPr algn="l"/>
-            <a:r>
-              <a:rPr lang="ru-RU" dirty="0"/>
-              <a:t>А что мы тестируем?</a:t>
-            </a:r>
-          </a:p>
-        </p:txBody>
-      </p:sp>
-      <p:sp>
-        <p:nvSpPr>
-          <p:cNvPr id="7" name="Content Placeholder 6">
-            <a:extLst>
-              <a:ext uri="{FF2B5EF4-FFF2-40B4-BE49-F238E27FC236}">
-                <a16:creationId xmlns:a16="http://schemas.microsoft.com/office/drawing/2014/main" id="{D6F24F77-7CB1-4760-BD14-B6B253194F4A}"/>
-              </a:ext>
-            </a:extLst>
-          </p:cNvPr>
-          <p:cNvSpPr>
-            <a:spLocks noGrp="1"/>
-          </p:cNvSpPr>
-          <p:nvPr>
-            <p:ph idx="1"/>
-          </p:nvPr>
-        </p:nvSpPr>
-        <p:spPr/>
-        <p:txBody>
-          <a:bodyPr>
-            <a:normAutofit/>
-          </a:bodyPr>
-          <a:lstStyle/>
-          <a:p>
-            <a:pPr marL="0" indent="0">
-              <a:buNone/>
-            </a:pPr>
-            <a:r>
-              <a:rPr lang="en-US" sz="1800" dirty="0">
-                <a:solidFill>
-                  <a:srgbClr val="0000FF"/>
-                </a:solidFill>
-                <a:latin typeface="Consolas" panose="020B0609020204030204" pitchFamily="49" charset="0"/>
-              </a:rPr>
-              <a:t>var</a:t>
-            </a:r>
-            <a:r>
-              <a:rPr lang="en-US" sz="1800" dirty="0">
-                <a:solidFill>
-                  <a:srgbClr val="000000"/>
-                </a:solidFill>
-                <a:latin typeface="Consolas" panose="020B0609020204030204" pitchFamily="49" charset="0"/>
-              </a:rPr>
-              <a:t> </a:t>
-            </a:r>
-            <a:r>
-              <a:rPr lang="en-US" sz="1800" dirty="0" err="1">
-                <a:solidFill>
-                  <a:srgbClr val="000000"/>
-                </a:solidFill>
-                <a:latin typeface="Consolas" panose="020B0609020204030204" pitchFamily="49" charset="0"/>
-              </a:rPr>
-              <a:t>lst</a:t>
-            </a:r>
-            <a:r>
-              <a:rPr lang="en-US" sz="1800" dirty="0">
-                <a:solidFill>
-                  <a:srgbClr val="000000"/>
-                </a:solidFill>
-                <a:latin typeface="Consolas" panose="020B0609020204030204" pitchFamily="49" charset="0"/>
-              </a:rPr>
-              <a:t> = </a:t>
-            </a:r>
-            <a:r>
-              <a:rPr lang="en-US" sz="1800" dirty="0">
-                <a:solidFill>
-                  <a:srgbClr val="0000FF"/>
-                </a:solidFill>
-                <a:latin typeface="Consolas" panose="020B0609020204030204" pitchFamily="49" charset="0"/>
-              </a:rPr>
-              <a:t>new</a:t>
-            </a:r>
-            <a:r>
-              <a:rPr lang="en-US" sz="1800" dirty="0">
-                <a:solidFill>
-                  <a:srgbClr val="000000"/>
-                </a:solidFill>
-                <a:latin typeface="Consolas" panose="020B0609020204030204" pitchFamily="49" charset="0"/>
-              </a:rPr>
-              <a:t> </a:t>
-            </a:r>
-            <a:r>
-              <a:rPr lang="en-US" sz="1800" dirty="0">
-                <a:solidFill>
-                  <a:srgbClr val="267F99"/>
-                </a:solidFill>
-                <a:latin typeface="Consolas" panose="020B0609020204030204" pitchFamily="49" charset="0"/>
-              </a:rPr>
-              <a:t>Task</a:t>
-            </a:r>
-            <a:r>
-              <a:rPr lang="en-US" sz="1800" dirty="0">
-                <a:solidFill>
-                  <a:srgbClr val="000000"/>
-                </a:solidFill>
-                <a:latin typeface="Consolas" panose="020B0609020204030204" pitchFamily="49" charset="0"/>
-              </a:rPr>
-              <a:t>[</a:t>
-            </a:r>
-            <a:r>
-              <a:rPr lang="en-US" sz="1800" dirty="0">
-                <a:solidFill>
-                  <a:srgbClr val="09885A"/>
-                </a:solidFill>
-                <a:latin typeface="Consolas" panose="020B0609020204030204" pitchFamily="49" charset="0"/>
-              </a:rPr>
-              <a:t>1000000</a:t>
-            </a:r>
-            <a:r>
-              <a:rPr lang="en-US" sz="1800" dirty="0">
-                <a:solidFill>
-                  <a:srgbClr val="000000"/>
-                </a:solidFill>
-                <a:latin typeface="Consolas" panose="020B0609020204030204" pitchFamily="49" charset="0"/>
-              </a:rPr>
-              <a:t>];</a:t>
-            </a:r>
-          </a:p>
-          <a:p>
-            <a:pPr marL="0" indent="0">
-              <a:buNone/>
-            </a:pPr>
-            <a:r>
-              <a:rPr lang="en-US" sz="1800" dirty="0">
-                <a:solidFill>
-                  <a:srgbClr val="AF00DB"/>
-                </a:solidFill>
-                <a:latin typeface="Consolas" panose="020B0609020204030204" pitchFamily="49" charset="0"/>
-              </a:rPr>
-              <a:t>for</a:t>
-            </a:r>
-            <a:r>
-              <a:rPr lang="en-US" sz="1800" dirty="0">
-                <a:solidFill>
-                  <a:srgbClr val="000000"/>
-                </a:solidFill>
-                <a:latin typeface="Consolas" panose="020B0609020204030204" pitchFamily="49" charset="0"/>
-              </a:rPr>
-              <a:t> (</a:t>
-            </a:r>
-            <a:r>
-              <a:rPr lang="en-US" sz="1800" dirty="0">
-                <a:solidFill>
-                  <a:srgbClr val="0000FF"/>
-                </a:solidFill>
-                <a:latin typeface="Consolas" panose="020B0609020204030204" pitchFamily="49" charset="0"/>
-              </a:rPr>
-              <a:t>int</a:t>
-            </a:r>
-            <a:r>
-              <a:rPr lang="en-US" sz="1800" dirty="0">
-                <a:solidFill>
-                  <a:srgbClr val="000000"/>
-                </a:solidFill>
-                <a:latin typeface="Consolas" panose="020B0609020204030204" pitchFamily="49" charset="0"/>
-              </a:rPr>
-              <a:t> </a:t>
-            </a:r>
-            <a:r>
-              <a:rPr lang="en-US" sz="1800" dirty="0" err="1">
-                <a:solidFill>
-                  <a:srgbClr val="000000"/>
-                </a:solidFill>
-                <a:latin typeface="Consolas" panose="020B0609020204030204" pitchFamily="49" charset="0"/>
-              </a:rPr>
-              <a:t>i</a:t>
-            </a:r>
-            <a:r>
-              <a:rPr lang="en-US" sz="1800" dirty="0">
-                <a:solidFill>
-                  <a:srgbClr val="000000"/>
-                </a:solidFill>
-                <a:latin typeface="Consolas" panose="020B0609020204030204" pitchFamily="49" charset="0"/>
-              </a:rPr>
-              <a:t> = </a:t>
-            </a:r>
-            <a:r>
-              <a:rPr lang="en-US" sz="1800" dirty="0">
-                <a:solidFill>
-                  <a:srgbClr val="09885A"/>
-                </a:solidFill>
-                <a:latin typeface="Consolas" panose="020B0609020204030204" pitchFamily="49" charset="0"/>
-              </a:rPr>
-              <a:t>0</a:t>
-            </a:r>
-            <a:r>
-              <a:rPr lang="en-US" sz="1800" dirty="0">
-                <a:solidFill>
-                  <a:srgbClr val="000000"/>
-                </a:solidFill>
-                <a:latin typeface="Consolas" panose="020B0609020204030204" pitchFamily="49" charset="0"/>
-              </a:rPr>
-              <a:t>; </a:t>
-            </a:r>
-            <a:r>
-              <a:rPr lang="en-US" sz="1800" dirty="0" err="1">
-                <a:solidFill>
-                  <a:srgbClr val="001080"/>
-                </a:solidFill>
-                <a:latin typeface="Consolas" panose="020B0609020204030204" pitchFamily="49" charset="0"/>
-              </a:rPr>
-              <a:t>i</a:t>
-            </a:r>
-            <a:r>
-              <a:rPr lang="en-US" sz="1800" dirty="0">
-                <a:solidFill>
-                  <a:srgbClr val="000000"/>
-                </a:solidFill>
-                <a:latin typeface="Consolas" panose="020B0609020204030204" pitchFamily="49" charset="0"/>
-              </a:rPr>
-              <a:t> &lt; </a:t>
-            </a:r>
-            <a:r>
-              <a:rPr lang="en-US" sz="1800" dirty="0" err="1">
-                <a:solidFill>
-                  <a:srgbClr val="001080"/>
-                </a:solidFill>
-                <a:latin typeface="Consolas" panose="020B0609020204030204" pitchFamily="49" charset="0"/>
-              </a:rPr>
-              <a:t>lst</a:t>
-            </a:r>
-            <a:r>
-              <a:rPr lang="en-US" sz="1800" dirty="0" err="1">
-                <a:solidFill>
-                  <a:srgbClr val="000000"/>
-                </a:solidFill>
-                <a:latin typeface="Consolas" panose="020B0609020204030204" pitchFamily="49" charset="0"/>
-              </a:rPr>
-              <a:t>.</a:t>
-            </a:r>
-            <a:r>
-              <a:rPr lang="en-US" sz="1800" dirty="0" err="1">
-                <a:solidFill>
-                  <a:srgbClr val="001080"/>
-                </a:solidFill>
-                <a:latin typeface="Consolas" panose="020B0609020204030204" pitchFamily="49" charset="0"/>
-              </a:rPr>
-              <a:t>Length</a:t>
-            </a:r>
-            <a:r>
-              <a:rPr lang="en-US" sz="1800" dirty="0">
-                <a:solidFill>
-                  <a:srgbClr val="000000"/>
-                </a:solidFill>
-                <a:latin typeface="Consolas" panose="020B0609020204030204" pitchFamily="49" charset="0"/>
-              </a:rPr>
-              <a:t>; </a:t>
-            </a:r>
-            <a:r>
-              <a:rPr lang="en-US" sz="1800" dirty="0" err="1">
-                <a:solidFill>
-                  <a:srgbClr val="001080"/>
-                </a:solidFill>
-                <a:latin typeface="Consolas" panose="020B0609020204030204" pitchFamily="49" charset="0"/>
-              </a:rPr>
-              <a:t>i</a:t>
-            </a:r>
-            <a:r>
-              <a:rPr lang="en-US" sz="1800" dirty="0">
-                <a:solidFill>
-                  <a:srgbClr val="000000"/>
-                </a:solidFill>
-                <a:latin typeface="Consolas" panose="020B0609020204030204" pitchFamily="49" charset="0"/>
-              </a:rPr>
-              <a:t>++)</a:t>
-            </a:r>
-          </a:p>
-          <a:p>
-            <a:pPr marL="0" indent="0">
-              <a:buNone/>
-            </a:pPr>
-            <a:r>
-              <a:rPr lang="en-US" sz="1800" dirty="0">
-                <a:solidFill>
-                  <a:srgbClr val="000000"/>
-                </a:solidFill>
-                <a:latin typeface="Consolas" panose="020B0609020204030204" pitchFamily="49" charset="0"/>
-              </a:rPr>
-              <a:t>{</a:t>
-            </a:r>
-          </a:p>
-          <a:p>
-            <a:pPr marL="0" indent="0">
-              <a:buNone/>
-            </a:pPr>
-            <a:r>
-              <a:rPr lang="en-US" sz="1800" dirty="0">
-                <a:solidFill>
-                  <a:srgbClr val="001080"/>
-                </a:solidFill>
-                <a:latin typeface="Consolas" panose="020B0609020204030204" pitchFamily="49" charset="0"/>
-              </a:rPr>
-              <a:t>	</a:t>
-            </a:r>
-            <a:r>
-              <a:rPr lang="en-US" sz="1800" dirty="0" err="1">
-                <a:solidFill>
-                  <a:srgbClr val="001080"/>
-                </a:solidFill>
-                <a:latin typeface="Consolas" panose="020B0609020204030204" pitchFamily="49" charset="0"/>
-              </a:rPr>
-              <a:t>lst</a:t>
-            </a:r>
-            <a:r>
-              <a:rPr lang="en-US" sz="1800" dirty="0">
-                <a:solidFill>
-                  <a:srgbClr val="000000"/>
-                </a:solidFill>
-                <a:latin typeface="Consolas" panose="020B0609020204030204" pitchFamily="49" charset="0"/>
-              </a:rPr>
-              <a:t>[</a:t>
-            </a:r>
-            <a:r>
-              <a:rPr lang="en-US" sz="1800" dirty="0" err="1">
-                <a:solidFill>
-                  <a:srgbClr val="001080"/>
-                </a:solidFill>
-                <a:latin typeface="Consolas" panose="020B0609020204030204" pitchFamily="49" charset="0"/>
-              </a:rPr>
-              <a:t>i</a:t>
-            </a:r>
-            <a:r>
-              <a:rPr lang="en-US" sz="1800" dirty="0">
-                <a:solidFill>
-                  <a:srgbClr val="000000"/>
-                </a:solidFill>
-                <a:latin typeface="Consolas" panose="020B0609020204030204" pitchFamily="49" charset="0"/>
-              </a:rPr>
-              <a:t>] = </a:t>
-            </a:r>
-            <a:r>
-              <a:rPr lang="en-US" sz="1800" dirty="0" err="1">
-                <a:solidFill>
-                  <a:srgbClr val="001080"/>
-                </a:solidFill>
-                <a:latin typeface="Consolas" panose="020B0609020204030204" pitchFamily="49" charset="0"/>
-              </a:rPr>
-              <a:t>space</a:t>
-            </a:r>
-            <a:r>
-              <a:rPr lang="en-US" sz="1800" dirty="0" err="1">
-                <a:solidFill>
-                  <a:srgbClr val="000000"/>
-                </a:solidFill>
-                <a:latin typeface="Consolas" panose="020B0609020204030204" pitchFamily="49" charset="0"/>
-              </a:rPr>
-              <a:t>.</a:t>
-            </a:r>
-            <a:r>
-              <a:rPr lang="en-US" sz="1800" dirty="0" err="1">
-                <a:solidFill>
-                  <a:srgbClr val="795E26"/>
-                </a:solidFill>
-                <a:latin typeface="Consolas" panose="020B0609020204030204" pitchFamily="49" charset="0"/>
-              </a:rPr>
-              <a:t>Insert</a:t>
-            </a:r>
-            <a:r>
-              <a:rPr lang="en-US" sz="1800" dirty="0">
-                <a:solidFill>
-                  <a:srgbClr val="000000"/>
-                </a:solidFill>
-                <a:latin typeface="Consolas" panose="020B0609020204030204" pitchFamily="49" charset="0"/>
-              </a:rPr>
-              <a:t>((</a:t>
-            </a:r>
-            <a:r>
-              <a:rPr lang="en-US" sz="1800" dirty="0" err="1">
-                <a:solidFill>
-                  <a:srgbClr val="001080"/>
-                </a:solidFill>
-                <a:latin typeface="Consolas" panose="020B0609020204030204" pitchFamily="49" charset="0"/>
-              </a:rPr>
-              <a:t>i</a:t>
-            </a:r>
-            <a:r>
-              <a:rPr lang="en-US" sz="1800" dirty="0">
-                <a:solidFill>
-                  <a:srgbClr val="000000"/>
-                </a:solidFill>
-                <a:latin typeface="Consolas" panose="020B0609020204030204" pitchFamily="49" charset="0"/>
-              </a:rPr>
-              <a:t>, </a:t>
-            </a:r>
-            <a:r>
-              <a:rPr lang="en-US" sz="1800" dirty="0">
-                <a:solidFill>
-                  <a:srgbClr val="0000FF"/>
-                </a:solidFill>
-                <a:latin typeface="Consolas" panose="020B0609020204030204" pitchFamily="49" charset="0"/>
-              </a:rPr>
-              <a:t>new</a:t>
-            </a:r>
-            <a:r>
-              <a:rPr lang="en-US" sz="1800" dirty="0">
-                <a:solidFill>
-                  <a:srgbClr val="000000"/>
-                </a:solidFill>
-                <a:latin typeface="Consolas" panose="020B0609020204030204" pitchFamily="49" charset="0"/>
-              </a:rPr>
-              <a:t>[] { </a:t>
-            </a:r>
-            <a:r>
-              <a:rPr lang="en-US" sz="1800" dirty="0" err="1">
-                <a:solidFill>
-                  <a:srgbClr val="001080"/>
-                </a:solidFill>
-                <a:latin typeface="Consolas" panose="020B0609020204030204" pitchFamily="49" charset="0"/>
-              </a:rPr>
-              <a:t>i</a:t>
-            </a:r>
-            <a:r>
-              <a:rPr lang="en-US" sz="1800" dirty="0">
-                <a:solidFill>
-                  <a:srgbClr val="000000"/>
-                </a:solidFill>
-                <a:latin typeface="Consolas" panose="020B0609020204030204" pitchFamily="49" charset="0"/>
-              </a:rPr>
-              <a:t>, </a:t>
-            </a:r>
-            <a:r>
-              <a:rPr lang="en-US" sz="1800" dirty="0" err="1">
-                <a:solidFill>
-                  <a:srgbClr val="001080"/>
-                </a:solidFill>
-                <a:latin typeface="Consolas" panose="020B0609020204030204" pitchFamily="49" charset="0"/>
-              </a:rPr>
-              <a:t>i</a:t>
-            </a:r>
-            <a:r>
-              <a:rPr lang="en-US" sz="1800" dirty="0">
-                <a:solidFill>
-                  <a:srgbClr val="000000"/>
-                </a:solidFill>
-                <a:latin typeface="Consolas" panose="020B0609020204030204" pitchFamily="49" charset="0"/>
-              </a:rPr>
-              <a:t> }, </a:t>
-            </a:r>
-            <a:r>
-              <a:rPr lang="en-US" sz="1800" dirty="0" err="1">
-                <a:solidFill>
-                  <a:srgbClr val="001080"/>
-                </a:solidFill>
-                <a:latin typeface="Consolas" panose="020B0609020204030204" pitchFamily="49" charset="0"/>
-              </a:rPr>
-              <a:t>i</a:t>
-            </a:r>
-            <a:r>
-              <a:rPr lang="en-US" sz="1800" dirty="0">
-                <a:solidFill>
-                  <a:srgbClr val="000000"/>
-                </a:solidFill>
-                <a:latin typeface="Consolas" panose="020B0609020204030204" pitchFamily="49" charset="0"/>
-              </a:rPr>
-              <a:t>));</a:t>
-            </a:r>
-          </a:p>
-          <a:p>
-            <a:pPr marL="0" indent="0">
-              <a:buNone/>
-            </a:pPr>
-            <a:r>
-              <a:rPr lang="en-US" sz="1800" dirty="0">
-                <a:solidFill>
-                  <a:srgbClr val="000000"/>
-                </a:solidFill>
-                <a:latin typeface="Consolas" panose="020B0609020204030204" pitchFamily="49" charset="0"/>
-              </a:rPr>
-              <a:t>}</a:t>
-            </a:r>
-          </a:p>
-          <a:p>
-            <a:pPr marL="0" indent="0">
-              <a:buNone/>
-            </a:pPr>
-            <a:br>
-              <a:rPr lang="en-US" sz="1800" dirty="0">
-                <a:solidFill>
-                  <a:srgbClr val="000000"/>
-                </a:solidFill>
-                <a:latin typeface="Consolas" panose="020B0609020204030204" pitchFamily="49" charset="0"/>
-              </a:rPr>
-            </a:br>
-            <a:r>
-              <a:rPr lang="en-US" sz="1800" dirty="0" err="1">
-                <a:solidFill>
-                  <a:srgbClr val="001080"/>
-                </a:solidFill>
-                <a:latin typeface="Consolas" panose="020B0609020204030204" pitchFamily="49" charset="0"/>
-              </a:rPr>
-              <a:t>Task</a:t>
-            </a:r>
-            <a:r>
-              <a:rPr lang="en-US" sz="1800" dirty="0" err="1">
-                <a:solidFill>
-                  <a:srgbClr val="000000"/>
-                </a:solidFill>
-                <a:latin typeface="Consolas" panose="020B0609020204030204" pitchFamily="49" charset="0"/>
-              </a:rPr>
-              <a:t>.</a:t>
-            </a:r>
-            <a:r>
-              <a:rPr lang="en-US" sz="1800" dirty="0" err="1">
-                <a:solidFill>
-                  <a:srgbClr val="795E26"/>
-                </a:solidFill>
-                <a:latin typeface="Consolas" panose="020B0609020204030204" pitchFamily="49" charset="0"/>
-              </a:rPr>
-              <a:t>WaitAll</a:t>
-            </a:r>
-            <a:r>
-              <a:rPr lang="en-US" sz="1800" dirty="0">
-                <a:solidFill>
-                  <a:srgbClr val="000000"/>
-                </a:solidFill>
-                <a:latin typeface="Consolas" panose="020B0609020204030204" pitchFamily="49" charset="0"/>
-              </a:rPr>
-              <a:t>(</a:t>
-            </a:r>
-            <a:r>
-              <a:rPr lang="en-US" sz="1800" dirty="0" err="1">
-                <a:solidFill>
-                  <a:srgbClr val="001080"/>
-                </a:solidFill>
-                <a:latin typeface="Consolas" panose="020B0609020204030204" pitchFamily="49" charset="0"/>
-              </a:rPr>
-              <a:t>lst</a:t>
-            </a:r>
-            <a:r>
-              <a:rPr lang="en-US" sz="1800" dirty="0">
-                <a:solidFill>
-                  <a:srgbClr val="000000"/>
-                </a:solidFill>
-                <a:latin typeface="Consolas" panose="020B0609020204030204" pitchFamily="49" charset="0"/>
-              </a:rPr>
-              <a:t>);</a:t>
-            </a:r>
-          </a:p>
-          <a:p>
-            <a:endParaRPr lang="ru-RU" dirty="0"/>
-          </a:p>
-        </p:txBody>
-      </p:sp>
-    </p:spTree>
-    <p:extLst>
-      <p:ext uri="{BB962C8B-B14F-4D97-AF65-F5344CB8AC3E}">
-        <p14:creationId xmlns:p14="http://schemas.microsoft.com/office/powerpoint/2010/main" val="3588281182"/>
       </p:ext>
     </p:extLst>
   </p:cSld>
@@ -12575,7 +12475,7 @@
             <a:pPr algn="l"/>
             <a:r>
               <a:rPr lang="ru-RU" dirty="0"/>
-              <a:t>Уменьшим размер пачки</a:t>
+              <a:t>А что мы тестируем?</a:t>
             </a:r>
           </a:p>
         </p:txBody>
@@ -12685,6 +12585,607 @@
                 </a:solidFill>
                 <a:latin typeface="Consolas" panose="020B0609020204030204" pitchFamily="49" charset="0"/>
               </a:rPr>
+              <a:t>1000000</a:t>
+            </a:r>
+            <a:r>
+              <a:rPr lang="en-US" sz="1800" dirty="0">
+                <a:solidFill>
+                  <a:srgbClr val="000000"/>
+                </a:solidFill>
+                <a:latin typeface="Consolas" panose="020B0609020204030204" pitchFamily="49" charset="0"/>
+              </a:rPr>
+              <a:t>];</a:t>
+            </a:r>
+          </a:p>
+          <a:p>
+            <a:pPr marL="0" indent="0">
+              <a:buNone/>
+            </a:pPr>
+            <a:r>
+              <a:rPr lang="en-US" sz="1800" dirty="0">
+                <a:solidFill>
+                  <a:srgbClr val="AF00DB"/>
+                </a:solidFill>
+                <a:latin typeface="Consolas" panose="020B0609020204030204" pitchFamily="49" charset="0"/>
+              </a:rPr>
+              <a:t>for</a:t>
+            </a:r>
+            <a:r>
+              <a:rPr lang="en-US" sz="1800" dirty="0">
+                <a:solidFill>
+                  <a:srgbClr val="000000"/>
+                </a:solidFill>
+                <a:latin typeface="Consolas" panose="020B0609020204030204" pitchFamily="49" charset="0"/>
+              </a:rPr>
+              <a:t> (</a:t>
+            </a:r>
+            <a:r>
+              <a:rPr lang="en-US" sz="1800" dirty="0">
+                <a:solidFill>
+                  <a:srgbClr val="0000FF"/>
+                </a:solidFill>
+                <a:latin typeface="Consolas" panose="020B0609020204030204" pitchFamily="49" charset="0"/>
+              </a:rPr>
+              <a:t>int</a:t>
+            </a:r>
+            <a:r>
+              <a:rPr lang="en-US" sz="1800" dirty="0">
+                <a:solidFill>
+                  <a:srgbClr val="000000"/>
+                </a:solidFill>
+                <a:latin typeface="Consolas" panose="020B0609020204030204" pitchFamily="49" charset="0"/>
+              </a:rPr>
+              <a:t> </a:t>
+            </a:r>
+            <a:r>
+              <a:rPr lang="en-US" sz="1800" dirty="0" err="1">
+                <a:solidFill>
+                  <a:srgbClr val="000000"/>
+                </a:solidFill>
+                <a:latin typeface="Consolas" panose="020B0609020204030204" pitchFamily="49" charset="0"/>
+              </a:rPr>
+              <a:t>i</a:t>
+            </a:r>
+            <a:r>
+              <a:rPr lang="en-US" sz="1800" dirty="0">
+                <a:solidFill>
+                  <a:srgbClr val="000000"/>
+                </a:solidFill>
+                <a:latin typeface="Consolas" panose="020B0609020204030204" pitchFamily="49" charset="0"/>
+              </a:rPr>
+              <a:t> = </a:t>
+            </a:r>
+            <a:r>
+              <a:rPr lang="en-US" sz="1800" dirty="0">
+                <a:solidFill>
+                  <a:srgbClr val="09885A"/>
+                </a:solidFill>
+                <a:latin typeface="Consolas" panose="020B0609020204030204" pitchFamily="49" charset="0"/>
+              </a:rPr>
+              <a:t>0</a:t>
+            </a:r>
+            <a:r>
+              <a:rPr lang="en-US" sz="1800" dirty="0">
+                <a:solidFill>
+                  <a:srgbClr val="000000"/>
+                </a:solidFill>
+                <a:latin typeface="Consolas" panose="020B0609020204030204" pitchFamily="49" charset="0"/>
+              </a:rPr>
+              <a:t>; </a:t>
+            </a:r>
+            <a:r>
+              <a:rPr lang="en-US" sz="1800" dirty="0" err="1">
+                <a:solidFill>
+                  <a:srgbClr val="001080"/>
+                </a:solidFill>
+                <a:latin typeface="Consolas" panose="020B0609020204030204" pitchFamily="49" charset="0"/>
+              </a:rPr>
+              <a:t>i</a:t>
+            </a:r>
+            <a:r>
+              <a:rPr lang="en-US" sz="1800" dirty="0">
+                <a:solidFill>
+                  <a:srgbClr val="000000"/>
+                </a:solidFill>
+                <a:latin typeface="Consolas" panose="020B0609020204030204" pitchFamily="49" charset="0"/>
+              </a:rPr>
+              <a:t> &lt; </a:t>
+            </a:r>
+            <a:r>
+              <a:rPr lang="en-US" sz="1800" dirty="0" err="1">
+                <a:solidFill>
+                  <a:srgbClr val="001080"/>
+                </a:solidFill>
+                <a:latin typeface="Consolas" panose="020B0609020204030204" pitchFamily="49" charset="0"/>
+              </a:rPr>
+              <a:t>lst</a:t>
+            </a:r>
+            <a:r>
+              <a:rPr lang="en-US" sz="1800" dirty="0" err="1">
+                <a:solidFill>
+                  <a:srgbClr val="000000"/>
+                </a:solidFill>
+                <a:latin typeface="Consolas" panose="020B0609020204030204" pitchFamily="49" charset="0"/>
+              </a:rPr>
+              <a:t>.</a:t>
+            </a:r>
+            <a:r>
+              <a:rPr lang="en-US" sz="1800" dirty="0" err="1">
+                <a:solidFill>
+                  <a:srgbClr val="001080"/>
+                </a:solidFill>
+                <a:latin typeface="Consolas" panose="020B0609020204030204" pitchFamily="49" charset="0"/>
+              </a:rPr>
+              <a:t>Length</a:t>
+            </a:r>
+            <a:r>
+              <a:rPr lang="en-US" sz="1800" dirty="0">
+                <a:solidFill>
+                  <a:srgbClr val="000000"/>
+                </a:solidFill>
+                <a:latin typeface="Consolas" panose="020B0609020204030204" pitchFamily="49" charset="0"/>
+              </a:rPr>
+              <a:t>; </a:t>
+            </a:r>
+            <a:r>
+              <a:rPr lang="en-US" sz="1800" dirty="0" err="1">
+                <a:solidFill>
+                  <a:srgbClr val="001080"/>
+                </a:solidFill>
+                <a:latin typeface="Consolas" panose="020B0609020204030204" pitchFamily="49" charset="0"/>
+              </a:rPr>
+              <a:t>i</a:t>
+            </a:r>
+            <a:r>
+              <a:rPr lang="en-US" sz="1800" dirty="0">
+                <a:solidFill>
+                  <a:srgbClr val="000000"/>
+                </a:solidFill>
+                <a:latin typeface="Consolas" panose="020B0609020204030204" pitchFamily="49" charset="0"/>
+              </a:rPr>
+              <a:t>++)</a:t>
+            </a:r>
+          </a:p>
+          <a:p>
+            <a:pPr marL="0" indent="0">
+              <a:buNone/>
+            </a:pPr>
+            <a:r>
+              <a:rPr lang="en-US" sz="1800" dirty="0">
+                <a:solidFill>
+                  <a:srgbClr val="000000"/>
+                </a:solidFill>
+                <a:latin typeface="Consolas" panose="020B0609020204030204" pitchFamily="49" charset="0"/>
+              </a:rPr>
+              <a:t>{</a:t>
+            </a:r>
+          </a:p>
+          <a:p>
+            <a:pPr marL="0" indent="0">
+              <a:buNone/>
+            </a:pPr>
+            <a:r>
+              <a:rPr lang="en-US" sz="1800" dirty="0">
+                <a:solidFill>
+                  <a:srgbClr val="001080"/>
+                </a:solidFill>
+                <a:latin typeface="Consolas" panose="020B0609020204030204" pitchFamily="49" charset="0"/>
+              </a:rPr>
+              <a:t>	</a:t>
+            </a:r>
+            <a:r>
+              <a:rPr lang="en-US" sz="1800" dirty="0" err="1">
+                <a:solidFill>
+                  <a:srgbClr val="001080"/>
+                </a:solidFill>
+                <a:latin typeface="Consolas" panose="020B0609020204030204" pitchFamily="49" charset="0"/>
+              </a:rPr>
+              <a:t>lst</a:t>
+            </a:r>
+            <a:r>
+              <a:rPr lang="en-US" sz="1800" dirty="0">
+                <a:solidFill>
+                  <a:srgbClr val="000000"/>
+                </a:solidFill>
+                <a:latin typeface="Consolas" panose="020B0609020204030204" pitchFamily="49" charset="0"/>
+              </a:rPr>
+              <a:t>[</a:t>
+            </a:r>
+            <a:r>
+              <a:rPr lang="en-US" sz="1800" dirty="0" err="1">
+                <a:solidFill>
+                  <a:srgbClr val="001080"/>
+                </a:solidFill>
+                <a:latin typeface="Consolas" panose="020B0609020204030204" pitchFamily="49" charset="0"/>
+              </a:rPr>
+              <a:t>i</a:t>
+            </a:r>
+            <a:r>
+              <a:rPr lang="en-US" sz="1800" dirty="0">
+                <a:solidFill>
+                  <a:srgbClr val="000000"/>
+                </a:solidFill>
+                <a:latin typeface="Consolas" panose="020B0609020204030204" pitchFamily="49" charset="0"/>
+              </a:rPr>
+              <a:t>] = </a:t>
+            </a:r>
+            <a:r>
+              <a:rPr lang="en-US" sz="1800" dirty="0" err="1">
+                <a:solidFill>
+                  <a:srgbClr val="001080"/>
+                </a:solidFill>
+                <a:latin typeface="Consolas" panose="020B0609020204030204" pitchFamily="49" charset="0"/>
+              </a:rPr>
+              <a:t>space</a:t>
+            </a:r>
+            <a:r>
+              <a:rPr lang="en-US" sz="1800" dirty="0" err="1">
+                <a:solidFill>
+                  <a:srgbClr val="000000"/>
+                </a:solidFill>
+                <a:latin typeface="Consolas" panose="020B0609020204030204" pitchFamily="49" charset="0"/>
+              </a:rPr>
+              <a:t>.</a:t>
+            </a:r>
+            <a:r>
+              <a:rPr lang="en-US" sz="1800" dirty="0" err="1">
+                <a:solidFill>
+                  <a:srgbClr val="795E26"/>
+                </a:solidFill>
+                <a:latin typeface="Consolas" panose="020B0609020204030204" pitchFamily="49" charset="0"/>
+              </a:rPr>
+              <a:t>Insert</a:t>
+            </a:r>
+            <a:r>
+              <a:rPr lang="en-US" sz="1800" dirty="0">
+                <a:solidFill>
+                  <a:srgbClr val="000000"/>
+                </a:solidFill>
+                <a:latin typeface="Consolas" panose="020B0609020204030204" pitchFamily="49" charset="0"/>
+              </a:rPr>
+              <a:t>((</a:t>
+            </a:r>
+            <a:r>
+              <a:rPr lang="en-US" sz="1800" dirty="0" err="1">
+                <a:solidFill>
+                  <a:srgbClr val="001080"/>
+                </a:solidFill>
+                <a:latin typeface="Consolas" panose="020B0609020204030204" pitchFamily="49" charset="0"/>
+              </a:rPr>
+              <a:t>i</a:t>
+            </a:r>
+            <a:r>
+              <a:rPr lang="en-US" sz="1800" dirty="0">
+                <a:solidFill>
+                  <a:srgbClr val="000000"/>
+                </a:solidFill>
+                <a:latin typeface="Consolas" panose="020B0609020204030204" pitchFamily="49" charset="0"/>
+              </a:rPr>
+              <a:t>, </a:t>
+            </a:r>
+            <a:r>
+              <a:rPr lang="en-US" sz="1800" dirty="0">
+                <a:solidFill>
+                  <a:srgbClr val="0000FF"/>
+                </a:solidFill>
+                <a:latin typeface="Consolas" panose="020B0609020204030204" pitchFamily="49" charset="0"/>
+              </a:rPr>
+              <a:t>new</a:t>
+            </a:r>
+            <a:r>
+              <a:rPr lang="en-US" sz="1800" dirty="0">
+                <a:solidFill>
+                  <a:srgbClr val="000000"/>
+                </a:solidFill>
+                <a:latin typeface="Consolas" panose="020B0609020204030204" pitchFamily="49" charset="0"/>
+              </a:rPr>
+              <a:t>[] { </a:t>
+            </a:r>
+            <a:r>
+              <a:rPr lang="en-US" sz="1800" dirty="0" err="1">
+                <a:solidFill>
+                  <a:srgbClr val="001080"/>
+                </a:solidFill>
+                <a:latin typeface="Consolas" panose="020B0609020204030204" pitchFamily="49" charset="0"/>
+              </a:rPr>
+              <a:t>i</a:t>
+            </a:r>
+            <a:r>
+              <a:rPr lang="en-US" sz="1800" dirty="0">
+                <a:solidFill>
+                  <a:srgbClr val="000000"/>
+                </a:solidFill>
+                <a:latin typeface="Consolas" panose="020B0609020204030204" pitchFamily="49" charset="0"/>
+              </a:rPr>
+              <a:t>, </a:t>
+            </a:r>
+            <a:r>
+              <a:rPr lang="en-US" sz="1800" dirty="0" err="1">
+                <a:solidFill>
+                  <a:srgbClr val="001080"/>
+                </a:solidFill>
+                <a:latin typeface="Consolas" panose="020B0609020204030204" pitchFamily="49" charset="0"/>
+              </a:rPr>
+              <a:t>i</a:t>
+            </a:r>
+            <a:r>
+              <a:rPr lang="en-US" sz="1800" dirty="0">
+                <a:solidFill>
+                  <a:srgbClr val="000000"/>
+                </a:solidFill>
+                <a:latin typeface="Consolas" panose="020B0609020204030204" pitchFamily="49" charset="0"/>
+              </a:rPr>
+              <a:t> }, </a:t>
+            </a:r>
+            <a:r>
+              <a:rPr lang="en-US" sz="1800" dirty="0" err="1">
+                <a:solidFill>
+                  <a:srgbClr val="001080"/>
+                </a:solidFill>
+                <a:latin typeface="Consolas" panose="020B0609020204030204" pitchFamily="49" charset="0"/>
+              </a:rPr>
+              <a:t>i</a:t>
+            </a:r>
+            <a:r>
+              <a:rPr lang="en-US" sz="1800" dirty="0">
+                <a:solidFill>
+                  <a:srgbClr val="000000"/>
+                </a:solidFill>
+                <a:latin typeface="Consolas" panose="020B0609020204030204" pitchFamily="49" charset="0"/>
+              </a:rPr>
+              <a:t>));</a:t>
+            </a:r>
+          </a:p>
+          <a:p>
+            <a:pPr marL="0" indent="0">
+              <a:buNone/>
+            </a:pPr>
+            <a:r>
+              <a:rPr lang="en-US" sz="1800" dirty="0">
+                <a:solidFill>
+                  <a:srgbClr val="000000"/>
+                </a:solidFill>
+                <a:latin typeface="Consolas" panose="020B0609020204030204" pitchFamily="49" charset="0"/>
+              </a:rPr>
+              <a:t>}</a:t>
+            </a:r>
+          </a:p>
+          <a:p>
+            <a:pPr marL="0" indent="0">
+              <a:buNone/>
+            </a:pPr>
+            <a:br>
+              <a:rPr lang="en-US" sz="1800" dirty="0">
+                <a:solidFill>
+                  <a:srgbClr val="000000"/>
+                </a:solidFill>
+                <a:latin typeface="Consolas" panose="020B0609020204030204" pitchFamily="49" charset="0"/>
+              </a:rPr>
+            </a:br>
+            <a:r>
+              <a:rPr lang="en-US" sz="1800" dirty="0" err="1">
+                <a:solidFill>
+                  <a:srgbClr val="001080"/>
+                </a:solidFill>
+                <a:latin typeface="Consolas" panose="020B0609020204030204" pitchFamily="49" charset="0"/>
+              </a:rPr>
+              <a:t>Task</a:t>
+            </a:r>
+            <a:r>
+              <a:rPr lang="en-US" sz="1800" dirty="0" err="1">
+                <a:solidFill>
+                  <a:srgbClr val="000000"/>
+                </a:solidFill>
+                <a:latin typeface="Consolas" panose="020B0609020204030204" pitchFamily="49" charset="0"/>
+              </a:rPr>
+              <a:t>.</a:t>
+            </a:r>
+            <a:r>
+              <a:rPr lang="en-US" sz="1800" dirty="0" err="1">
+                <a:solidFill>
+                  <a:srgbClr val="795E26"/>
+                </a:solidFill>
+                <a:latin typeface="Consolas" panose="020B0609020204030204" pitchFamily="49" charset="0"/>
+              </a:rPr>
+              <a:t>WaitAll</a:t>
+            </a:r>
+            <a:r>
+              <a:rPr lang="en-US" sz="1800" dirty="0">
+                <a:solidFill>
+                  <a:srgbClr val="000000"/>
+                </a:solidFill>
+                <a:latin typeface="Consolas" panose="020B0609020204030204" pitchFamily="49" charset="0"/>
+              </a:rPr>
+              <a:t>(</a:t>
+            </a:r>
+            <a:r>
+              <a:rPr lang="en-US" sz="1800" dirty="0" err="1">
+                <a:solidFill>
+                  <a:srgbClr val="001080"/>
+                </a:solidFill>
+                <a:latin typeface="Consolas" panose="020B0609020204030204" pitchFamily="49" charset="0"/>
+              </a:rPr>
+              <a:t>lst</a:t>
+            </a:r>
+            <a:r>
+              <a:rPr lang="en-US" sz="1800" dirty="0">
+                <a:solidFill>
+                  <a:srgbClr val="000000"/>
+                </a:solidFill>
+                <a:latin typeface="Consolas" panose="020B0609020204030204" pitchFamily="49" charset="0"/>
+              </a:rPr>
+              <a:t>);</a:t>
+            </a:r>
+          </a:p>
+          <a:p>
+            <a:endParaRPr lang="ru-RU" dirty="0"/>
+          </a:p>
+        </p:txBody>
+      </p:sp>
+    </p:spTree>
+    <p:extLst>
+      <p:ext uri="{BB962C8B-B14F-4D97-AF65-F5344CB8AC3E}">
+        <p14:creationId xmlns:p14="http://schemas.microsoft.com/office/powerpoint/2010/main" val="3588281182"/>
+      </p:ext>
+    </p:extLst>
+  </p:cSld>
+  <p:clrMapOvr>
+    <a:masterClrMapping/>
+  </p:clrMapOvr>
+</p:sld>
+</file>
+
+<file path=ppt/slides/slide28.xml><?xml version="1.0" encoding="utf-8"?>
+<p:sld xmlns:a="http://schemas.openxmlformats.org/drawingml/2006/main" xmlns:r="http://schemas.openxmlformats.org/officeDocument/2006/relationships" xmlns:p="http://schemas.openxmlformats.org/presentationml/2006/main">
+  <p:cSld>
+    <p:spTree>
+      <p:nvGrpSpPr>
+        <p:cNvPr id="1" name=""/>
+        <p:cNvGrpSpPr/>
+        <p:nvPr/>
+      </p:nvGrpSpPr>
+      <p:grpSpPr>
+        <a:xfrm>
+          <a:off x="0" y="0"/>
+          <a:ext cx="0" cy="0"/>
+          <a:chOff x="0" y="0"/>
+          <a:chExt cx="0" cy="0"/>
+        </a:xfrm>
+      </p:grpSpPr>
+      <p:sp>
+        <p:nvSpPr>
+          <p:cNvPr id="5" name="Title 4">
+            <a:extLst>
+              <a:ext uri="{FF2B5EF4-FFF2-40B4-BE49-F238E27FC236}">
+                <a16:creationId xmlns:a16="http://schemas.microsoft.com/office/drawing/2014/main" id="{DD4655AB-1BCA-4810-8EB1-F1B966CFDBE3}"/>
+              </a:ext>
+            </a:extLst>
+          </p:cNvPr>
+          <p:cNvSpPr>
+            <a:spLocks noGrp="1"/>
+          </p:cNvSpPr>
+          <p:nvPr>
+            <p:ph type="title"/>
+          </p:nvPr>
+        </p:nvSpPr>
+        <p:spPr/>
+        <p:txBody>
+          <a:bodyPr/>
+          <a:lstStyle/>
+          <a:p>
+            <a:pPr algn="l"/>
+            <a:r>
+              <a:rPr lang="ru-RU" dirty="0"/>
+              <a:t>Уменьшим размер пачки</a:t>
+            </a:r>
+          </a:p>
+        </p:txBody>
+      </p:sp>
+      <p:sp>
+        <p:nvSpPr>
+          <p:cNvPr id="7" name="Content Placeholder 6">
+            <a:extLst>
+              <a:ext uri="{FF2B5EF4-FFF2-40B4-BE49-F238E27FC236}">
+                <a16:creationId xmlns:a16="http://schemas.microsoft.com/office/drawing/2014/main" id="{D6F24F77-7CB1-4760-BD14-B6B253194F4A}"/>
+              </a:ext>
+            </a:extLst>
+          </p:cNvPr>
+          <p:cNvSpPr>
+            <a:spLocks noGrp="1"/>
+          </p:cNvSpPr>
+          <p:nvPr>
+            <p:ph idx="1"/>
+          </p:nvPr>
+        </p:nvSpPr>
+        <p:spPr/>
+        <p:txBody>
+          <a:bodyPr>
+            <a:normAutofit/>
+          </a:bodyPr>
+          <a:lstStyle/>
+          <a:p>
+            <a:pPr marL="0" indent="0">
+              <a:buNone/>
+            </a:pPr>
+            <a:r>
+              <a:rPr lang="en-US" sz="1800" dirty="0">
+                <a:solidFill>
+                  <a:srgbClr val="0000FF"/>
+                </a:solidFill>
+                <a:latin typeface="Consolas" panose="020B0609020204030204" pitchFamily="49" charset="0"/>
+              </a:rPr>
+              <a:t>var</a:t>
+            </a:r>
+            <a:r>
+              <a:rPr lang="en-US" sz="1800" dirty="0">
+                <a:solidFill>
+                  <a:srgbClr val="000000"/>
+                </a:solidFill>
+                <a:latin typeface="Consolas" panose="020B0609020204030204" pitchFamily="49" charset="0"/>
+              </a:rPr>
+              <a:t> </a:t>
+            </a:r>
+            <a:r>
+              <a:rPr lang="en-US" sz="1800" dirty="0" err="1">
+                <a:solidFill>
+                  <a:srgbClr val="000000"/>
+                </a:solidFill>
+                <a:latin typeface="Consolas" panose="020B0609020204030204" pitchFamily="49" charset="0"/>
+              </a:rPr>
+              <a:t>lst</a:t>
+            </a:r>
+            <a:r>
+              <a:rPr lang="en-US" sz="1800" dirty="0">
+                <a:solidFill>
+                  <a:srgbClr val="000000"/>
+                </a:solidFill>
+                <a:latin typeface="Consolas" panose="020B0609020204030204" pitchFamily="49" charset="0"/>
+              </a:rPr>
+              <a:t> = </a:t>
+            </a:r>
+            <a:r>
+              <a:rPr lang="en-US" sz="1800" dirty="0">
+                <a:solidFill>
+                  <a:srgbClr val="0000FF"/>
+                </a:solidFill>
+                <a:latin typeface="Consolas" panose="020B0609020204030204" pitchFamily="49" charset="0"/>
+              </a:rPr>
+              <a:t>new</a:t>
+            </a:r>
+            <a:r>
+              <a:rPr lang="en-US" sz="1800" dirty="0">
+                <a:solidFill>
+                  <a:srgbClr val="000000"/>
+                </a:solidFill>
+                <a:latin typeface="Consolas" panose="020B0609020204030204" pitchFamily="49" charset="0"/>
+              </a:rPr>
+              <a:t> </a:t>
+            </a:r>
+            <a:r>
+              <a:rPr lang="en-US" sz="1800" dirty="0">
+                <a:solidFill>
+                  <a:srgbClr val="267F99"/>
+                </a:solidFill>
+                <a:latin typeface="Consolas" panose="020B0609020204030204" pitchFamily="49" charset="0"/>
+              </a:rPr>
+              <a:t>Task</a:t>
+            </a:r>
+            <a:r>
+              <a:rPr lang="en-US" sz="1800" dirty="0">
+                <a:solidFill>
+                  <a:srgbClr val="000000"/>
+                </a:solidFill>
+                <a:latin typeface="Consolas" panose="020B0609020204030204" pitchFamily="49" charset="0"/>
+              </a:rPr>
+              <a:t>[</a:t>
+            </a:r>
+            <a:r>
+              <a:rPr lang="en-US" sz="1800" dirty="0">
+                <a:solidFill>
+                  <a:srgbClr val="09885A"/>
+                </a:solidFill>
+                <a:latin typeface="Consolas" panose="020B0609020204030204" pitchFamily="49" charset="0"/>
+              </a:rPr>
               <a:t>1000</a:t>
             </a:r>
             <a:r>
@@ -13284,7 +13785,7 @@
 </p:sld>
 </file>
 
-<file path=ppt/slides/slide28.xml><?xml version="1.0" encoding="utf-8"?>
+<file path=ppt/slides/slide29.xml><?xml version="1.0" encoding="utf-8"?>
 <p:sld xmlns:a="http://schemas.openxmlformats.org/drawingml/2006/main" xmlns:r="http://schemas.openxmlformats.org/officeDocument/2006/relationships" xmlns:p="http://schemas.openxmlformats.org/presentationml/2006/main">
   <p:cSld>
     <p:spTree>
@@ -13401,7 +13902,119 @@
 </p:sld>
 </file>
 
-<file path=ppt/slides/slide29.xml><?xml version="1.0" encoding="utf-8"?>
+<file path=ppt/slides/slide3.xml><?xml version="1.0" encoding="utf-8"?>
+<p:sld xmlns:a="http://schemas.openxmlformats.org/drawingml/2006/main" xmlns:r="http://schemas.openxmlformats.org/officeDocument/2006/relationships" xmlns:p="http://schemas.openxmlformats.org/presentationml/2006/main">
+  <p:cSld>
+    <p:spTree>
+      <p:nvGrpSpPr>
+        <p:cNvPr id="1" name=""/>
+        <p:cNvGrpSpPr/>
+        <p:nvPr/>
+      </p:nvGrpSpPr>
+      <p:grpSpPr>
+        <a:xfrm>
+          <a:off x="0" y="0"/>
+          <a:ext cx="0" cy="0"/>
+          <a:chOff x="0" y="0"/>
+          <a:chExt cx="0" cy="0"/>
+        </a:xfrm>
+      </p:grpSpPr>
+      <p:sp>
+        <p:nvSpPr>
+          <p:cNvPr id="2" name="Название 1"/>
+          <p:cNvSpPr>
+            <a:spLocks noGrp="1"/>
+          </p:cNvSpPr>
+          <p:nvPr>
+            <p:ph type="title"/>
+          </p:nvPr>
+        </p:nvSpPr>
+        <p:spPr/>
+        <p:txBody>
+          <a:bodyPr/>
+          <a:lstStyle/>
+          <a:p>
+            <a:pPr algn="l"/>
+            <a:r>
+              <a:rPr lang="ru-RU" dirty="0"/>
+              <a:t>Обо мне</a:t>
+            </a:r>
+          </a:p>
+        </p:txBody>
+      </p:sp>
+      <p:sp>
+        <p:nvSpPr>
+          <p:cNvPr id="3" name="Содержимое 2"/>
+          <p:cNvSpPr>
+            <a:spLocks noGrp="1"/>
+          </p:cNvSpPr>
+          <p:nvPr>
+            <p:ph idx="1"/>
+          </p:nvPr>
+        </p:nvSpPr>
+        <p:spPr/>
+        <p:txBody>
+          <a:bodyPr>
+            <a:normAutofit/>
+          </a:bodyPr>
+          <a:lstStyle/>
+          <a:p>
+            <a:r>
+              <a:rPr lang="ru-RU" sz="2800" dirty="0"/>
+              <a:t>Работаю с </a:t>
+            </a:r>
+            <a:r>
+              <a:rPr lang="en-US" sz="2800" dirty="0" err="1"/>
+              <a:t>.net</a:t>
+            </a:r>
+            <a:r>
+              <a:rPr lang="en-US" sz="2800" dirty="0"/>
+              <a:t> </a:t>
+            </a:r>
+            <a:r>
+              <a:rPr lang="ru-RU" sz="2800" dirty="0"/>
+              <a:t>с 2006 года</a:t>
+            </a:r>
+          </a:p>
+          <a:p>
+            <a:endParaRPr lang="ru-RU" sz="2800" dirty="0"/>
+          </a:p>
+          <a:p>
+            <a:r>
+              <a:rPr lang="ru-RU" sz="2800" dirty="0"/>
+              <a:t>Активно в </a:t>
+            </a:r>
+            <a:r>
+              <a:rPr lang="en-US" sz="2800" dirty="0"/>
+              <a:t>OSS </a:t>
+            </a:r>
+            <a:r>
+              <a:rPr lang="ru-RU" sz="2800" dirty="0"/>
+              <a:t>с 2016 года</a:t>
+            </a:r>
+          </a:p>
+          <a:p>
+            <a:endParaRPr lang="ru-RU" sz="2800" dirty="0"/>
+          </a:p>
+          <a:p>
+            <a:endParaRPr lang="ru-RU" sz="2800" dirty="0"/>
+          </a:p>
+        </p:txBody>
+      </p:sp>
+    </p:spTree>
+    <p:extLst>
+      <p:ext uri="{BB962C8B-B14F-4D97-AF65-F5344CB8AC3E}">
+        <p14:creationId xmlns:p14="http://schemas.microsoft.com/office/powerpoint/2010/main" val="54785988"/>
+      </p:ext>
+    </p:extLst>
+  </p:cSld>
+  <p:clrMapOvr>
+    <a:masterClrMapping/>
+  </p:clrMapOvr>
+</p:sld>
+</file>
+
+<file path=ppt/slides/slide30.xml><?xml version="1.0" encoding="utf-8"?>
 <p:sld xmlns:a="http://schemas.openxmlformats.org/drawingml/2006/main" xmlns:r="http://schemas.openxmlformats.org/officeDocument/2006/relationships" xmlns:p="http://schemas.openxmlformats.org/presentationml/2006/main">
   <p:cSld>
     <p:spTree>
@@ -13510,119 +14123,7 @@
 </p:sld>
 </file>
 
-<file path=ppt/slides/slide3.xml><?xml version="1.0" encoding="utf-8"?>
-<p:sld xmlns:a="http://schemas.openxmlformats.org/drawingml/2006/main" xmlns:r="http://schemas.openxmlformats.org/officeDocument/2006/relationships" xmlns:p="http://schemas.openxmlformats.org/presentationml/2006/main">
-  <p:cSld>
-    <p:spTree>
-      <p:nvGrpSpPr>
-        <p:cNvPr id="1" name=""/>
-        <p:cNvGrpSpPr/>
-        <p:nvPr/>
-      </p:nvGrpSpPr>
-      <p:grpSpPr>
-        <a:xfrm>
-          <a:off x="0" y="0"/>
-          <a:ext cx="0" cy="0"/>
-          <a:chOff x="0" y="0"/>
-          <a:chExt cx="0" cy="0"/>
-        </a:xfrm>
-      </p:grpSpPr>
-      <p:sp>
-        <p:nvSpPr>
-          <p:cNvPr id="2" name="Название 1"/>
-          <p:cNvSpPr>
-            <a:spLocks noGrp="1"/>
-          </p:cNvSpPr>
-          <p:nvPr>
-            <p:ph type="title"/>
-          </p:nvPr>
-        </p:nvSpPr>
-        <p:spPr/>
-        <p:txBody>
-          <a:bodyPr/>
-          <a:lstStyle/>
-          <a:p>
-            <a:pPr algn="l"/>
-            <a:r>
-              <a:rPr lang="ru-RU" dirty="0"/>
-              <a:t>Обо мне</a:t>
-            </a:r>
-          </a:p>
-        </p:txBody>
-      </p:sp>
-      <p:sp>
-        <p:nvSpPr>
-          <p:cNvPr id="3" name="Содержимое 2"/>
-          <p:cNvSpPr>
-            <a:spLocks noGrp="1"/>
-          </p:cNvSpPr>
-          <p:nvPr>
-            <p:ph idx="1"/>
-          </p:nvPr>
-        </p:nvSpPr>
-        <p:spPr/>
-        <p:txBody>
-          <a:bodyPr>
-            <a:normAutofit/>
-          </a:bodyPr>
-          <a:lstStyle/>
-          <a:p>
-            <a:r>
-              <a:rPr lang="ru-RU" sz="2800" dirty="0"/>
-              <a:t>Работаю с </a:t>
-            </a:r>
-            <a:r>
-              <a:rPr lang="en-US" sz="2800" dirty="0" err="1"/>
-              <a:t>.net</a:t>
-            </a:r>
-            <a:r>
-              <a:rPr lang="en-US" sz="2800" dirty="0"/>
-              <a:t> </a:t>
-            </a:r>
-            <a:r>
-              <a:rPr lang="ru-RU" sz="2800" dirty="0"/>
-              <a:t>с 2006 года</a:t>
-            </a:r>
-          </a:p>
-          <a:p>
-            <a:endParaRPr lang="ru-RU" sz="2800" dirty="0"/>
-          </a:p>
-          <a:p>
-            <a:r>
-              <a:rPr lang="ru-RU" sz="2800" dirty="0"/>
-              <a:t>Активно в </a:t>
-            </a:r>
-            <a:r>
-              <a:rPr lang="en-US" sz="2800" dirty="0"/>
-              <a:t>OSS </a:t>
-            </a:r>
-            <a:r>
-              <a:rPr lang="ru-RU" sz="2800" dirty="0"/>
-              <a:t>с 2016 года</a:t>
-            </a:r>
-          </a:p>
-          <a:p>
-            <a:endParaRPr lang="ru-RU" sz="2800" dirty="0"/>
-          </a:p>
-          <a:p>
-            <a:endParaRPr lang="ru-RU" sz="2800" dirty="0"/>
-          </a:p>
-        </p:txBody>
-      </p:sp>
-    </p:spTree>
-    <p:extLst>
-      <p:ext uri="{BB962C8B-B14F-4D97-AF65-F5344CB8AC3E}">
-        <p14:creationId xmlns:p14="http://schemas.microsoft.com/office/powerpoint/2010/main" val="54785988"/>
-      </p:ext>
-    </p:extLst>
-  </p:cSld>
-  <p:clrMapOvr>
-    <a:masterClrMapping/>
-  </p:clrMapOvr>
-</p:sld>
-</file>
-
-<file path=ppt/slides/slide30.xml><?xml version="1.0" encoding="utf-8"?>
+<file path=ppt/slides/slide31.xml><?xml version="1.0" encoding="utf-8"?>
 <p:sld xmlns:a="http://schemas.openxmlformats.org/drawingml/2006/main" xmlns:r="http://schemas.openxmlformats.org/officeDocument/2006/relationships" xmlns:p="http://schemas.openxmlformats.org/presentationml/2006/main">
   <p:cSld>
     <p:spTree>
@@ -13725,7 +14226,7 @@
 </p:sld>
 </file>
 
-<file path=ppt/slides/slide31.xml><?xml version="1.0" encoding="utf-8"?>
+<file path=ppt/slides/slide32.xml><?xml version="1.0" encoding="utf-8"?>
 <p:sld xmlns:a="http://schemas.openxmlformats.org/drawingml/2006/main" xmlns:r="http://schemas.openxmlformats.org/officeDocument/2006/relationships" xmlns:p="http://schemas.openxmlformats.org/presentationml/2006/main">
   <p:cSld>
     <p:spTree>
@@ -13843,7 +14344,7 @@
 </p:sld>
 </file>
 
-<file path=ppt/slides/slide32.xml><?xml version="1.0" encoding="utf-8"?>
+<file path=ppt/slides/slide33.xml><?xml version="1.0" encoding="utf-8"?>
 <p:sld xmlns:a="http://schemas.openxmlformats.org/drawingml/2006/main" xmlns:r="http://schemas.openxmlformats.org/officeDocument/2006/relationships" xmlns:p="http://schemas.openxmlformats.org/presentationml/2006/main">
   <p:cSld>
     <p:spTree>
@@ -13961,130 +14462,6 @@
 </p:sld>
 </file>
 
-<file path=ppt/slides/slide33.xml><?xml version="1.0" encoding="utf-8"?>
-<p:sld xmlns:a="http://schemas.openxmlformats.org/drawingml/2006/main" xmlns:r="http://schemas.openxmlformats.org/officeDocument/2006/relationships" xmlns:p="http://schemas.openxmlformats.org/presentationml/2006/main">
-  <p:cSld>
-    <p:spTree>
-      <p:nvGrpSpPr>
-        <p:cNvPr id="1" name=""/>
-        <p:cNvGrpSpPr/>
-        <p:nvPr/>
-      </p:nvGrpSpPr>
-      <p:grpSpPr>
-        <a:xfrm>
-          <a:off x="0" y="0"/>
-          <a:ext cx="0" cy="0"/>
-          <a:chOff x="0" y="0"/>
-          <a:chExt cx="0" cy="0"/>
-        </a:xfrm>
-      </p:grpSpPr>
-      <p:sp>
-        <p:nvSpPr>
-          <p:cNvPr id="5" name="Title 4">
-            <a:extLst>
-              <a:ext uri="{FF2B5EF4-FFF2-40B4-BE49-F238E27FC236}">
-                <a16:creationId xmlns:a16="http://schemas.microsoft.com/office/drawing/2014/main" id="{DD4655AB-1BCA-4810-8EB1-F1B966CFDBE3}"/>
-              </a:ext>
-            </a:extLst>
-          </p:cNvPr>
-          <p:cNvSpPr>
-            <a:spLocks noGrp="1"/>
-          </p:cNvSpPr>
-          <p:nvPr>
-            <p:ph type="title"/>
-          </p:nvPr>
-        </p:nvSpPr>
-        <p:spPr/>
-        <p:txBody>
-          <a:bodyPr/>
-          <a:lstStyle/>
-          <a:p>
-            <a:pPr algn="l"/>
-            <a:r>
-              <a:rPr lang="ru-RU" dirty="0"/>
-              <a:t>Результаты</a:t>
-            </a:r>
-          </a:p>
-        </p:txBody>
-      </p:sp>
-      <p:sp>
-        <p:nvSpPr>
-          <p:cNvPr id="7" name="Content Placeholder 6">
-            <a:extLst>
-              <a:ext uri="{FF2B5EF4-FFF2-40B4-BE49-F238E27FC236}">
-                <a16:creationId xmlns:a16="http://schemas.microsoft.com/office/drawing/2014/main" id="{D6F24F77-7CB1-4760-BD14-B6B253194F4A}"/>
-              </a:ext>
-            </a:extLst>
-          </p:cNvPr>
-          <p:cNvSpPr>
-            <a:spLocks noGrp="1"/>
-          </p:cNvSpPr>
-          <p:nvPr>
-            <p:ph idx="1"/>
-          </p:nvPr>
-        </p:nvSpPr>
-        <p:spPr/>
-        <p:txBody>
-          <a:bodyPr/>
-          <a:lstStyle/>
-          <a:p>
-            <a:r>
-              <a:rPr lang="en-US" dirty="0"/>
-              <a:t>Renting buffer as needed – </a:t>
-            </a:r>
-            <a:r>
-              <a:rPr lang="ru-RU" dirty="0"/>
-              <a:t>не готово</a:t>
-            </a:r>
-            <a:endParaRPr lang="en-US" dirty="0"/>
-          </a:p>
-          <a:p>
-            <a:endParaRPr lang="en-US" dirty="0"/>
-          </a:p>
-          <a:p>
-            <a:r>
-              <a:rPr lang="en-US" dirty="0"/>
-              <a:t>60k RPS, 16 sec</a:t>
-            </a:r>
-          </a:p>
-          <a:p>
-            <a:endParaRPr lang="en-US" dirty="0"/>
-          </a:p>
-          <a:p>
-            <a:r>
-              <a:rPr lang="ru-RU" dirty="0"/>
-              <a:t>Если вставлять сразу 1М, то 18 </a:t>
-            </a:r>
-            <a:r>
-              <a:rPr lang="en-US" dirty="0"/>
-              <a:t>sec, 55K RPS</a:t>
-            </a:r>
-            <a:endParaRPr lang="ru-RU" dirty="0"/>
-          </a:p>
-          <a:p>
-            <a:endParaRPr lang="ru-RU" dirty="0"/>
-          </a:p>
-          <a:p>
-            <a:endParaRPr lang="ru-RU" dirty="0"/>
-          </a:p>
-          <a:p>
-            <a:endParaRPr lang="ru-RU" dirty="0"/>
-          </a:p>
-        </p:txBody>
-      </p:sp>
-    </p:spTree>
-    <p:extLst>
-      <p:ext uri="{BB962C8B-B14F-4D97-AF65-F5344CB8AC3E}">
-        <p14:creationId xmlns:p14="http://schemas.microsoft.com/office/powerpoint/2010/main" val="2621023239"/>
-      </p:ext>
-    </p:extLst>
-  </p:cSld>
-  <p:clrMapOvr>
-    <a:masterClrMapping/>
-  </p:clrMapOvr>
-</p:sld>
-</file>
-
 <file path=ppt/slides/slide34.xml><?xml version="1.0" encoding="utf-8"?>
 <p:sld xmlns:a="http://schemas.openxmlformats.org/drawingml/2006/main" xmlns:r="http://schemas.openxmlformats.org/officeDocument/2006/relationships" xmlns:p="http://schemas.openxmlformats.org/presentationml/2006/main">
   <p:cSld>
@@ -14126,7 +14503,7 @@
             <a:pPr algn="l"/>
             <a:r>
               <a:rPr lang="ru-RU" dirty="0"/>
-              <a:t>Выводы</a:t>
+              <a:t>Результаты</a:t>
             </a:r>
           </a:p>
         </p:txBody>
@@ -14153,6 +14530,130 @@
           <a:lstStyle/>
           <a:p>
             <a:r>
+              <a:rPr lang="en-US" dirty="0"/>
+              <a:t>Renting buffer as needed – </a:t>
+            </a:r>
+            <a:r>
+              <a:rPr lang="ru-RU" dirty="0"/>
+              <a:t>не готово</a:t>
+            </a:r>
+            <a:endParaRPr lang="en-US" dirty="0"/>
+          </a:p>
+          <a:p>
+            <a:endParaRPr lang="en-US" dirty="0"/>
+          </a:p>
+          <a:p>
+            <a:r>
+              <a:rPr lang="en-US" dirty="0"/>
+              <a:t>60k RPS, 16 sec</a:t>
+            </a:r>
+          </a:p>
+          <a:p>
+            <a:endParaRPr lang="en-US" dirty="0"/>
+          </a:p>
+          <a:p>
+            <a:r>
+              <a:rPr lang="ru-RU" dirty="0"/>
+              <a:t>Если вставлять сразу 1М, то 18 </a:t>
+            </a:r>
+            <a:r>
+              <a:rPr lang="en-US" dirty="0"/>
+              <a:t>sec, 55K RPS</a:t>
+            </a:r>
+            <a:endParaRPr lang="ru-RU" dirty="0"/>
+          </a:p>
+          <a:p>
+            <a:endParaRPr lang="ru-RU" dirty="0"/>
+          </a:p>
+          <a:p>
+            <a:endParaRPr lang="ru-RU" dirty="0"/>
+          </a:p>
+          <a:p>
+            <a:endParaRPr lang="ru-RU" dirty="0"/>
+          </a:p>
+        </p:txBody>
+      </p:sp>
+    </p:spTree>
+    <p:extLst>
+      <p:ext uri="{BB962C8B-B14F-4D97-AF65-F5344CB8AC3E}">
+        <p14:creationId xmlns:p14="http://schemas.microsoft.com/office/powerpoint/2010/main" val="2621023239"/>
+      </p:ext>
+    </p:extLst>
+  </p:cSld>
+  <p:clrMapOvr>
+    <a:masterClrMapping/>
+  </p:clrMapOvr>
+</p:sld>
+</file>
+
+<file path=ppt/slides/slide35.xml><?xml version="1.0" encoding="utf-8"?>
+<p:sld xmlns:a="http://schemas.openxmlformats.org/drawingml/2006/main" xmlns:r="http://schemas.openxmlformats.org/officeDocument/2006/relationships" xmlns:p="http://schemas.openxmlformats.org/presentationml/2006/main">
+  <p:cSld>
+    <p:spTree>
+      <p:nvGrpSpPr>
+        <p:cNvPr id="1" name=""/>
+        <p:cNvGrpSpPr/>
+        <p:nvPr/>
+      </p:nvGrpSpPr>
+      <p:grpSpPr>
+        <a:xfrm>
+          <a:off x="0" y="0"/>
+          <a:ext cx="0" cy="0"/>
+          <a:chOff x="0" y="0"/>
+          <a:chExt cx="0" cy="0"/>
+        </a:xfrm>
+      </p:grpSpPr>
+      <p:sp>
+        <p:nvSpPr>
+          <p:cNvPr id="5" name="Title 4">
+            <a:extLst>
+              <a:ext uri="{FF2B5EF4-FFF2-40B4-BE49-F238E27FC236}">
+                <a16:creationId xmlns:a16="http://schemas.microsoft.com/office/drawing/2014/main" id="{DD4655AB-1BCA-4810-8EB1-F1B966CFDBE3}"/>
+              </a:ext>
+            </a:extLst>
+          </p:cNvPr>
+          <p:cNvSpPr>
+            <a:spLocks noGrp="1"/>
+          </p:cNvSpPr>
+          <p:nvPr>
+            <p:ph type="title"/>
+          </p:nvPr>
+        </p:nvSpPr>
+        <p:spPr/>
+        <p:txBody>
+          <a:bodyPr/>
+          <a:lstStyle/>
+          <a:p>
+            <a:pPr algn="l"/>
+            <a:r>
+              <a:rPr lang="ru-RU" dirty="0"/>
+              <a:t>Выводы</a:t>
+            </a:r>
+          </a:p>
+        </p:txBody>
+      </p:sp>
+      <p:sp>
+        <p:nvSpPr>
+          <p:cNvPr id="7" name="Content Placeholder 6">
+            <a:extLst>
+              <a:ext uri="{FF2B5EF4-FFF2-40B4-BE49-F238E27FC236}">
+                <a16:creationId xmlns:a16="http://schemas.microsoft.com/office/drawing/2014/main" id="{D6F24F77-7CB1-4760-BD14-B6B253194F4A}"/>
+              </a:ext>
+            </a:extLst>
+          </p:cNvPr>
+          <p:cNvSpPr>
+            <a:spLocks noGrp="1"/>
+          </p:cNvSpPr>
+          <p:nvPr>
+            <p:ph idx="1"/>
+          </p:nvPr>
+        </p:nvSpPr>
+        <p:spPr/>
+        <p:txBody>
+          <a:bodyPr/>
+          <a:lstStyle/>
+          <a:p>
+            <a:r>
               <a:rPr lang="ru-RU" dirty="0"/>
               <a:t>Коннектор кроссплатформенный</a:t>
             </a:r>
@@ -14200,7 +14701,7 @@
 </p:sld>
 </file>
 
-<file path=ppt/slides/slide35.xml><?xml version="1.0" encoding="utf-8"?>
+<file path=ppt/slides/slide36.xml><?xml version="1.0" encoding="utf-8"?>
 <p:sld xmlns:a="http://schemas.openxmlformats.org/drawingml/2006/main" xmlns:r="http://schemas.openxmlformats.org/officeDocument/2006/relationships" xmlns:p="http://schemas.openxmlformats.org/presentationml/2006/main">
   <p:cSld>
     <p:spTree>
@@ -14306,122 +14807,6 @@
     <p:extLst>
       <p:ext uri="{BB962C8B-B14F-4D97-AF65-F5344CB8AC3E}">
         <p14:creationId xmlns:p14="http://schemas.microsoft.com/office/powerpoint/2010/main" val="1047876860"/>
-      </p:ext>
-    </p:extLst>
-  </p:cSld>
-  <p:clrMapOvr>
-    <a:masterClrMapping/>
-  </p:clrMapOvr>
-</p:sld>
-</file>
-
-<file path=ppt/slides/slide36.xml><?xml version="1.0" encoding="utf-8"?>
-<p:sld xmlns:a="http://schemas.openxmlformats.org/drawingml/2006/main" xmlns:r="http://schemas.openxmlformats.org/officeDocument/2006/relationships" xmlns:p="http://schemas.openxmlformats.org/presentationml/2006/main">
-  <p:cSld>
-    <p:spTree>
-      <p:nvGrpSpPr>
-        <p:cNvPr id="1" name=""/>
-        <p:cNvGrpSpPr/>
-        <p:nvPr/>
-      </p:nvGrpSpPr>
-      <p:grpSpPr>
-        <a:xfrm>
-          <a:off x="0" y="0"/>
-          <a:ext cx="0" cy="0"/>
-          <a:chOff x="0" y="0"/>
-          <a:chExt cx="0" cy="0"/>
-        </a:xfrm>
-      </p:grpSpPr>
-      <p:sp>
-        <p:nvSpPr>
-          <p:cNvPr id="2" name="Title 1">
-            <a:extLst>
-              <a:ext uri="{FF2B5EF4-FFF2-40B4-BE49-F238E27FC236}">
-                <a16:creationId xmlns:a16="http://schemas.microsoft.com/office/drawing/2014/main" id="{3794CCEA-6F21-4A04-9985-7C2B4612B14B}"/>
-              </a:ext>
-            </a:extLst>
-          </p:cNvPr>
-          <p:cNvSpPr>
-            <a:spLocks noGrp="1"/>
-          </p:cNvSpPr>
-          <p:nvPr>
-            <p:ph type="title"/>
-          </p:nvPr>
-        </p:nvSpPr>
-        <p:spPr/>
-        <p:txBody>
-          <a:bodyPr/>
-          <a:lstStyle/>
-          <a:p>
-            <a:pPr algn="l"/>
-            <a:r>
-              <a:rPr lang="en-US" dirty="0"/>
-              <a:t>Windows subsystem for Linux</a:t>
-            </a:r>
-            <a:endParaRPr lang="ru-RU" dirty="0"/>
-          </a:p>
-        </p:txBody>
-      </p:sp>
-      <p:sp>
-        <p:nvSpPr>
-          <p:cNvPr id="3" name="Content Placeholder 2">
-            <a:extLst>
-              <a:ext uri="{FF2B5EF4-FFF2-40B4-BE49-F238E27FC236}">
-                <a16:creationId xmlns:a16="http://schemas.microsoft.com/office/drawing/2014/main" id="{3B755C13-406E-439E-AEEB-C96B5E867744}"/>
-              </a:ext>
-            </a:extLst>
-          </p:cNvPr>
-          <p:cNvSpPr>
-            <a:spLocks noGrp="1"/>
-          </p:cNvSpPr>
-          <p:nvPr>
-            <p:ph idx="1"/>
-          </p:nvPr>
-        </p:nvSpPr>
-        <p:spPr/>
-        <p:txBody>
-          <a:bodyPr>
-            <a:normAutofit/>
-          </a:bodyPr>
-          <a:lstStyle/>
-          <a:p>
-            <a:r>
-              <a:rPr lang="en-US" sz="2800" dirty="0"/>
-              <a:t>Ubuntu [default]</a:t>
-            </a:r>
-          </a:p>
-          <a:p>
-            <a:endParaRPr lang="en-US" sz="2800" dirty="0"/>
-          </a:p>
-          <a:p>
-            <a:r>
-              <a:rPr lang="en-US" sz="2800" dirty="0" err="1"/>
-              <a:t>OpenSuse</a:t>
-            </a:r>
-            <a:endParaRPr lang="en-US" sz="2800" dirty="0"/>
-          </a:p>
-          <a:p>
-            <a:endParaRPr lang="en-US" sz="2800" dirty="0"/>
-          </a:p>
-          <a:p>
-            <a:r>
-              <a:rPr lang="en-US" sz="2800" dirty="0"/>
-              <a:t>Kali Linux</a:t>
-            </a:r>
-            <a:endParaRPr lang="ru-RU" sz="2800" dirty="0"/>
-          </a:p>
-          <a:p>
-            <a:endParaRPr lang="ru-RU" sz="2800" dirty="0"/>
-          </a:p>
-          <a:p>
-            <a:endParaRPr lang="ru-RU" dirty="0"/>
-          </a:p>
-        </p:txBody>
-      </p:sp>
-    </p:spTree>
-    <p:extLst>
-      <p:ext uri="{BB962C8B-B14F-4D97-AF65-F5344CB8AC3E}">
-        <p14:creationId xmlns:p14="http://schemas.microsoft.com/office/powerpoint/2010/main" val="1334810279"/>
       </p:ext>
     </p:extLst>
   </p:cSld>
@@ -14472,12 +14857,9 @@
             <a:pPr algn="l"/>
             <a:r>
               <a:rPr lang="en-US" dirty="0"/>
-              <a:t>Docker-</a:t>
-            </a:r>
-            <a:r>
-              <a:rPr lang="ru-RU" dirty="0"/>
-              <a:t>образы</a:t>
-            </a:r>
+              <a:t>Windows subsystem for Linux</a:t>
+            </a:r>
+            <a:endParaRPr lang="ru-RU" dirty="0"/>
           </a:p>
         </p:txBody>
       </p:sp>
@@ -14505,38 +14887,27 @@
           <a:lstStyle/>
           <a:p>
             <a:r>
-              <a:rPr lang="ru-RU" sz="2800" dirty="0"/>
-              <a:t>Официальный: </a:t>
-            </a:r>
-            <a:r>
-              <a:rPr lang="en-US" sz="2800" dirty="0">
-                <a:hlinkClick r:id="rId2"/>
-              </a:rPr>
-              <a:t>https://hub.docker.com/r/tarantool/tarantool/</a:t>
-            </a:r>
+              <a:rPr lang="en-US" sz="2800" dirty="0"/>
+              <a:t>Ubuntu [default]</a:t>
+            </a:r>
+          </a:p>
+          <a:p>
             <a:endParaRPr lang="en-US" sz="2800" dirty="0"/>
           </a:p>
           <a:p>
-            <a:endParaRPr lang="ru-RU" sz="2800" dirty="0">
-              <a:hlinkClick r:id="rId3"/>
-            </a:endParaRPr>
-          </a:p>
-          <a:p>
-            <a:r>
-              <a:rPr lang="ru-RU" sz="2800" dirty="0"/>
-              <a:t>Неофициальный:</a:t>
-            </a:r>
-            <a:r>
-              <a:rPr lang="ru-RU" sz="2800" dirty="0">
-                <a:hlinkClick r:id="rId3"/>
-              </a:rPr>
-              <a:t> </a:t>
-            </a:r>
-            <a:r>
-              <a:rPr lang="en-US" sz="2800" dirty="0">
-                <a:hlinkClick r:id="rId3"/>
-              </a:rPr>
-              <a:t>https://hub.docker.com/r/progaudi/tarantool/</a:t>
+            <a:r>
+              <a:rPr lang="en-US" sz="2800" dirty="0" err="1"/>
+              <a:t>OpenSuse</a:t>
+            </a:r>
+            <a:endParaRPr lang="en-US" sz="2800" dirty="0"/>
+          </a:p>
+          <a:p>
+            <a:endParaRPr lang="en-US" sz="2800" dirty="0"/>
+          </a:p>
+          <a:p>
+            <a:r>
+              <a:rPr lang="en-US" sz="2800" dirty="0"/>
+              <a:t>Kali Linux</a:t>
             </a:r>
             <a:endParaRPr lang="ru-RU" sz="2800" dirty="0"/>
           </a:p>
@@ -14551,7 +14922,7 @@
     </p:spTree>
     <p:extLst>
       <p:ext uri="{BB962C8B-B14F-4D97-AF65-F5344CB8AC3E}">
-        <p14:creationId xmlns:p14="http://schemas.microsoft.com/office/powerpoint/2010/main" val="3122239213"/>
+        <p14:creationId xmlns:p14="http://schemas.microsoft.com/office/powerpoint/2010/main" val="1334810279"/>
       </p:ext>
     </p:extLst>
   </p:cSld>
@@ -14583,7 +14954,7 @@
           <p:cNvPr id="2" name="Title 1">
             <a:extLst>
               <a:ext uri="{FF2B5EF4-FFF2-40B4-BE49-F238E27FC236}">
-                <a16:creationId xmlns:a16="http://schemas.microsoft.com/office/drawing/2014/main" id="{C08026E5-7674-4194-8692-9493B46F08D1}"/>
+                <a16:creationId xmlns:a16="http://schemas.microsoft.com/office/drawing/2014/main" id="{3794CCEA-6F21-4A04-9985-7C2B4612B14B}"/>
               </a:ext>
             </a:extLst>
           </p:cNvPr>
@@ -14601,8 +14972,12 @@
           <a:p>
             <a:pPr algn="l"/>
             <a:r>
+              <a:rPr lang="en-US" dirty="0"/>
+              <a:t>Docker-</a:t>
+            </a:r>
+            <a:r>
               <a:rPr lang="ru-RU" dirty="0"/>
-              <a:t>Официальный образ</a:t>
+              <a:t>образы</a:t>
             </a:r>
           </a:p>
         </p:txBody>
@@ -14612,7 +14987,7 @@
           <p:cNvPr id="3" name="Content Placeholder 2">
             <a:extLst>
               <a:ext uri="{FF2B5EF4-FFF2-40B4-BE49-F238E27FC236}">
-                <a16:creationId xmlns:a16="http://schemas.microsoft.com/office/drawing/2014/main" id="{A6F97EEB-192A-4315-ADAE-C79E33B07214}"/>
+                <a16:creationId xmlns:a16="http://schemas.microsoft.com/office/drawing/2014/main" id="{3B755C13-406E-439E-AEEB-C96B5E867744}"/>
               </a:ext>
             </a:extLst>
           </p:cNvPr>
@@ -14625,37 +15000,51 @@
         </p:nvSpPr>
         <p:spPr/>
         <p:txBody>
-          <a:bodyPr/>
+          <a:bodyPr>
+            <a:normAutofit/>
+          </a:bodyPr>
           <a:lstStyle/>
           <a:p>
             <a:r>
-              <a:rPr lang="ru-RU" dirty="0"/>
-              <a:t>Стабилен</a:t>
-            </a:r>
-          </a:p>
-          <a:p>
-            <a:endParaRPr lang="ru-RU" dirty="0"/>
-          </a:p>
-          <a:p>
-            <a:r>
-              <a:rPr lang="ru-RU" dirty="0"/>
-              <a:t>При обновлении билда не обновляется тег</a:t>
-            </a:r>
-          </a:p>
-          <a:p>
-            <a:endParaRPr lang="ru-RU" dirty="0"/>
-          </a:p>
-          <a:p>
-            <a:r>
-              <a:rPr lang="ru-RU" dirty="0"/>
-              <a:t>Редко обновляется</a:t>
-            </a:r>
-          </a:p>
-          <a:p>
-            <a:endParaRPr lang="en-US" dirty="0"/>
-          </a:p>
-          <a:p>
-            <a:pPr lvl="1"/>
+              <a:rPr lang="ru-RU" sz="2800" dirty="0"/>
+              <a:t>Официальный: </a:t>
+            </a:r>
+            <a:r>
+              <a:rPr lang="en-US" sz="2800" dirty="0">
+                <a:hlinkClick r:id="rId2"/>
+              </a:rPr>
+              <a:t>https://hub.docker.com/r/tarantool/tarantool/</a:t>
+            </a:r>
+            <a:endParaRPr lang="en-US" sz="2800" dirty="0"/>
+          </a:p>
+          <a:p>
+            <a:endParaRPr lang="ru-RU" sz="2800" dirty="0">
+              <a:hlinkClick r:id="rId3"/>
+            </a:endParaRPr>
+          </a:p>
+          <a:p>
+            <a:r>
+              <a:rPr lang="ru-RU" sz="2800" dirty="0"/>
+              <a:t>Неофициальный:</a:t>
+            </a:r>
+            <a:r>
+              <a:rPr lang="ru-RU" sz="2800" dirty="0">
+                <a:hlinkClick r:id="rId3"/>
+              </a:rPr>
+              <a:t> </a:t>
+            </a:r>
+            <a:r>
+              <a:rPr lang="en-US" sz="2800" dirty="0">
+                <a:hlinkClick r:id="rId3"/>
+              </a:rPr>
+              <a:t>https://hub.docker.com/r/progaudi/tarantool/</a:t>
+            </a:r>
+            <a:endParaRPr lang="ru-RU" sz="2800" dirty="0"/>
+          </a:p>
+          <a:p>
+            <a:endParaRPr lang="ru-RU" sz="2800" dirty="0"/>
+          </a:p>
+          <a:p>
             <a:endParaRPr lang="ru-RU" dirty="0"/>
           </a:p>
         </p:txBody>
@@ -14663,7 +15052,7 @@
     </p:spTree>
     <p:extLst>
       <p:ext uri="{BB962C8B-B14F-4D97-AF65-F5344CB8AC3E}">
-        <p14:creationId xmlns:p14="http://schemas.microsoft.com/office/powerpoint/2010/main" val="2894213872"/>
+        <p14:creationId xmlns:p14="http://schemas.microsoft.com/office/powerpoint/2010/main" val="3122239213"/>
       </p:ext>
     </p:extLst>
   </p:cSld>
@@ -14714,7 +15103,7 @@
             <a:pPr algn="l"/>
             <a:r>
               <a:rPr lang="ru-RU" dirty="0"/>
-              <a:t>Неофициальный образ</a:t>
+              <a:t>Официальный образ</a:t>
             </a:r>
           </a:p>
         </p:txBody>
@@ -14742,7 +15131,7 @@
           <a:p>
             <a:r>
               <a:rPr lang="ru-RU" dirty="0"/>
-              <a:t>«Нестабилен»</a:t>
+              <a:t>Стабилен</a:t>
             </a:r>
           </a:p>
           <a:p>
@@ -14751,7 +15140,7 @@
           <a:p>
             <a:r>
               <a:rPr lang="ru-RU" dirty="0"/>
-              <a:t>Билд на каждый коммит</a:t>
+              <a:t>При обновлении билда не обновляется тег</a:t>
             </a:r>
           </a:p>
           <a:p>
@@ -14760,7 +15149,7 @@
           <a:p>
             <a:r>
               <a:rPr lang="ru-RU" dirty="0"/>
-              <a:t>Дополнительные модули</a:t>
+              <a:t>Редко обновляется</a:t>
             </a:r>
           </a:p>
           <a:p>
@@ -14775,7 +15164,7 @@
     </p:spTree>
     <p:extLst>
       <p:ext uri="{BB962C8B-B14F-4D97-AF65-F5344CB8AC3E}">
-        <p14:creationId xmlns:p14="http://schemas.microsoft.com/office/powerpoint/2010/main" val="1530822093"/>
+        <p14:creationId xmlns:p14="http://schemas.microsoft.com/office/powerpoint/2010/main" val="2894213872"/>
       </p:ext>
     </p:extLst>
   </p:cSld>
@@ -14975,7 +15364,7 @@
             <a:pPr algn="l"/>
             <a:r>
               <a:rPr lang="ru-RU" dirty="0"/>
-              <a:t>Дополнительные модули</a:t>
+              <a:t>Неофициальный образ</a:t>
             </a:r>
           </a:p>
         </p:txBody>
@@ -14998,45 +15387,30 @@
         </p:nvSpPr>
         <p:spPr/>
         <p:txBody>
-          <a:bodyPr>
-            <a:normAutofit/>
-          </a:bodyPr>
+          <a:bodyPr/>
           <a:lstStyle/>
           <a:p>
             <a:r>
-              <a:rPr lang="en-US" dirty="0"/>
-              <a:t>lua-utf8 – </a:t>
-            </a:r>
-            <a:r>
               <a:rPr lang="ru-RU" dirty="0"/>
-              <a:t>не нужен с 1.10+</a:t>
-            </a:r>
-            <a:r>
-              <a:rPr lang="en-US" dirty="0"/>
-              <a:t> </a:t>
-            </a:r>
+              <a:t>«Нестабилен»</a:t>
+            </a:r>
+          </a:p>
+          <a:p>
             <a:endParaRPr lang="ru-RU" dirty="0"/>
           </a:p>
           <a:p>
+            <a:r>
+              <a:rPr lang="ru-RU" dirty="0"/>
+              <a:t>Билд на каждый коммит</a:t>
+            </a:r>
+          </a:p>
+          <a:p>
             <a:endParaRPr lang="ru-RU" dirty="0"/>
           </a:p>
           <a:p>
             <a:r>
-              <a:rPr lang="en-US" dirty="0"/>
-              <a:t>spacer </a:t>
-            </a:r>
-            <a:r>
               <a:rPr lang="ru-RU" dirty="0"/>
-              <a:t>для миграции схемы</a:t>
-            </a:r>
-          </a:p>
-          <a:p>
-            <a:endParaRPr lang="ru-RU" dirty="0"/>
-          </a:p>
-          <a:p>
-            <a:r>
-              <a:rPr lang="ru-RU" dirty="0"/>
-              <a:t>Планируется добавление других</a:t>
+              <a:t>Дополнительные модули</a:t>
             </a:r>
           </a:p>
           <a:p>
@@ -15051,7 +15425,7 @@
     </p:spTree>
     <p:extLst>
       <p:ext uri="{BB962C8B-B14F-4D97-AF65-F5344CB8AC3E}">
-        <p14:creationId xmlns:p14="http://schemas.microsoft.com/office/powerpoint/2010/main" val="233094909"/>
+        <p14:creationId xmlns:p14="http://schemas.microsoft.com/office/powerpoint/2010/main" val="1530822093"/>
       </p:ext>
     </p:extLst>
   </p:cSld>
@@ -15083,7 +15457,7 @@
           <p:cNvPr id="2" name="Title 1">
             <a:extLst>
               <a:ext uri="{FF2B5EF4-FFF2-40B4-BE49-F238E27FC236}">
-                <a16:creationId xmlns:a16="http://schemas.microsoft.com/office/drawing/2014/main" id="{5BDDCC6F-D6AB-4B59-B5FF-509D04FF283D}"/>
+                <a16:creationId xmlns:a16="http://schemas.microsoft.com/office/drawing/2014/main" id="{C08026E5-7674-4194-8692-9493B46F08D1}"/>
               </a:ext>
             </a:extLst>
           </p:cNvPr>
@@ -15101,18 +15475,9 @@
           <a:p>
             <a:pPr algn="l"/>
             <a:r>
-              <a:rPr lang="en-US" dirty="0"/>
-              <a:t>Lua </a:t>
-            </a:r>
-            <a:r>
               <a:rPr lang="ru-RU" dirty="0"/>
-              <a:t>и </a:t>
-            </a:r>
-            <a:r>
-              <a:rPr lang="en-US" dirty="0" err="1"/>
-              <a:t>sql</a:t>
-            </a:r>
-            <a:endParaRPr lang="ru-RU" dirty="0"/>
+              <a:t>Дополнительные модули</a:t>
+            </a:r>
           </a:p>
         </p:txBody>
       </p:sp>
@@ -15121,7 +15486,7 @@
           <p:cNvPr id="3" name="Content Placeholder 2">
             <a:extLst>
               <a:ext uri="{FF2B5EF4-FFF2-40B4-BE49-F238E27FC236}">
-                <a16:creationId xmlns:a16="http://schemas.microsoft.com/office/drawing/2014/main" id="{3DB3C163-3E27-47F1-A820-51779255987C}"/>
+                <a16:creationId xmlns:a16="http://schemas.microsoft.com/office/drawing/2014/main" id="{A6F97EEB-192A-4315-ADAE-C79E33B07214}"/>
               </a:ext>
             </a:extLst>
           </p:cNvPr>
@@ -15134,60 +15499,52 @@
         </p:nvSpPr>
         <p:spPr/>
         <p:txBody>
-          <a:bodyPr/>
+          <a:bodyPr>
+            <a:normAutofit/>
+          </a:bodyPr>
           <a:lstStyle/>
           <a:p>
             <a:r>
               <a:rPr lang="en-US" dirty="0"/>
-              <a:t>Lua – </a:t>
+              <a:t>lua-utf8 – </a:t>
             </a:r>
             <a:r>
               <a:rPr lang="ru-RU" dirty="0"/>
-              <a:t>специфический</a:t>
-            </a:r>
-            <a:r>
-              <a:rPr lang="en-US" dirty="0"/>
-              <a:t>:</a:t>
-            </a:r>
-          </a:p>
-          <a:p>
-            <a:pPr lvl="1"/>
-            <a:r>
-              <a:rPr lang="en-US" dirty="0" err="1"/>
-              <a:t>box.NULL</a:t>
+              <a:t>не нужен с 1.10+</a:t>
             </a:r>
             <a:r>
               <a:rPr lang="en-US" dirty="0"/>
               <a:t> </a:t>
             </a:r>
+            <a:endParaRPr lang="ru-RU" dirty="0"/>
+          </a:p>
+          <a:p>
+            <a:endParaRPr lang="ru-RU" dirty="0"/>
+          </a:p>
+          <a:p>
+            <a:r>
+              <a:rPr lang="en-US" dirty="0"/>
+              <a:t>spacer </a:t>
+            </a:r>
             <a:r>
               <a:rPr lang="ru-RU" dirty="0"/>
-              <a:t>вместо </a:t>
-            </a:r>
-            <a:r>
-              <a:rPr lang="en-US" dirty="0"/>
-              <a:t>nil</a:t>
-            </a:r>
+              <a:t>для миграции схемы</a:t>
+            </a:r>
+          </a:p>
+          <a:p>
+            <a:endParaRPr lang="ru-RU" dirty="0"/>
+          </a:p>
+          <a:p>
+            <a:r>
+              <a:rPr lang="ru-RU" dirty="0"/>
+              <a:t>Планируется добавление других</a:t>
+            </a:r>
+          </a:p>
+          <a:p>
+            <a:endParaRPr lang="en-US" dirty="0"/>
           </a:p>
           <a:p>
             <a:pPr lvl="1"/>
-            <a:r>
-              <a:rPr lang="ru-RU" dirty="0"/>
-              <a:t>массивы с 1</a:t>
-            </a:r>
-          </a:p>
-          <a:p>
-            <a:endParaRPr lang="ru-RU" dirty="0"/>
-          </a:p>
-          <a:p>
-            <a:r>
-              <a:rPr lang="en-US" dirty="0" err="1"/>
-              <a:t>Sql</a:t>
-            </a:r>
-            <a:r>
-              <a:rPr lang="en-US" dirty="0"/>
-              <a:t> – 2.0 </a:t>
-            </a:r>
             <a:endParaRPr lang="ru-RU" dirty="0"/>
           </a:p>
         </p:txBody>
@@ -15195,7 +15552,7 @@
     </p:spTree>
     <p:extLst>
       <p:ext uri="{BB962C8B-B14F-4D97-AF65-F5344CB8AC3E}">
-        <p14:creationId xmlns:p14="http://schemas.microsoft.com/office/powerpoint/2010/main" val="2896137870"/>
+        <p14:creationId xmlns:p14="http://schemas.microsoft.com/office/powerpoint/2010/main" val="233094909"/>
       </p:ext>
     </p:extLst>
   </p:cSld>
@@ -15246,7 +15603,15 @@
             <a:pPr algn="l"/>
             <a:r>
               <a:rPr lang="en-US" dirty="0"/>
-              <a:t>IDE?</a:t>
+              <a:t>Lua </a:t>
+            </a:r>
+            <a:r>
+              <a:rPr lang="ru-RU" dirty="0"/>
+              <a:t>и </a:t>
+            </a:r>
+            <a:r>
+              <a:rPr lang="en-US" dirty="0" err="1"/>
+              <a:t>sql</a:t>
             </a:r>
             <a:endParaRPr lang="ru-RU" dirty="0"/>
           </a:p>
@@ -15270,50 +15635,68 @@
         </p:nvSpPr>
         <p:spPr/>
         <p:txBody>
-          <a:bodyPr>
-            <a:normAutofit/>
-          </a:bodyPr>
+          <a:bodyPr/>
           <a:lstStyle/>
           <a:p>
             <a:r>
               <a:rPr lang="en-US" dirty="0"/>
-              <a:t>VS Code + print for debug</a:t>
-            </a:r>
-          </a:p>
-          <a:p>
-            <a:endParaRPr lang="en-US" dirty="0"/>
-          </a:p>
-          <a:p>
+              <a:t>Lua – </a:t>
+            </a:r>
+            <a:r>
+              <a:rPr lang="ru-RU" dirty="0"/>
+              <a:t>специфический</a:t>
+            </a:r>
             <a:r>
               <a:rPr lang="en-US" dirty="0"/>
-              <a:t>IDEA:</a:t>
-            </a:r>
-            <a:br>
+              <a:t>:</a:t>
+            </a:r>
+          </a:p>
+          <a:p>
+            <a:pPr lvl="1"/>
+            <a:r>
+              <a:rPr lang="en-US" dirty="0" err="1"/>
+              <a:t>box.NULL</a:t>
+            </a:r>
+            <a:r>
               <a:rPr lang="en-US" dirty="0"/>
-            </a:br>
-            <a:r>
-              <a:rPr lang="en-US" sz="1800" dirty="0">
-                <a:hlinkClick r:id="rId2"/>
-              </a:rPr>
-              <a:t>https://tarantool.io/en/doc/1.9/book/app_server/using_ide.html</a:t>
-            </a:r>
-            <a:endParaRPr lang="en-US" sz="1800" dirty="0"/>
-          </a:p>
-          <a:p>
-            <a:endParaRPr lang="en-US" dirty="0"/>
-          </a:p>
-          <a:p>
-            <a:endParaRPr lang="en-US" dirty="0"/>
-          </a:p>
-          <a:p>
-            <a:endParaRPr lang="en-US" dirty="0"/>
+              <a:t> </a:t>
+            </a:r>
+            <a:r>
+              <a:rPr lang="ru-RU" dirty="0"/>
+              <a:t>вместо </a:t>
+            </a:r>
+            <a:r>
+              <a:rPr lang="en-US" dirty="0"/>
+              <a:t>nil</a:t>
+            </a:r>
+          </a:p>
+          <a:p>
+            <a:pPr lvl="1"/>
+            <a:r>
+              <a:rPr lang="ru-RU" dirty="0"/>
+              <a:t>массивы с 1</a:t>
+            </a:r>
+          </a:p>
+          <a:p>
+            <a:endParaRPr lang="ru-RU" dirty="0"/>
+          </a:p>
+          <a:p>
+            <a:r>
+              <a:rPr lang="en-US" dirty="0" err="1"/>
+              <a:t>Sql</a:t>
+            </a:r>
+            <a:r>
+              <a:rPr lang="en-US" dirty="0"/>
+              <a:t> – 2.0 </a:t>
+            </a:r>
+            <a:endParaRPr lang="ru-RU" dirty="0"/>
           </a:p>
         </p:txBody>
       </p:sp>
     </p:spTree>
     <p:extLst>
       <p:ext uri="{BB962C8B-B14F-4D97-AF65-F5344CB8AC3E}">
-        <p14:creationId xmlns:p14="http://schemas.microsoft.com/office/powerpoint/2010/main" val="715683951"/>
+        <p14:creationId xmlns:p14="http://schemas.microsoft.com/office/powerpoint/2010/main" val="2896137870"/>
       </p:ext>
     </p:extLst>
   </p:cSld>
@@ -15363,9 +15746,10 @@
           <a:p>
             <a:pPr algn="l"/>
             <a:r>
-              <a:rPr lang="ru-RU" dirty="0"/>
-              <a:t>Мониторинг и логирование</a:t>
-            </a:r>
+              <a:rPr lang="en-US" dirty="0"/>
+              <a:t>IDE?</a:t>
+            </a:r>
+            <a:endParaRPr lang="ru-RU" dirty="0"/>
           </a:p>
         </p:txBody>
       </p:sp>
@@ -15388,176 +15772,41 @@
         <p:spPr/>
         <p:txBody>
           <a:bodyPr>
-            <a:normAutofit lnSpcReduction="10000"/>
+            <a:normAutofit/>
           </a:bodyPr>
           <a:lstStyle/>
           <a:p>
             <a:r>
-              <a:rPr lang="en-US" dirty="0" err="1"/>
-              <a:t>box.cfg.log_format</a:t>
-            </a:r>
-            <a:r>
               <a:rPr lang="en-US" dirty="0"/>
-              <a:t> = 'json'</a:t>
+              <a:t>VS Code + print for debug</a:t>
+            </a:r>
+          </a:p>
+          <a:p>
+            <a:endParaRPr lang="en-US" dirty="0"/>
+          </a:p>
+          <a:p>
+            <a:r>
+              <a:rPr lang="en-US" dirty="0"/>
+              <a:t>IDEA:</a:t>
             </a:r>
             <a:br>
               <a:rPr lang="en-US" dirty="0"/>
             </a:br>
             <a:r>
               <a:rPr lang="en-US" sz="1800" dirty="0">
-                <a:solidFill>
-                  <a:srgbClr val="AF00DB"/>
-                </a:solidFill>
-                <a:latin typeface="Consolas" panose="020B0609020204030204" pitchFamily="49" charset="0"/>
-              </a:rPr>
-              <a:t>local</a:t>
-            </a:r>
-            <a:r>
-              <a:rPr lang="en-US" sz="1800" dirty="0">
-                <a:solidFill>
-                  <a:srgbClr val="000000"/>
-                </a:solidFill>
-                <a:latin typeface="Consolas" panose="020B0609020204030204" pitchFamily="49" charset="0"/>
-              </a:rPr>
-              <a:t> log = </a:t>
-            </a:r>
-            <a:r>
-              <a:rPr lang="en-US" sz="1800" dirty="0">
-                <a:solidFill>
-                  <a:srgbClr val="795E26"/>
-                </a:solidFill>
-                <a:latin typeface="Consolas" panose="020B0609020204030204" pitchFamily="49" charset="0"/>
-              </a:rPr>
-              <a:t>require</a:t>
-            </a:r>
-            <a:r>
-              <a:rPr lang="en-US" sz="1800" dirty="0">
-                <a:solidFill>
-                  <a:srgbClr val="000000"/>
-                </a:solidFill>
-                <a:latin typeface="Consolas" panose="020B0609020204030204" pitchFamily="49" charset="0"/>
-              </a:rPr>
-              <a:t>(</a:t>
-            </a:r>
-            <a:r>
-              <a:rPr lang="en-US" sz="1800" dirty="0">
-                <a:solidFill>
-                  <a:srgbClr val="A31515"/>
-                </a:solidFill>
-                <a:latin typeface="Consolas" panose="020B0609020204030204" pitchFamily="49" charset="0"/>
-              </a:rPr>
-              <a:t>'log'</a:t>
-            </a:r>
-            <a:r>
-              <a:rPr lang="en-US" sz="1800" dirty="0">
-                <a:solidFill>
-                  <a:srgbClr val="000000"/>
-                </a:solidFill>
-                <a:latin typeface="Consolas" panose="020B0609020204030204" pitchFamily="49" charset="0"/>
-              </a:rPr>
-              <a:t>)</a:t>
-            </a:r>
-            <a:br>
-              <a:rPr lang="en-US" sz="1800" dirty="0">
-                <a:solidFill>
-                  <a:srgbClr val="000000"/>
-                </a:solidFill>
-                <a:latin typeface="Consolas" panose="020B0609020204030204" pitchFamily="49" charset="0"/>
-              </a:rPr>
-            </a:br>
-            <a:r>
-              <a:rPr lang="en-US" sz="1800" dirty="0">
-                <a:solidFill>
-                  <a:srgbClr val="000000"/>
-                </a:solidFill>
-                <a:latin typeface="Consolas" panose="020B0609020204030204" pitchFamily="49" charset="0"/>
-              </a:rPr>
-              <a:t>log.</a:t>
-            </a:r>
-            <a:r>
-              <a:rPr lang="en-US" sz="1800" dirty="0">
-                <a:solidFill>
-                  <a:srgbClr val="795E26"/>
-                </a:solidFill>
-                <a:latin typeface="Consolas" panose="020B0609020204030204" pitchFamily="49" charset="0"/>
-              </a:rPr>
-              <a:t>info</a:t>
-            </a:r>
-            <a:r>
-              <a:rPr lang="en-US" sz="1800" dirty="0">
-                <a:solidFill>
-                  <a:srgbClr val="000000"/>
-                </a:solidFill>
-                <a:latin typeface="Consolas" panose="020B0609020204030204" pitchFamily="49" charset="0"/>
-              </a:rPr>
-              <a:t>{space=space.</a:t>
-            </a:r>
-            <a:r>
-              <a:rPr lang="en-US" sz="1800" dirty="0">
-                <a:solidFill>
-                  <a:srgbClr val="001080"/>
-                </a:solidFill>
-                <a:latin typeface="Consolas" panose="020B0609020204030204" pitchFamily="49" charset="0"/>
-              </a:rPr>
-              <a:t>name</a:t>
-            </a:r>
-            <a:r>
-              <a:rPr lang="en-US" sz="1800" dirty="0">
-                <a:solidFill>
-                  <a:srgbClr val="000000"/>
-                </a:solidFill>
-                <a:latin typeface="Consolas" panose="020B0609020204030204" pitchFamily="49" charset="0"/>
-              </a:rPr>
-              <a:t>, status=</a:t>
-            </a:r>
-            <a:r>
-              <a:rPr lang="en-US" sz="1800" dirty="0">
-                <a:solidFill>
-                  <a:srgbClr val="A31515"/>
-                </a:solidFill>
-                <a:latin typeface="Consolas" panose="020B0609020204030204" pitchFamily="49" charset="0"/>
-              </a:rPr>
-              <a:t>'created'</a:t>
-            </a:r>
-            <a:r>
-              <a:rPr lang="en-US" sz="1800" dirty="0">
-                <a:solidFill>
-                  <a:srgbClr val="000000"/>
-                </a:solidFill>
-                <a:latin typeface="Consolas" panose="020B0609020204030204" pitchFamily="49" charset="0"/>
-              </a:rPr>
-              <a:t>}</a:t>
-            </a:r>
-          </a:p>
-          <a:p>
-            <a:endParaRPr lang="ru-RU" dirty="0"/>
-          </a:p>
-          <a:p>
-            <a:r>
-              <a:rPr lang="en-US" dirty="0" err="1"/>
-              <a:t>Fluentd</a:t>
-            </a:r>
-            <a:r>
-              <a:rPr lang="en-US" dirty="0"/>
-              <a:t> docker logging driver</a:t>
-            </a:r>
+                <a:hlinkClick r:id="rId2"/>
+              </a:rPr>
+              <a:t>https://tarantool.io/en/doc/1.9/book/app_server/using_ide.html</a:t>
+            </a:r>
+            <a:endParaRPr lang="en-US" sz="1800" dirty="0"/>
           </a:p>
           <a:p>
             <a:endParaRPr lang="en-US" dirty="0"/>
           </a:p>
           <a:p>
-            <a:r>
-              <a:rPr lang="en-US" dirty="0" err="1"/>
-              <a:t>tarantool</a:t>
-            </a:r>
-            <a:r>
-              <a:rPr lang="en-US" dirty="0"/>
-              <a:t>/</a:t>
-            </a:r>
-            <a:r>
-              <a:rPr lang="en-US" dirty="0" err="1"/>
-              <a:t>prometheus</a:t>
-            </a:r>
+            <a:endParaRPr lang="en-US" dirty="0"/>
+          </a:p>
+          <a:p>
             <a:endParaRPr lang="en-US" dirty="0"/>
           </a:p>
         </p:txBody>
@@ -15565,7 +15814,7 @@
     </p:spTree>
     <p:extLst>
       <p:ext uri="{BB962C8B-B14F-4D97-AF65-F5344CB8AC3E}">
-        <p14:creationId xmlns:p14="http://schemas.microsoft.com/office/powerpoint/2010/main" val="1701050457"/>
+        <p14:creationId xmlns:p14="http://schemas.microsoft.com/office/powerpoint/2010/main" val="715683951"/>
       </p:ext>
     </p:extLst>
   </p:cSld>
@@ -15616,7 +15865,7 @@
             <a:pPr algn="l"/>
             <a:r>
               <a:rPr lang="ru-RU" dirty="0"/>
-              <a:t>Репликация</a:t>
+              <a:t>Мониторинг и логирование</a:t>
             </a:r>
           </a:p>
         </p:txBody>
@@ -15640,13 +15889,145 @@
         <p:spPr/>
         <p:txBody>
           <a:bodyPr>
-            <a:normAutofit/>
+            <a:normAutofit lnSpcReduction="10000"/>
           </a:bodyPr>
           <a:lstStyle/>
           <a:p>
             <a:r>
-              <a:rPr lang="ru-RU" dirty="0"/>
-              <a:t>Асинхронная</a:t>
+              <a:rPr lang="en-US" dirty="0" err="1"/>
+              <a:t>box.cfg.log_format</a:t>
+            </a:r>
+            <a:r>
+              <a:rPr lang="en-US" dirty="0"/>
+              <a:t> = 'json'</a:t>
+            </a:r>
+            <a:br>
+              <a:rPr lang="en-US" dirty="0"/>
+            </a:br>
+            <a:r>
+              <a:rPr lang="en-US" sz="1800" dirty="0">
+                <a:solidFill>
+                  <a:srgbClr val="AF00DB"/>
+                </a:solidFill>
+                <a:latin typeface="Consolas" panose="020B0609020204030204" pitchFamily="49" charset="0"/>
+              </a:rPr>
+              <a:t>local</a:t>
+            </a:r>
+            <a:r>
+              <a:rPr lang="en-US" sz="1800" dirty="0">
+                <a:solidFill>
+                  <a:srgbClr val="000000"/>
+                </a:solidFill>
+                <a:latin typeface="Consolas" panose="020B0609020204030204" pitchFamily="49" charset="0"/>
+              </a:rPr>
+              <a:t> log = </a:t>
+            </a:r>
+            <a:r>
+              <a:rPr lang="en-US" sz="1800" dirty="0">
+                <a:solidFill>
+                  <a:srgbClr val="795E26"/>
+                </a:solidFill>
+                <a:latin typeface="Consolas" panose="020B0609020204030204" pitchFamily="49" charset="0"/>
+              </a:rPr>
+              <a:t>require</a:t>
+            </a:r>
+            <a:r>
+              <a:rPr lang="en-US" sz="1800" dirty="0">
+                <a:solidFill>
+                  <a:srgbClr val="000000"/>
+                </a:solidFill>
+                <a:latin typeface="Consolas" panose="020B0609020204030204" pitchFamily="49" charset="0"/>
+              </a:rPr>
+              <a:t>(</a:t>
+            </a:r>
+            <a:r>
+              <a:rPr lang="en-US" sz="1800" dirty="0">
+                <a:solidFill>
+                  <a:srgbClr val="A31515"/>
+                </a:solidFill>
+                <a:latin typeface="Consolas" panose="020B0609020204030204" pitchFamily="49" charset="0"/>
+              </a:rPr>
+              <a:t>'log'</a:t>
+            </a:r>
+            <a:r>
+              <a:rPr lang="en-US" sz="1800" dirty="0">
+                <a:solidFill>
+                  <a:srgbClr val="000000"/>
+                </a:solidFill>
+                <a:latin typeface="Consolas" panose="020B0609020204030204" pitchFamily="49" charset="0"/>
+              </a:rPr>
+              <a:t>)</a:t>
+            </a:r>
+            <a:br>
+              <a:rPr lang="en-US" sz="1800" dirty="0">
+                <a:solidFill>
+                  <a:srgbClr val="000000"/>
+                </a:solidFill>
+                <a:latin typeface="Consolas" panose="020B0609020204030204" pitchFamily="49" charset="0"/>
+              </a:rPr>
+            </a:br>
+            <a:r>
+              <a:rPr lang="en-US" sz="1800" dirty="0">
+                <a:solidFill>
+                  <a:srgbClr val="000000"/>
+                </a:solidFill>
+                <a:latin typeface="Consolas" panose="020B0609020204030204" pitchFamily="49" charset="0"/>
+              </a:rPr>
+              <a:t>log.</a:t>
+            </a:r>
+            <a:r>
+              <a:rPr lang="en-US" sz="1800" dirty="0">
+                <a:solidFill>
+                  <a:srgbClr val="795E26"/>
+                </a:solidFill>
+                <a:latin typeface="Consolas" panose="020B0609020204030204" pitchFamily="49" charset="0"/>
+              </a:rPr>
+              <a:t>info</a:t>
+            </a:r>
+            <a:r>
+              <a:rPr lang="en-US" sz="1800" dirty="0">
+                <a:solidFill>
+                  <a:srgbClr val="000000"/>
+                </a:solidFill>
+                <a:latin typeface="Consolas" panose="020B0609020204030204" pitchFamily="49" charset="0"/>
+              </a:rPr>
+              <a:t>{space=space.</a:t>
+            </a:r>
+            <a:r>
+              <a:rPr lang="en-US" sz="1800" dirty="0">
+                <a:solidFill>
+                  <a:srgbClr val="001080"/>
+                </a:solidFill>
+                <a:latin typeface="Consolas" panose="020B0609020204030204" pitchFamily="49" charset="0"/>
+              </a:rPr>
+              <a:t>name</a:t>
+            </a:r>
+            <a:r>
+              <a:rPr lang="en-US" sz="1800" dirty="0">
+                <a:solidFill>
+                  <a:srgbClr val="000000"/>
+                </a:solidFill>
+                <a:latin typeface="Consolas" panose="020B0609020204030204" pitchFamily="49" charset="0"/>
+              </a:rPr>
+              <a:t>, status=</a:t>
+            </a:r>
+            <a:r>
+              <a:rPr lang="en-US" sz="1800" dirty="0">
+                <a:solidFill>
+                  <a:srgbClr val="A31515"/>
+                </a:solidFill>
+                <a:latin typeface="Consolas" panose="020B0609020204030204" pitchFamily="49" charset="0"/>
+              </a:rPr>
+              <a:t>'created'</a:t>
+            </a:r>
+            <a:r>
+              <a:rPr lang="en-US" sz="1800" dirty="0">
+                <a:solidFill>
+                  <a:srgbClr val="000000"/>
+                </a:solidFill>
+                <a:latin typeface="Consolas" panose="020B0609020204030204" pitchFamily="49" charset="0"/>
+              </a:rPr>
+              <a:t>}</a:t>
             </a:r>
           </a:p>
           <a:p>
@@ -15654,8 +16035,12 @@
           </a:p>
           <a:p>
             <a:r>
+              <a:rPr lang="en-US" dirty="0" err="1"/>
+              <a:t>Fluentd</a:t>
+            </a:r>
+            <a:r>
               <a:rPr lang="en-US" dirty="0"/>
-              <a:t>Master-master</a:t>
+              <a:t> docker logging driver</a:t>
             </a:r>
           </a:p>
           <a:p>
@@ -15663,20 +16048,25 @@
           </a:p>
           <a:p>
             <a:r>
-              <a:rPr lang="ru-RU" dirty="0"/>
-              <a:t>Не все модули совместимы (</a:t>
+              <a:rPr lang="en-US" dirty="0" err="1"/>
+              <a:t>tarantool</a:t>
             </a:r>
             <a:r>
               <a:rPr lang="en-US" dirty="0"/>
-              <a:t>queue!)</a:t>
-            </a:r>
+              <a:t>/</a:t>
+            </a:r>
+            <a:r>
+              <a:rPr lang="en-US" dirty="0" err="1"/>
+              <a:t>prometheus</a:t>
+            </a:r>
+            <a:endParaRPr lang="en-US" dirty="0"/>
           </a:p>
         </p:txBody>
       </p:sp>
     </p:spTree>
     <p:extLst>
       <p:ext uri="{BB962C8B-B14F-4D97-AF65-F5344CB8AC3E}">
-        <p14:creationId xmlns:p14="http://schemas.microsoft.com/office/powerpoint/2010/main" val="4286123793"/>
+        <p14:creationId xmlns:p14="http://schemas.microsoft.com/office/powerpoint/2010/main" val="1701050457"/>
       </p:ext>
     </p:extLst>
   </p:cSld>
@@ -15727,6 +16117,117 @@
             <a:pPr algn="l"/>
             <a:r>
               <a:rPr lang="ru-RU" dirty="0"/>
+              <a:t>Репликация</a:t>
+            </a:r>
+          </a:p>
+        </p:txBody>
+      </p:sp>
+      <p:sp>
+        <p:nvSpPr>
+          <p:cNvPr id="3" name="Content Placeholder 2">
+            <a:extLst>
+              <a:ext uri="{FF2B5EF4-FFF2-40B4-BE49-F238E27FC236}">
+                <a16:creationId xmlns:a16="http://schemas.microsoft.com/office/drawing/2014/main" id="{3DB3C163-3E27-47F1-A820-51779255987C}"/>
+              </a:ext>
+            </a:extLst>
+          </p:cNvPr>
+          <p:cNvSpPr>
+            <a:spLocks noGrp="1"/>
+          </p:cNvSpPr>
+          <p:nvPr>
+            <p:ph idx="1"/>
+          </p:nvPr>
+        </p:nvSpPr>
+        <p:spPr/>
+        <p:txBody>
+          <a:bodyPr>
+            <a:normAutofit/>
+          </a:bodyPr>
+          <a:lstStyle/>
+          <a:p>
+            <a:r>
+              <a:rPr lang="ru-RU" dirty="0"/>
+              <a:t>Асинхронная</a:t>
+            </a:r>
+          </a:p>
+          <a:p>
+            <a:endParaRPr lang="ru-RU" dirty="0"/>
+          </a:p>
+          <a:p>
+            <a:r>
+              <a:rPr lang="en-US" dirty="0"/>
+              <a:t>Master-master</a:t>
+            </a:r>
+          </a:p>
+          <a:p>
+            <a:endParaRPr lang="en-US" dirty="0"/>
+          </a:p>
+          <a:p>
+            <a:r>
+              <a:rPr lang="ru-RU" dirty="0"/>
+              <a:t>Не все модули совместимы (</a:t>
+            </a:r>
+            <a:r>
+              <a:rPr lang="en-US" dirty="0"/>
+              <a:t>queue!)</a:t>
+            </a:r>
+          </a:p>
+        </p:txBody>
+      </p:sp>
+    </p:spTree>
+    <p:extLst>
+      <p:ext uri="{BB962C8B-B14F-4D97-AF65-F5344CB8AC3E}">
+        <p14:creationId xmlns:p14="http://schemas.microsoft.com/office/powerpoint/2010/main" val="4286123793"/>
+      </p:ext>
+    </p:extLst>
+  </p:cSld>
+  <p:clrMapOvr>
+    <a:masterClrMapping/>
+  </p:clrMapOvr>
+</p:sld>
+</file>
+
+<file path=ppt/slides/slide46.xml><?xml version="1.0" encoding="utf-8"?>
+<p:sld xmlns:a="http://schemas.openxmlformats.org/drawingml/2006/main" xmlns:r="http://schemas.openxmlformats.org/officeDocument/2006/relationships" xmlns:p="http://schemas.openxmlformats.org/presentationml/2006/main">
+  <p:cSld>
+    <p:spTree>
+      <p:nvGrpSpPr>
+        <p:cNvPr id="1" name=""/>
+        <p:cNvGrpSpPr/>
+        <p:nvPr/>
+      </p:nvGrpSpPr>
+      <p:grpSpPr>
+        <a:xfrm>
+          <a:off x="0" y="0"/>
+          <a:ext cx="0" cy="0"/>
+          <a:chOff x="0" y="0"/>
+          <a:chExt cx="0" cy="0"/>
+        </a:xfrm>
+      </p:grpSpPr>
+      <p:sp>
+        <p:nvSpPr>
+          <p:cNvPr id="2" name="Title 1">
+            <a:extLst>
+              <a:ext uri="{FF2B5EF4-FFF2-40B4-BE49-F238E27FC236}">
+                <a16:creationId xmlns:a16="http://schemas.microsoft.com/office/drawing/2014/main" id="{5BDDCC6F-D6AB-4B59-B5FF-509D04FF283D}"/>
+              </a:ext>
+            </a:extLst>
+          </p:cNvPr>
+          <p:cNvSpPr>
+            <a:spLocks noGrp="1"/>
+          </p:cNvSpPr>
+          <p:nvPr>
+            <p:ph type="title"/>
+          </p:nvPr>
+        </p:nvSpPr>
+        <p:spPr/>
+        <p:txBody>
+          <a:bodyPr/>
+          <a:lstStyle/>
+          <a:p>
+            <a:pPr algn="l"/>
+            <a:r>
+              <a:rPr lang="ru-RU" dirty="0"/>
               <a:t>Выводы</a:t>
             </a:r>
           </a:p>
@@ -15807,7 +16308,7 @@
 </p:sld>
 </file>
 
-<file path=ppt/slides/slide46.xml><?xml version="1.0" encoding="utf-8"?>
+<file path=ppt/slides/slide47.xml><?xml version="1.0" encoding="utf-8"?>
 <p:sld xmlns:a="http://schemas.openxmlformats.org/drawingml/2006/main" xmlns:r="http://schemas.openxmlformats.org/officeDocument/2006/relationships" xmlns:p="http://schemas.openxmlformats.org/presentationml/2006/main">
   <p:cSld>
     <p:spTree>
